--- a/data/Dokumente/Präsentation.pptx
+++ b/data/Dokumente/Präsentation.pptx
@@ -6,6 +6,7 @@
   </p:sldMasterIdLst>
   <p:sldIdLst>
     <p:sldId id="256" r:id="rId2"/>
+    <p:sldId id="257" r:id="rId3"/>
   </p:sldIdLst>
   <p:sldSz cx="12192000" cy="6858000"/>
   <p:notesSz cx="6858000" cy="9144000"/>
@@ -104,6 +105,11 @@
       </a:defRPr>
     </a:lvl9pPr>
   </p:defaultTextStyle>
+  <p:extLst>
+    <p:ext uri="{EFAFB233-063F-42B5-8137-9DF3F51BA10A}">
+      <p15:sldGuideLst xmlns:p15="http://schemas.microsoft.com/office/powerpoint/2012/main"/>
+    </p:ext>
+  </p:extLst>
 </p:presentation>
 </file>
 
@@ -292,7 +298,7 @@
           <a:p>
             <a:fld id="{4AAD347D-5ACD-4C99-B74B-A9C85AD731AF}" type="datetimeFigureOut">
               <a:rPr lang="en-US" smtClean="0"/>
-              <a:t>9/1/2015</a:t>
+              <a:t>9/4/2015</a:t>
             </a:fld>
             <a:endParaRPr lang="en-US" dirty="0"/>
           </a:p>
@@ -574,7 +580,7 @@
           <a:p>
             <a:fld id="{4509A250-FF31-4206-8172-F9D3106AACB1}" type="datetimeFigureOut">
               <a:rPr lang="en-US" smtClean="0"/>
-              <a:t>9/1/2015</a:t>
+              <a:t>9/4/2015</a:t>
             </a:fld>
             <a:endParaRPr lang="en-US" dirty="0"/>
           </a:p>
@@ -775,7 +781,7 @@
           <a:p>
             <a:fld id="{4509A250-FF31-4206-8172-F9D3106AACB1}" type="datetimeFigureOut">
               <a:rPr lang="en-US" smtClean="0"/>
-              <a:t>9/1/2015</a:t>
+              <a:t>9/4/2015</a:t>
             </a:fld>
             <a:endParaRPr lang="en-US" dirty="0"/>
           </a:p>
@@ -1054,7 +1060,7 @@
           <a:p>
             <a:fld id="{4509A250-FF31-4206-8172-F9D3106AACB1}" type="datetimeFigureOut">
               <a:rPr lang="en-US" smtClean="0"/>
-              <a:t>9/1/2015</a:t>
+              <a:t>9/4/2015</a:t>
             </a:fld>
             <a:endParaRPr lang="en-US" dirty="0"/>
           </a:p>
@@ -1409,7 +1415,7 @@
           <a:p>
             <a:fld id="{4509A250-FF31-4206-8172-F9D3106AACB1}" type="datetimeFigureOut">
               <a:rPr lang="en-US" smtClean="0"/>
-              <a:t>9/1/2015</a:t>
+              <a:t>9/4/2015</a:t>
             </a:fld>
             <a:endParaRPr lang="en-US" dirty="0"/>
           </a:p>
@@ -2036,7 +2042,7 @@
           <a:p>
             <a:fld id="{4509A250-FF31-4206-8172-F9D3106AACB1}" type="datetimeFigureOut">
               <a:rPr lang="en-US" smtClean="0"/>
-              <a:t>9/1/2015</a:t>
+              <a:t>9/4/2015</a:t>
             </a:fld>
             <a:endParaRPr lang="en-US" dirty="0"/>
           </a:p>
@@ -2900,7 +2906,7 @@
           <a:p>
             <a:fld id="{4509A250-FF31-4206-8172-F9D3106AACB1}" type="datetimeFigureOut">
               <a:rPr lang="en-US" smtClean="0"/>
-              <a:t>9/1/2015</a:t>
+              <a:t>9/4/2015</a:t>
             </a:fld>
             <a:endParaRPr lang="en-US" dirty="0"/>
           </a:p>
@@ -3077,7 +3083,7 @@
           <a:p>
             <a:fld id="{4509A250-FF31-4206-8172-F9D3106AACB1}" type="datetimeFigureOut">
               <a:rPr lang="en-US" smtClean="0"/>
-              <a:t>9/1/2015</a:t>
+              <a:t>9/4/2015</a:t>
             </a:fld>
             <a:endParaRPr lang="en-US" dirty="0"/>
           </a:p>
@@ -3264,7 +3270,7 @@
           <a:p>
             <a:fld id="{4509A250-FF31-4206-8172-F9D3106AACB1}" type="datetimeFigureOut">
               <a:rPr lang="en-US" smtClean="0"/>
-              <a:t>9/1/2015</a:t>
+              <a:t>9/4/2015</a:t>
             </a:fld>
             <a:endParaRPr lang="en-US" dirty="0"/>
           </a:p>
@@ -3441,7 +3447,7 @@
           <a:p>
             <a:fld id="{4509A250-FF31-4206-8172-F9D3106AACB1}" type="datetimeFigureOut">
               <a:rPr lang="en-US" smtClean="0"/>
-              <a:t>9/1/2015</a:t>
+              <a:t>9/4/2015</a:t>
             </a:fld>
             <a:endParaRPr lang="en-US" dirty="0"/>
           </a:p>
@@ -3694,7 +3700,7 @@
           <a:p>
             <a:fld id="{4509A250-FF31-4206-8172-F9D3106AACB1}" type="datetimeFigureOut">
               <a:rPr lang="en-US" smtClean="0"/>
-              <a:t>9/1/2015</a:t>
+              <a:t>9/4/2015</a:t>
             </a:fld>
             <a:endParaRPr lang="en-US" dirty="0"/>
           </a:p>
@@ -3993,7 +3999,7 @@
           <a:p>
             <a:fld id="{4509A250-FF31-4206-8172-F9D3106AACB1}" type="datetimeFigureOut">
               <a:rPr lang="en-US" smtClean="0"/>
-              <a:t>9/1/2015</a:t>
+              <a:t>9/4/2015</a:t>
             </a:fld>
             <a:endParaRPr lang="en-US" dirty="0"/>
           </a:p>
@@ -4442,7 +4448,7 @@
           <a:p>
             <a:fld id="{4509A250-FF31-4206-8172-F9D3106AACB1}" type="datetimeFigureOut">
               <a:rPr lang="en-US" smtClean="0"/>
-              <a:t>9/1/2015</a:t>
+              <a:t>9/4/2015</a:t>
             </a:fld>
             <a:endParaRPr lang="en-US" dirty="0"/>
           </a:p>
@@ -4567,7 +4573,7 @@
           <a:p>
             <a:fld id="{4509A250-FF31-4206-8172-F9D3106AACB1}" type="datetimeFigureOut">
               <a:rPr lang="en-US" smtClean="0"/>
-              <a:t>9/1/2015</a:t>
+              <a:t>9/4/2015</a:t>
             </a:fld>
             <a:endParaRPr lang="en-US" dirty="0"/>
           </a:p>
@@ -4669,7 +4675,7 @@
           <a:p>
             <a:fld id="{4509A250-FF31-4206-8172-F9D3106AACB1}" type="datetimeFigureOut">
               <a:rPr lang="en-US" smtClean="0"/>
-              <a:t>9/1/2015</a:t>
+              <a:t>9/4/2015</a:t>
             </a:fld>
             <a:endParaRPr lang="en-US" dirty="0"/>
           </a:p>
@@ -4955,7 +4961,7 @@
           <a:p>
             <a:fld id="{4509A250-FF31-4206-8172-F9D3106AACB1}" type="datetimeFigureOut">
               <a:rPr lang="en-US" smtClean="0"/>
-              <a:t>9/1/2015</a:t>
+              <a:t>9/4/2015</a:t>
             </a:fld>
             <a:endParaRPr lang="en-US" dirty="0"/>
           </a:p>
@@ -5237,7 +5243,7 @@
           <a:p>
             <a:fld id="{4509A250-FF31-4206-8172-F9D3106AACB1}" type="datetimeFigureOut">
               <a:rPr lang="en-US" smtClean="0"/>
-              <a:t>9/1/2015</a:t>
+              <a:t>9/4/2015</a:t>
             </a:fld>
             <a:endParaRPr lang="en-US" dirty="0"/>
           </a:p>
@@ -5673,7 +5679,7 @@
           <a:p>
             <a:fld id="{4509A250-FF31-4206-8172-F9D3106AACB1}" type="datetimeFigureOut">
               <a:rPr lang="en-US" smtClean="0"/>
-              <a:t>9/1/2015</a:t>
+              <a:t>9/4/2015</a:t>
             </a:fld>
             <a:endParaRPr lang="en-US" dirty="0"/>
           </a:p>
@@ -6270,8 +6276,8 @@
         </p:blipFill>
         <p:spPr>
           <a:xfrm>
-            <a:off x="1166006" y="1785668"/>
-            <a:ext cx="8740861" cy="2913621"/>
+            <a:off x="1537492" y="1785668"/>
+            <a:ext cx="7997889" cy="2913621"/>
           </a:xfrm>
           <a:prstGeom prst="rect">
             <a:avLst/>
@@ -6295,6 +6301,1392 @@
       </p:par>
     </p:tnLst>
   </p:timing>
+</p:sld>
+</file>
+
+<file path=ppt/slides/slide2.xml><?xml version="1.0" encoding="utf-8"?>
+<p:sld xmlns:a="http://schemas.openxmlformats.org/drawingml/2006/main" xmlns:r="http://schemas.openxmlformats.org/officeDocument/2006/relationships" xmlns:p="http://schemas.openxmlformats.org/presentationml/2006/main">
+  <p:cSld>
+    <p:spTree>
+      <p:nvGrpSpPr>
+        <p:cNvPr id="1" name=""/>
+        <p:cNvGrpSpPr/>
+        <p:nvPr/>
+      </p:nvGrpSpPr>
+      <p:grpSpPr>
+        <a:xfrm>
+          <a:off x="0" y="0"/>
+          <a:ext cx="0" cy="0"/>
+          <a:chOff x="0" y="0"/>
+          <a:chExt cx="0" cy="0"/>
+        </a:xfrm>
+      </p:grpSpPr>
+      <p:sp>
+        <p:nvSpPr>
+          <p:cNvPr id="74" name="Rechteck 73"/>
+          <p:cNvSpPr/>
+          <p:nvPr/>
+        </p:nvSpPr>
+        <p:spPr>
+          <a:xfrm>
+            <a:off x="221064" y="1316332"/>
+            <a:ext cx="3768131" cy="2176646"/>
+          </a:xfrm>
+          <a:prstGeom prst="rect">
+            <a:avLst/>
+          </a:prstGeom>
+          <a:solidFill>
+            <a:schemeClr val="tx2">
+              <a:lumMod val="25000"/>
+            </a:schemeClr>
+          </a:solidFill>
+          <a:ln w="25400"/>
+        </p:spPr>
+        <p:style>
+          <a:lnRef idx="2">
+            <a:schemeClr val="accent1">
+              <a:shade val="50000"/>
+            </a:schemeClr>
+          </a:lnRef>
+          <a:fillRef idx="1">
+            <a:schemeClr val="accent1"/>
+          </a:fillRef>
+          <a:effectRef idx="0">
+            <a:schemeClr val="accent1"/>
+          </a:effectRef>
+          <a:fontRef idx="minor">
+            <a:schemeClr val="lt1"/>
+          </a:fontRef>
+        </p:style>
+        <p:txBody>
+          <a:bodyPr rtlCol="0" anchor="ctr"/>
+          <a:lstStyle/>
+          <a:p>
+            <a:pPr algn="ctr"/>
+            <a:endParaRPr lang="de-DE"/>
+          </a:p>
+        </p:txBody>
+      </p:sp>
+      <p:sp>
+        <p:nvSpPr>
+          <p:cNvPr id="69" name="Rechteck 68"/>
+          <p:cNvSpPr/>
+          <p:nvPr/>
+        </p:nvSpPr>
+        <p:spPr>
+          <a:xfrm>
+            <a:off x="5289481" y="2973698"/>
+            <a:ext cx="2301072" cy="2500144"/>
+          </a:xfrm>
+          <a:prstGeom prst="rect">
+            <a:avLst/>
+          </a:prstGeom>
+          <a:solidFill>
+            <a:schemeClr val="tx2">
+              <a:lumMod val="25000"/>
+            </a:schemeClr>
+          </a:solidFill>
+          <a:ln w="25400"/>
+        </p:spPr>
+        <p:style>
+          <a:lnRef idx="2">
+            <a:schemeClr val="accent1">
+              <a:shade val="50000"/>
+            </a:schemeClr>
+          </a:lnRef>
+          <a:fillRef idx="1">
+            <a:schemeClr val="accent1"/>
+          </a:fillRef>
+          <a:effectRef idx="0">
+            <a:schemeClr val="accent1"/>
+          </a:effectRef>
+          <a:fontRef idx="minor">
+            <a:schemeClr val="lt1"/>
+          </a:fontRef>
+        </p:style>
+        <p:txBody>
+          <a:bodyPr rtlCol="0" anchor="ctr"/>
+          <a:lstStyle/>
+          <a:p>
+            <a:pPr algn="ctr"/>
+            <a:endParaRPr lang="de-DE"/>
+          </a:p>
+        </p:txBody>
+      </p:sp>
+      <p:sp>
+        <p:nvSpPr>
+          <p:cNvPr id="2" name="Titel 1"/>
+          <p:cNvSpPr>
+            <a:spLocks noGrp="1"/>
+          </p:cNvSpPr>
+          <p:nvPr>
+            <p:ph type="title"/>
+          </p:nvPr>
+        </p:nvSpPr>
+        <p:spPr/>
+        <p:txBody>
+          <a:bodyPr/>
+          <a:lstStyle/>
+          <a:p>
+            <a:r>
+              <a:rPr lang="de-DE" dirty="0" smtClean="0"/>
+              <a:t>Eingesetzte </a:t>
+            </a:r>
+            <a:r>
+              <a:rPr lang="de-DE" dirty="0"/>
+              <a:t>T</a:t>
+            </a:r>
+            <a:r>
+              <a:rPr lang="de-DE" dirty="0" smtClean="0"/>
+              <a:t>echnologien</a:t>
+            </a:r>
+            <a:endParaRPr lang="de-DE" dirty="0"/>
+          </a:p>
+        </p:txBody>
+      </p:sp>
+      <p:pic>
+        <p:nvPicPr>
+          <p:cNvPr id="6" name="Grafik 5"/>
+          <p:cNvPicPr>
+            <a:picLocks noChangeAspect="1"/>
+          </p:cNvPicPr>
+          <p:nvPr/>
+        </p:nvPicPr>
+        <p:blipFill>
+          <a:blip r:embed="rId2">
+            <a:extLst>
+              <a:ext uri="{28A0092B-C50C-407E-A947-70E740481C1C}">
+                <a14:useLocalDpi xmlns:a14="http://schemas.microsoft.com/office/drawing/2010/main" val="0"/>
+              </a:ext>
+            </a:extLst>
+          </a:blip>
+          <a:stretch>
+            <a:fillRect/>
+          </a:stretch>
+        </p:blipFill>
+        <p:spPr>
+          <a:xfrm>
+            <a:off x="8483317" y="3997837"/>
+            <a:ext cx="2747013" cy="1482201"/>
+          </a:xfrm>
+          <a:prstGeom prst="rect">
+            <a:avLst/>
+          </a:prstGeom>
+          <a:solidFill>
+            <a:schemeClr val="tx1"/>
+          </a:solidFill>
+          <a:effectLst>
+            <a:outerShdw blurRad="50800" dist="38100" dir="2700000" algn="tl" rotWithShape="0">
+              <a:prstClr val="black">
+                <a:alpha val="40000"/>
+              </a:prstClr>
+            </a:outerShdw>
+          </a:effectLst>
+        </p:spPr>
+      </p:pic>
+      <p:pic>
+        <p:nvPicPr>
+          <p:cNvPr id="9" name="Grafik 8"/>
+          <p:cNvPicPr>
+            <a:picLocks noChangeAspect="1"/>
+          </p:cNvPicPr>
+          <p:nvPr/>
+        </p:nvPicPr>
+        <p:blipFill>
+          <a:blip r:embed="rId3">
+            <a:extLst>
+              <a:ext uri="{28A0092B-C50C-407E-A947-70E740481C1C}">
+                <a14:useLocalDpi xmlns:a14="http://schemas.microsoft.com/office/drawing/2010/main" val="0"/>
+              </a:ext>
+            </a:extLst>
+          </a:blip>
+          <a:stretch>
+            <a:fillRect/>
+          </a:stretch>
+        </p:blipFill>
+        <p:spPr>
+          <a:xfrm>
+            <a:off x="314756" y="2738480"/>
+            <a:ext cx="973153" cy="263127"/>
+          </a:xfrm>
+          <a:prstGeom prst="rect">
+            <a:avLst/>
+          </a:prstGeom>
+          <a:solidFill>
+            <a:schemeClr val="tx1"/>
+          </a:solidFill>
+          <a:effectLst>
+            <a:outerShdw blurRad="50800" dist="38100" dir="2700000" algn="tl" rotWithShape="0">
+              <a:prstClr val="black">
+                <a:alpha val="40000"/>
+              </a:prstClr>
+            </a:outerShdw>
+          </a:effectLst>
+        </p:spPr>
+      </p:pic>
+      <p:pic>
+        <p:nvPicPr>
+          <p:cNvPr id="10" name="Grafik 9"/>
+          <p:cNvPicPr>
+            <a:picLocks noChangeAspect="1"/>
+          </p:cNvPicPr>
+          <p:nvPr/>
+        </p:nvPicPr>
+        <p:blipFill>
+          <a:blip r:embed="rId4">
+            <a:extLst>
+              <a:ext uri="{28A0092B-C50C-407E-A947-70E740481C1C}">
+                <a14:useLocalDpi xmlns:a14="http://schemas.microsoft.com/office/drawing/2010/main" val="0"/>
+              </a:ext>
+            </a:extLst>
+          </a:blip>
+          <a:stretch>
+            <a:fillRect/>
+          </a:stretch>
+        </p:blipFill>
+        <p:spPr>
+          <a:xfrm>
+            <a:off x="1299301" y="3966450"/>
+            <a:ext cx="1371600" cy="319088"/>
+          </a:xfrm>
+          <a:prstGeom prst="rect">
+            <a:avLst/>
+          </a:prstGeom>
+          <a:solidFill>
+            <a:schemeClr val="tx1"/>
+          </a:solidFill>
+          <a:effectLst>
+            <a:outerShdw blurRad="50800" dist="38100" dir="2700000" algn="tl" rotWithShape="0">
+              <a:prstClr val="black">
+                <a:alpha val="40000"/>
+              </a:prstClr>
+            </a:outerShdw>
+          </a:effectLst>
+        </p:spPr>
+      </p:pic>
+      <p:pic>
+        <p:nvPicPr>
+          <p:cNvPr id="11" name="Grafik 10"/>
+          <p:cNvPicPr>
+            <a:picLocks noChangeAspect="1"/>
+          </p:cNvPicPr>
+          <p:nvPr/>
+        </p:nvPicPr>
+        <p:blipFill>
+          <a:blip r:embed="rId5">
+            <a:extLst>
+              <a:ext uri="{28A0092B-C50C-407E-A947-70E740481C1C}">
+                <a14:useLocalDpi xmlns:a14="http://schemas.microsoft.com/office/drawing/2010/main" val="0"/>
+              </a:ext>
+            </a:extLst>
+          </a:blip>
+          <a:stretch>
+            <a:fillRect/>
+          </a:stretch>
+        </p:blipFill>
+        <p:spPr>
+          <a:xfrm>
+            <a:off x="1638210" y="1857199"/>
+            <a:ext cx="693782" cy="609770"/>
+          </a:xfrm>
+          <a:prstGeom prst="rect">
+            <a:avLst/>
+          </a:prstGeom>
+        </p:spPr>
+      </p:pic>
+      <p:pic>
+        <p:nvPicPr>
+          <p:cNvPr id="12" name="Grafik 11"/>
+          <p:cNvPicPr>
+            <a:picLocks noChangeAspect="1"/>
+          </p:cNvPicPr>
+          <p:nvPr/>
+        </p:nvPicPr>
+        <p:blipFill>
+          <a:blip r:embed="rId6">
+            <a:extLst>
+              <a:ext uri="{28A0092B-C50C-407E-A947-70E740481C1C}">
+                <a14:useLocalDpi xmlns:a14="http://schemas.microsoft.com/office/drawing/2010/main" val="0"/>
+              </a:ext>
+            </a:extLst>
+          </a:blip>
+          <a:stretch>
+            <a:fillRect/>
+          </a:stretch>
+        </p:blipFill>
+        <p:spPr>
+          <a:xfrm>
+            <a:off x="2943791" y="2421966"/>
+            <a:ext cx="896156" cy="896156"/>
+          </a:xfrm>
+          <a:prstGeom prst="rect">
+            <a:avLst/>
+          </a:prstGeom>
+        </p:spPr>
+      </p:pic>
+      <p:pic>
+        <p:nvPicPr>
+          <p:cNvPr id="15" name="Grafik 14"/>
+          <p:cNvPicPr>
+            <a:picLocks noChangeAspect="1"/>
+          </p:cNvPicPr>
+          <p:nvPr/>
+        </p:nvPicPr>
+        <p:blipFill>
+          <a:blip r:embed="rId7">
+            <a:extLst>
+              <a:ext uri="{28A0092B-C50C-407E-A947-70E740481C1C}">
+                <a14:useLocalDpi xmlns:a14="http://schemas.microsoft.com/office/drawing/2010/main" val="0"/>
+              </a:ext>
+            </a:extLst>
+          </a:blip>
+          <a:stretch>
+            <a:fillRect/>
+          </a:stretch>
+        </p:blipFill>
+        <p:spPr>
+          <a:xfrm>
+            <a:off x="1589117" y="2713836"/>
+            <a:ext cx="801154" cy="312419"/>
+          </a:xfrm>
+          <a:prstGeom prst="rect">
+            <a:avLst/>
+          </a:prstGeom>
+        </p:spPr>
+      </p:pic>
+      <p:cxnSp>
+        <p:nvCxnSpPr>
+          <p:cNvPr id="17" name="Gerade Verbindung mit Pfeil 16"/>
+          <p:cNvCxnSpPr>
+            <a:stCxn id="9" idx="3"/>
+            <a:endCxn id="15" idx="1"/>
+          </p:cNvCxnSpPr>
+          <p:nvPr/>
+        </p:nvCxnSpPr>
+        <p:spPr>
+          <a:xfrm>
+            <a:off x="1287909" y="2870044"/>
+            <a:ext cx="301208" cy="2"/>
+          </a:xfrm>
+          <a:prstGeom prst="straightConnector1">
+            <a:avLst/>
+          </a:prstGeom>
+          <a:ln w="15875">
+            <a:solidFill>
+              <a:schemeClr val="tx1"/>
+            </a:solidFill>
+            <a:tailEnd type="triangle" w="lg" len="lg"/>
+          </a:ln>
+        </p:spPr>
+        <p:style>
+          <a:lnRef idx="1">
+            <a:schemeClr val="accent1"/>
+          </a:lnRef>
+          <a:fillRef idx="0">
+            <a:schemeClr val="accent1"/>
+          </a:fillRef>
+          <a:effectRef idx="0">
+            <a:schemeClr val="accent1"/>
+          </a:effectRef>
+          <a:fontRef idx="minor">
+            <a:schemeClr val="tx1"/>
+          </a:fontRef>
+        </p:style>
+      </p:cxnSp>
+      <p:cxnSp>
+        <p:nvCxnSpPr>
+          <p:cNvPr id="18" name="Gerade Verbindung mit Pfeil 17"/>
+          <p:cNvCxnSpPr>
+            <a:stCxn id="15" idx="3"/>
+            <a:endCxn id="12" idx="1"/>
+          </p:cNvCxnSpPr>
+          <p:nvPr/>
+        </p:nvCxnSpPr>
+        <p:spPr>
+          <a:xfrm flipV="1">
+            <a:off x="2390271" y="2870044"/>
+            <a:ext cx="553520" cy="2"/>
+          </a:xfrm>
+          <a:prstGeom prst="straightConnector1">
+            <a:avLst/>
+          </a:prstGeom>
+          <a:ln w="15875">
+            <a:solidFill>
+              <a:schemeClr val="tx1"/>
+            </a:solidFill>
+            <a:tailEnd type="triangle" w="lg" len="lg"/>
+          </a:ln>
+        </p:spPr>
+        <p:style>
+          <a:lnRef idx="1">
+            <a:schemeClr val="accent1"/>
+          </a:lnRef>
+          <a:fillRef idx="0">
+            <a:schemeClr val="accent1"/>
+          </a:fillRef>
+          <a:effectRef idx="0">
+            <a:schemeClr val="accent1"/>
+          </a:effectRef>
+          <a:fontRef idx="minor">
+            <a:schemeClr val="tx1"/>
+          </a:fontRef>
+        </p:style>
+      </p:cxnSp>
+      <p:cxnSp>
+        <p:nvCxnSpPr>
+          <p:cNvPr id="21" name="Gerade Verbindung mit Pfeil 20"/>
+          <p:cNvCxnSpPr>
+            <a:stCxn id="15" idx="2"/>
+            <a:endCxn id="10" idx="0"/>
+          </p:cNvCxnSpPr>
+          <p:nvPr/>
+        </p:nvCxnSpPr>
+        <p:spPr>
+          <a:xfrm flipH="1">
+            <a:off x="1985101" y="3026255"/>
+            <a:ext cx="4593" cy="940195"/>
+          </a:xfrm>
+          <a:prstGeom prst="straightConnector1">
+            <a:avLst/>
+          </a:prstGeom>
+          <a:ln w="15875">
+            <a:solidFill>
+              <a:schemeClr val="tx1"/>
+            </a:solidFill>
+            <a:tailEnd type="triangle" w="lg" len="lg"/>
+          </a:ln>
+        </p:spPr>
+        <p:style>
+          <a:lnRef idx="1">
+            <a:schemeClr val="accent1"/>
+          </a:lnRef>
+          <a:fillRef idx="0">
+            <a:schemeClr val="accent1"/>
+          </a:fillRef>
+          <a:effectRef idx="0">
+            <a:schemeClr val="accent1"/>
+          </a:effectRef>
+          <a:fontRef idx="minor">
+            <a:schemeClr val="tx1"/>
+          </a:fontRef>
+        </p:style>
+      </p:cxnSp>
+      <p:cxnSp>
+        <p:nvCxnSpPr>
+          <p:cNvPr id="27" name="Gerade Verbindung mit Pfeil 26"/>
+          <p:cNvCxnSpPr>
+            <a:stCxn id="15" idx="0"/>
+            <a:endCxn id="11" idx="2"/>
+          </p:cNvCxnSpPr>
+          <p:nvPr/>
+        </p:nvCxnSpPr>
+        <p:spPr>
+          <a:xfrm flipH="1" flipV="1">
+            <a:off x="1985101" y="2466969"/>
+            <a:ext cx="4593" cy="246867"/>
+          </a:xfrm>
+          <a:prstGeom prst="straightConnector1">
+            <a:avLst/>
+          </a:prstGeom>
+          <a:ln w="15875">
+            <a:solidFill>
+              <a:schemeClr val="tx1"/>
+            </a:solidFill>
+            <a:tailEnd type="triangle" w="lg" len="lg"/>
+          </a:ln>
+        </p:spPr>
+        <p:style>
+          <a:lnRef idx="1">
+            <a:schemeClr val="accent1"/>
+          </a:lnRef>
+          <a:fillRef idx="0">
+            <a:schemeClr val="accent1"/>
+          </a:fillRef>
+          <a:effectRef idx="0">
+            <a:schemeClr val="accent1"/>
+          </a:effectRef>
+          <a:fontRef idx="minor">
+            <a:schemeClr val="tx1"/>
+          </a:fontRef>
+        </p:style>
+      </p:cxnSp>
+      <p:pic>
+        <p:nvPicPr>
+          <p:cNvPr id="33" name="Grafik 32"/>
+          <p:cNvPicPr>
+            <a:picLocks noChangeAspect="1"/>
+          </p:cNvPicPr>
+          <p:nvPr/>
+        </p:nvPicPr>
+        <p:blipFill>
+          <a:blip r:embed="rId8">
+            <a:extLst>
+              <a:ext uri="{28A0092B-C50C-407E-A947-70E740481C1C}">
+                <a14:useLocalDpi xmlns:a14="http://schemas.microsoft.com/office/drawing/2010/main" val="0"/>
+              </a:ext>
+            </a:extLst>
+          </a:blip>
+          <a:stretch>
+            <a:fillRect/>
+          </a:stretch>
+        </p:blipFill>
+        <p:spPr>
+          <a:xfrm>
+            <a:off x="1488009" y="4618674"/>
+            <a:ext cx="994183" cy="1256266"/>
+          </a:xfrm>
+          <a:prstGeom prst="rect">
+            <a:avLst/>
+          </a:prstGeom>
+        </p:spPr>
+      </p:pic>
+      <p:cxnSp>
+        <p:nvCxnSpPr>
+          <p:cNvPr id="34" name="Gerade Verbindung mit Pfeil 33"/>
+          <p:cNvCxnSpPr>
+            <a:stCxn id="10" idx="2"/>
+            <a:endCxn id="33" idx="0"/>
+          </p:cNvCxnSpPr>
+          <p:nvPr/>
+        </p:nvCxnSpPr>
+        <p:spPr>
+          <a:xfrm>
+            <a:off x="1985101" y="4285538"/>
+            <a:ext cx="0" cy="333136"/>
+          </a:xfrm>
+          <a:prstGeom prst="straightConnector1">
+            <a:avLst/>
+          </a:prstGeom>
+          <a:ln w="15875">
+            <a:solidFill>
+              <a:schemeClr val="tx1"/>
+            </a:solidFill>
+            <a:tailEnd type="triangle" w="lg" len="lg"/>
+          </a:ln>
+        </p:spPr>
+        <p:style>
+          <a:lnRef idx="1">
+            <a:schemeClr val="accent1"/>
+          </a:lnRef>
+          <a:fillRef idx="0">
+            <a:schemeClr val="accent1"/>
+          </a:fillRef>
+          <a:effectRef idx="0">
+            <a:schemeClr val="accent1"/>
+          </a:effectRef>
+          <a:fontRef idx="minor">
+            <a:schemeClr val="tx1"/>
+          </a:fontRef>
+        </p:style>
+      </p:cxnSp>
+      <p:sp>
+        <p:nvSpPr>
+          <p:cNvPr id="53" name="Rechteck 52"/>
+          <p:cNvSpPr/>
+          <p:nvPr/>
+        </p:nvSpPr>
+        <p:spPr>
+          <a:xfrm>
+            <a:off x="5289481" y="1155561"/>
+            <a:ext cx="2301072" cy="1782846"/>
+          </a:xfrm>
+          <a:prstGeom prst="rect">
+            <a:avLst/>
+          </a:prstGeom>
+          <a:solidFill>
+            <a:schemeClr val="tx2">
+              <a:lumMod val="25000"/>
+            </a:schemeClr>
+          </a:solidFill>
+          <a:ln w="25400"/>
+        </p:spPr>
+        <p:style>
+          <a:lnRef idx="2">
+            <a:schemeClr val="accent1">
+              <a:shade val="50000"/>
+            </a:schemeClr>
+          </a:lnRef>
+          <a:fillRef idx="1">
+            <a:schemeClr val="accent1"/>
+          </a:fillRef>
+          <a:effectRef idx="0">
+            <a:schemeClr val="accent1"/>
+          </a:effectRef>
+          <a:fontRef idx="minor">
+            <a:schemeClr val="lt1"/>
+          </a:fontRef>
+        </p:style>
+        <p:txBody>
+          <a:bodyPr rtlCol="0" anchor="ctr"/>
+          <a:lstStyle/>
+          <a:p>
+            <a:pPr algn="ctr"/>
+            <a:endParaRPr lang="de-DE"/>
+          </a:p>
+        </p:txBody>
+      </p:sp>
+      <p:pic>
+        <p:nvPicPr>
+          <p:cNvPr id="8" name="Grafik 7"/>
+          <p:cNvPicPr>
+            <a:picLocks noChangeAspect="1"/>
+          </p:cNvPicPr>
+          <p:nvPr/>
+        </p:nvPicPr>
+        <p:blipFill>
+          <a:blip r:embed="rId9">
+            <a:extLst>
+              <a:ext uri="{28A0092B-C50C-407E-A947-70E740481C1C}">
+                <a14:useLocalDpi xmlns:a14="http://schemas.microsoft.com/office/drawing/2010/main" val="0"/>
+              </a:ext>
+            </a:extLst>
+          </a:blip>
+          <a:stretch>
+            <a:fillRect/>
+          </a:stretch>
+        </p:blipFill>
+        <p:spPr>
+          <a:xfrm>
+            <a:off x="5499262" y="2291968"/>
+            <a:ext cx="1872709" cy="498491"/>
+          </a:xfrm>
+          <a:prstGeom prst="rect">
+            <a:avLst/>
+          </a:prstGeom>
+          <a:solidFill>
+            <a:schemeClr val="tx1"/>
+          </a:solidFill>
+          <a:effectLst>
+            <a:outerShdw blurRad="50800" dist="38100" dir="2700000" algn="tl" rotWithShape="0">
+              <a:prstClr val="black">
+                <a:alpha val="40000"/>
+              </a:prstClr>
+            </a:outerShdw>
+          </a:effectLst>
+        </p:spPr>
+      </p:pic>
+      <p:pic>
+        <p:nvPicPr>
+          <p:cNvPr id="13" name="Grafik 12"/>
+          <p:cNvPicPr>
+            <a:picLocks noChangeAspect="1"/>
+          </p:cNvPicPr>
+          <p:nvPr/>
+        </p:nvPicPr>
+        <p:blipFill>
+          <a:blip r:embed="rId10">
+            <a:extLst>
+              <a:ext uri="{28A0092B-C50C-407E-A947-70E740481C1C}">
+                <a14:useLocalDpi xmlns:a14="http://schemas.microsoft.com/office/drawing/2010/main" val="0"/>
+              </a:ext>
+            </a:extLst>
+          </a:blip>
+          <a:stretch>
+            <a:fillRect/>
+          </a:stretch>
+        </p:blipFill>
+        <p:spPr>
+          <a:xfrm>
+            <a:off x="5499262" y="3457937"/>
+            <a:ext cx="1872709" cy="494967"/>
+          </a:xfrm>
+          <a:prstGeom prst="rect">
+            <a:avLst/>
+          </a:prstGeom>
+          <a:effectLst>
+            <a:outerShdw blurRad="50800" dist="38100" dir="2700000" algn="tl" rotWithShape="0">
+              <a:prstClr val="black">
+                <a:alpha val="40000"/>
+              </a:prstClr>
+            </a:outerShdw>
+          </a:effectLst>
+        </p:spPr>
+      </p:pic>
+      <p:pic>
+        <p:nvPicPr>
+          <p:cNvPr id="37" name="Grafik 36"/>
+          <p:cNvPicPr>
+            <a:picLocks noChangeAspect="1"/>
+          </p:cNvPicPr>
+          <p:nvPr/>
+        </p:nvPicPr>
+        <p:blipFill>
+          <a:blip r:embed="rId11">
+            <a:extLst>
+              <a:ext uri="{28A0092B-C50C-407E-A947-70E740481C1C}">
+                <a14:useLocalDpi xmlns:a14="http://schemas.microsoft.com/office/drawing/2010/main" val="0"/>
+              </a:ext>
+            </a:extLst>
+          </a:blip>
+          <a:stretch>
+            <a:fillRect/>
+          </a:stretch>
+        </p:blipFill>
+        <p:spPr>
+          <a:xfrm>
+            <a:off x="5499261" y="1584641"/>
+            <a:ext cx="1872709" cy="457875"/>
+          </a:xfrm>
+          <a:prstGeom prst="rect">
+            <a:avLst/>
+          </a:prstGeom>
+        </p:spPr>
+      </p:pic>
+      <p:pic>
+        <p:nvPicPr>
+          <p:cNvPr id="38" name="Grafik 37"/>
+          <p:cNvPicPr>
+            <a:picLocks noChangeAspect="1"/>
+          </p:cNvPicPr>
+          <p:nvPr/>
+        </p:nvPicPr>
+        <p:blipFill>
+          <a:blip r:embed="rId12">
+            <a:extLst>
+              <a:ext uri="{28A0092B-C50C-407E-A947-70E740481C1C}">
+                <a14:useLocalDpi xmlns:a14="http://schemas.microsoft.com/office/drawing/2010/main" val="0"/>
+              </a:ext>
+            </a:extLst>
+          </a:blip>
+          <a:stretch>
+            <a:fillRect/>
+          </a:stretch>
+        </p:blipFill>
+        <p:spPr>
+          <a:xfrm>
+            <a:off x="5500660" y="4007441"/>
+            <a:ext cx="1872709" cy="1144433"/>
+          </a:xfrm>
+          <a:prstGeom prst="rect">
+            <a:avLst/>
+          </a:prstGeom>
+        </p:spPr>
+      </p:pic>
+      <p:pic>
+        <p:nvPicPr>
+          <p:cNvPr id="39" name="Grafik 38"/>
+          <p:cNvPicPr>
+            <a:picLocks noChangeAspect="1"/>
+          </p:cNvPicPr>
+          <p:nvPr/>
+        </p:nvPicPr>
+        <p:blipFill>
+          <a:blip r:embed="rId13">
+            <a:extLst>
+              <a:ext uri="{28A0092B-C50C-407E-A947-70E740481C1C}">
+                <a14:useLocalDpi xmlns:a14="http://schemas.microsoft.com/office/drawing/2010/main" val="0"/>
+              </a:ext>
+            </a:extLst>
+          </a:blip>
+          <a:stretch>
+            <a:fillRect/>
+          </a:stretch>
+        </p:blipFill>
+        <p:spPr>
+          <a:xfrm>
+            <a:off x="3065113" y="5640533"/>
+            <a:ext cx="713925" cy="819573"/>
+          </a:xfrm>
+          <a:prstGeom prst="rect">
+            <a:avLst/>
+          </a:prstGeom>
+        </p:spPr>
+      </p:pic>
+      <p:pic>
+        <p:nvPicPr>
+          <p:cNvPr id="41" name="Grafik 40"/>
+          <p:cNvPicPr>
+            <a:picLocks noChangeAspect="1"/>
+          </p:cNvPicPr>
+          <p:nvPr/>
+        </p:nvPicPr>
+        <p:blipFill>
+          <a:blip r:embed="rId14">
+            <a:extLst>
+              <a:ext uri="{28A0092B-C50C-407E-A947-70E740481C1C}">
+                <a14:useLocalDpi xmlns:a14="http://schemas.microsoft.com/office/drawing/2010/main" val="0"/>
+              </a:ext>
+            </a:extLst>
+          </a:blip>
+          <a:stretch>
+            <a:fillRect/>
+          </a:stretch>
+        </p:blipFill>
+        <p:spPr>
+          <a:xfrm>
+            <a:off x="3779039" y="5640534"/>
+            <a:ext cx="1704710" cy="819572"/>
+          </a:xfrm>
+          <a:prstGeom prst="rect">
+            <a:avLst/>
+          </a:prstGeom>
+        </p:spPr>
+      </p:pic>
+      <p:pic>
+        <p:nvPicPr>
+          <p:cNvPr id="42" name="Grafik 41"/>
+          <p:cNvPicPr>
+            <a:picLocks noChangeAspect="1"/>
+          </p:cNvPicPr>
+          <p:nvPr/>
+        </p:nvPicPr>
+        <p:blipFill>
+          <a:blip r:embed="rId15">
+            <a:extLst>
+              <a:ext uri="{28A0092B-C50C-407E-A947-70E740481C1C}">
+                <a14:useLocalDpi xmlns:a14="http://schemas.microsoft.com/office/drawing/2010/main" val="0"/>
+              </a:ext>
+            </a:extLst>
+          </a:blip>
+          <a:stretch>
+            <a:fillRect/>
+          </a:stretch>
+        </p:blipFill>
+        <p:spPr>
+          <a:xfrm>
+            <a:off x="6535711" y="5757876"/>
+            <a:ext cx="769439" cy="576478"/>
+          </a:xfrm>
+          <a:prstGeom prst="rect">
+            <a:avLst/>
+          </a:prstGeom>
+        </p:spPr>
+      </p:pic>
+      <p:cxnSp>
+        <p:nvCxnSpPr>
+          <p:cNvPr id="43" name="Gerade Verbindung mit Pfeil 42"/>
+          <p:cNvCxnSpPr>
+            <a:stCxn id="42" idx="0"/>
+          </p:cNvCxnSpPr>
+          <p:nvPr/>
+        </p:nvCxnSpPr>
+        <p:spPr>
+          <a:xfrm flipH="1" flipV="1">
+            <a:off x="6903216" y="5151874"/>
+            <a:ext cx="17215" cy="606002"/>
+          </a:xfrm>
+          <a:prstGeom prst="straightConnector1">
+            <a:avLst/>
+          </a:prstGeom>
+          <a:ln w="15875">
+            <a:solidFill>
+              <a:schemeClr val="tx1"/>
+            </a:solidFill>
+            <a:tailEnd type="triangle" w="lg" len="lg"/>
+          </a:ln>
+        </p:spPr>
+        <p:style>
+          <a:lnRef idx="1">
+            <a:schemeClr val="accent1"/>
+          </a:lnRef>
+          <a:fillRef idx="0">
+            <a:schemeClr val="accent1"/>
+          </a:fillRef>
+          <a:effectRef idx="0">
+            <a:schemeClr val="accent1"/>
+          </a:effectRef>
+          <a:fontRef idx="minor">
+            <a:schemeClr val="tx1"/>
+          </a:fontRef>
+        </p:style>
+      </p:cxnSp>
+      <p:cxnSp>
+        <p:nvCxnSpPr>
+          <p:cNvPr id="46" name="Gerade Verbindung mit Pfeil 45"/>
+          <p:cNvCxnSpPr>
+            <a:stCxn id="41" idx="3"/>
+            <a:endCxn id="42" idx="1"/>
+          </p:cNvCxnSpPr>
+          <p:nvPr/>
+        </p:nvCxnSpPr>
+        <p:spPr>
+          <a:xfrm flipV="1">
+            <a:off x="5483749" y="6046115"/>
+            <a:ext cx="1051962" cy="4205"/>
+          </a:xfrm>
+          <a:prstGeom prst="straightConnector1">
+            <a:avLst/>
+          </a:prstGeom>
+          <a:ln w="15875">
+            <a:solidFill>
+              <a:schemeClr val="tx1"/>
+            </a:solidFill>
+            <a:tailEnd type="triangle" w="lg" len="lg"/>
+          </a:ln>
+        </p:spPr>
+        <p:style>
+          <a:lnRef idx="1">
+            <a:schemeClr val="accent1"/>
+          </a:lnRef>
+          <a:fillRef idx="0">
+            <a:schemeClr val="accent1"/>
+          </a:fillRef>
+          <a:effectRef idx="0">
+            <a:schemeClr val="accent1"/>
+          </a:effectRef>
+          <a:fontRef idx="minor">
+            <a:schemeClr val="tx1"/>
+          </a:fontRef>
+        </p:style>
+      </p:cxnSp>
+      <p:cxnSp>
+        <p:nvCxnSpPr>
+          <p:cNvPr id="50" name="Gerade Verbindung mit Pfeil 49"/>
+          <p:cNvCxnSpPr>
+            <a:stCxn id="12" idx="2"/>
+          </p:cNvCxnSpPr>
+          <p:nvPr/>
+        </p:nvCxnSpPr>
+        <p:spPr>
+          <a:xfrm>
+            <a:off x="3391869" y="3318122"/>
+            <a:ext cx="868632" cy="2242021"/>
+          </a:xfrm>
+          <a:prstGeom prst="straightConnector1">
+            <a:avLst/>
+          </a:prstGeom>
+          <a:ln w="15875">
+            <a:solidFill>
+              <a:schemeClr val="tx1"/>
+            </a:solidFill>
+            <a:tailEnd type="triangle" w="lg" len="lg"/>
+          </a:ln>
+        </p:spPr>
+        <p:style>
+          <a:lnRef idx="1">
+            <a:schemeClr val="accent1"/>
+          </a:lnRef>
+          <a:fillRef idx="0">
+            <a:schemeClr val="accent1"/>
+          </a:fillRef>
+          <a:effectRef idx="0">
+            <a:schemeClr val="accent1"/>
+          </a:effectRef>
+          <a:fontRef idx="minor">
+            <a:schemeClr val="tx1"/>
+          </a:fontRef>
+        </p:style>
+      </p:cxnSp>
+      <p:cxnSp>
+        <p:nvCxnSpPr>
+          <p:cNvPr id="58" name="Gerade Verbindung mit Pfeil 57"/>
+          <p:cNvCxnSpPr>
+            <a:stCxn id="12" idx="3"/>
+          </p:cNvCxnSpPr>
+          <p:nvPr/>
+        </p:nvCxnSpPr>
+        <p:spPr>
+          <a:xfrm flipV="1">
+            <a:off x="3839947" y="2870042"/>
+            <a:ext cx="1449534" cy="2"/>
+          </a:xfrm>
+          <a:prstGeom prst="straightConnector1">
+            <a:avLst/>
+          </a:prstGeom>
+          <a:ln w="15875">
+            <a:solidFill>
+              <a:schemeClr val="tx1"/>
+            </a:solidFill>
+            <a:tailEnd type="triangle" w="lg" len="lg"/>
+          </a:ln>
+        </p:spPr>
+        <p:style>
+          <a:lnRef idx="1">
+            <a:schemeClr val="accent1"/>
+          </a:lnRef>
+          <a:fillRef idx="0">
+            <a:schemeClr val="accent1"/>
+          </a:fillRef>
+          <a:effectRef idx="0">
+            <a:schemeClr val="accent1"/>
+          </a:effectRef>
+          <a:fontRef idx="minor">
+            <a:schemeClr val="tx1"/>
+          </a:fontRef>
+        </p:style>
+      </p:cxnSp>
+      <p:cxnSp>
+        <p:nvCxnSpPr>
+          <p:cNvPr id="61" name="Gerade Verbindung mit Pfeil 60"/>
+          <p:cNvCxnSpPr>
+            <a:stCxn id="11" idx="3"/>
+          </p:cNvCxnSpPr>
+          <p:nvPr/>
+        </p:nvCxnSpPr>
+        <p:spPr>
+          <a:xfrm flipV="1">
+            <a:off x="2331992" y="2156767"/>
+            <a:ext cx="2957489" cy="5317"/>
+          </a:xfrm>
+          <a:prstGeom prst="straightConnector1">
+            <a:avLst/>
+          </a:prstGeom>
+          <a:ln w="15875">
+            <a:solidFill>
+              <a:schemeClr val="tx1"/>
+            </a:solidFill>
+            <a:tailEnd type="triangle" w="lg" len="lg"/>
+          </a:ln>
+        </p:spPr>
+        <p:style>
+          <a:lnRef idx="1">
+            <a:schemeClr val="accent1"/>
+          </a:lnRef>
+          <a:fillRef idx="0">
+            <a:schemeClr val="accent1"/>
+          </a:fillRef>
+          <a:effectRef idx="0">
+            <a:schemeClr val="accent1"/>
+          </a:effectRef>
+          <a:fontRef idx="minor">
+            <a:schemeClr val="tx1"/>
+          </a:fontRef>
+        </p:style>
+      </p:cxnSp>
+      <p:cxnSp>
+        <p:nvCxnSpPr>
+          <p:cNvPr id="66" name="Gerade Verbindung mit Pfeil 65"/>
+          <p:cNvCxnSpPr>
+            <a:stCxn id="6" idx="1"/>
+          </p:cNvCxnSpPr>
+          <p:nvPr/>
+        </p:nvCxnSpPr>
+        <p:spPr>
+          <a:xfrm flipH="1" flipV="1">
+            <a:off x="7590553" y="4738937"/>
+            <a:ext cx="892764" cy="1"/>
+          </a:xfrm>
+          <a:prstGeom prst="straightConnector1">
+            <a:avLst/>
+          </a:prstGeom>
+          <a:ln w="15875">
+            <a:solidFill>
+              <a:schemeClr val="tx1"/>
+            </a:solidFill>
+            <a:tailEnd type="triangle" w="lg" len="lg"/>
+          </a:ln>
+        </p:spPr>
+        <p:style>
+          <a:lnRef idx="1">
+            <a:schemeClr val="accent1"/>
+          </a:lnRef>
+          <a:fillRef idx="0">
+            <a:schemeClr val="accent1"/>
+          </a:fillRef>
+          <a:effectRef idx="0">
+            <a:schemeClr val="accent1"/>
+          </a:effectRef>
+          <a:fontRef idx="minor">
+            <a:schemeClr val="tx1"/>
+          </a:fontRef>
+        </p:style>
+      </p:cxnSp>
+      <p:sp>
+        <p:nvSpPr>
+          <p:cNvPr id="70" name="Textfeld 69"/>
+          <p:cNvSpPr txBox="1"/>
+          <p:nvPr/>
+        </p:nvSpPr>
+        <p:spPr>
+          <a:xfrm>
+            <a:off x="5289481" y="1163018"/>
+            <a:ext cx="2324675" cy="369332"/>
+          </a:xfrm>
+          <a:prstGeom prst="rect">
+            <a:avLst/>
+          </a:prstGeom>
+          <a:noFill/>
+        </p:spPr>
+        <p:txBody>
+          <a:bodyPr wrap="none" rtlCol="0">
+            <a:spAutoFit/>
+          </a:bodyPr>
+          <a:lstStyle/>
+          <a:p>
+            <a:pPr algn="ctr"/>
+            <a:r>
+              <a:rPr lang="de-DE" dirty="0" smtClean="0"/>
+              <a:t>DOM-manipulation</a:t>
+            </a:r>
+            <a:endParaRPr lang="de-DE" dirty="0"/>
+          </a:p>
+        </p:txBody>
+      </p:sp>
+      <p:sp>
+        <p:nvSpPr>
+          <p:cNvPr id="71" name="Textfeld 70"/>
+          <p:cNvSpPr txBox="1"/>
+          <p:nvPr/>
+        </p:nvSpPr>
+        <p:spPr>
+          <a:xfrm>
+            <a:off x="5287361" y="3053309"/>
+            <a:ext cx="2303192" cy="369332"/>
+          </a:xfrm>
+          <a:prstGeom prst="rect">
+            <a:avLst/>
+          </a:prstGeom>
+          <a:noFill/>
+        </p:spPr>
+        <p:txBody>
+          <a:bodyPr wrap="square" rtlCol="0">
+            <a:spAutoFit/>
+          </a:bodyPr>
+          <a:lstStyle/>
+          <a:p>
+            <a:pPr algn="ctr"/>
+            <a:r>
+              <a:rPr lang="de-DE" dirty="0" smtClean="0"/>
+              <a:t>Styling</a:t>
+            </a:r>
+            <a:endParaRPr lang="de-DE" dirty="0"/>
+          </a:p>
+        </p:txBody>
+      </p:sp>
+      <p:sp>
+        <p:nvSpPr>
+          <p:cNvPr id="73" name="Textfeld 72"/>
+          <p:cNvSpPr txBox="1"/>
+          <p:nvPr/>
+        </p:nvSpPr>
+        <p:spPr>
+          <a:xfrm>
+            <a:off x="4631394" y="6451606"/>
+            <a:ext cx="2303192" cy="369332"/>
+          </a:xfrm>
+          <a:prstGeom prst="rect">
+            <a:avLst/>
+          </a:prstGeom>
+          <a:noFill/>
+        </p:spPr>
+        <p:txBody>
+          <a:bodyPr wrap="square" rtlCol="0">
+            <a:spAutoFit/>
+          </a:bodyPr>
+          <a:lstStyle/>
+          <a:p>
+            <a:pPr algn="ctr"/>
+            <a:r>
+              <a:rPr lang="de-DE" dirty="0" smtClean="0"/>
+              <a:t>CSS </a:t>
+            </a:r>
+            <a:r>
+              <a:rPr lang="de-DE" dirty="0" err="1" smtClean="0"/>
+              <a:t>compiling</a:t>
+            </a:r>
+            <a:endParaRPr lang="de-DE" dirty="0"/>
+          </a:p>
+        </p:txBody>
+      </p:sp>
+      <p:sp>
+        <p:nvSpPr>
+          <p:cNvPr id="75" name="Textfeld 74"/>
+          <p:cNvSpPr txBox="1"/>
+          <p:nvPr/>
+        </p:nvSpPr>
+        <p:spPr>
+          <a:xfrm>
+            <a:off x="1000697" y="1328323"/>
+            <a:ext cx="1968809" cy="369332"/>
+          </a:xfrm>
+          <a:prstGeom prst="rect">
+            <a:avLst/>
+          </a:prstGeom>
+          <a:noFill/>
+        </p:spPr>
+        <p:txBody>
+          <a:bodyPr wrap="none" rtlCol="0">
+            <a:spAutoFit/>
+          </a:bodyPr>
+          <a:lstStyle/>
+          <a:p>
+            <a:pPr algn="ctr"/>
+            <a:r>
+              <a:rPr lang="de-DE" dirty="0" err="1" smtClean="0"/>
+              <a:t>Buildumgebung</a:t>
+            </a:r>
+            <a:endParaRPr lang="de-DE" dirty="0"/>
+          </a:p>
+        </p:txBody>
+      </p:sp>
+      <p:grpSp>
+        <p:nvGrpSpPr>
+          <p:cNvPr id="79" name="Gruppieren 78"/>
+          <p:cNvGrpSpPr/>
+          <p:nvPr/>
+        </p:nvGrpSpPr>
+        <p:grpSpPr>
+          <a:xfrm>
+            <a:off x="8615851" y="1845898"/>
+            <a:ext cx="2481943" cy="647698"/>
+            <a:chOff x="8400422" y="1975439"/>
+            <a:chExt cx="2481943" cy="647698"/>
+          </a:xfrm>
+          <a:effectLst>
+            <a:outerShdw blurRad="50800" dist="38100" dir="2700000" algn="tl" rotWithShape="0">
+              <a:prstClr val="black">
+                <a:alpha val="40000"/>
+              </a:prstClr>
+            </a:outerShdw>
+          </a:effectLst>
+        </p:grpSpPr>
+        <p:sp>
+          <p:nvSpPr>
+            <p:cNvPr id="78" name="Rechteck 77"/>
+            <p:cNvSpPr/>
+            <p:nvPr/>
+          </p:nvSpPr>
+          <p:spPr>
+            <a:xfrm>
+              <a:off x="8400422" y="1975439"/>
+              <a:ext cx="2481943" cy="597458"/>
+            </a:xfrm>
+            <a:prstGeom prst="rect">
+              <a:avLst/>
+            </a:prstGeom>
+            <a:solidFill>
+              <a:schemeClr val="tx1"/>
+            </a:solidFill>
+            <a:ln>
+              <a:noFill/>
+            </a:ln>
+          </p:spPr>
+          <p:style>
+            <a:lnRef idx="2">
+              <a:schemeClr val="accent1">
+                <a:shade val="50000"/>
+              </a:schemeClr>
+            </a:lnRef>
+            <a:fillRef idx="1">
+              <a:schemeClr val="accent1"/>
+            </a:fillRef>
+            <a:effectRef idx="0">
+              <a:schemeClr val="accent1"/>
+            </a:effectRef>
+            <a:fontRef idx="minor">
+              <a:schemeClr val="lt1"/>
+            </a:fontRef>
+          </p:style>
+          <p:txBody>
+            <a:bodyPr rtlCol="0" anchor="ctr"/>
+            <a:lstStyle/>
+            <a:p>
+              <a:pPr algn="ctr"/>
+              <a:endParaRPr lang="de-DE"/>
+            </a:p>
+          </p:txBody>
+        </p:sp>
+        <p:pic>
+          <p:nvPicPr>
+            <p:cNvPr id="76" name="Grafik 75"/>
+            <p:cNvPicPr>
+              <a:picLocks noChangeAspect="1"/>
+            </p:cNvPicPr>
+            <p:nvPr/>
+          </p:nvPicPr>
+          <p:blipFill>
+            <a:blip r:embed="rId16">
+              <a:extLst>
+                <a:ext uri="{28A0092B-C50C-407E-A947-70E740481C1C}">
+                  <a14:useLocalDpi xmlns:a14="http://schemas.microsoft.com/office/drawing/2010/main" val="0"/>
+                </a:ext>
+              </a:extLst>
+            </a:blip>
+            <a:stretch>
+              <a:fillRect/>
+            </a:stretch>
+          </p:blipFill>
+          <p:spPr>
+            <a:xfrm>
+              <a:off x="8483317" y="2025679"/>
+              <a:ext cx="478134" cy="478134"/>
+            </a:xfrm>
+            <a:prstGeom prst="rect">
+              <a:avLst/>
+            </a:prstGeom>
+          </p:spPr>
+        </p:pic>
+        <p:pic>
+          <p:nvPicPr>
+            <p:cNvPr id="77" name="Grafik 76"/>
+            <p:cNvPicPr>
+              <a:picLocks noChangeAspect="1"/>
+            </p:cNvPicPr>
+            <p:nvPr/>
+          </p:nvPicPr>
+          <p:blipFill>
+            <a:blip r:embed="rId17">
+              <a:extLst>
+                <a:ext uri="{28A0092B-C50C-407E-A947-70E740481C1C}">
+                  <a14:useLocalDpi xmlns:a14="http://schemas.microsoft.com/office/drawing/2010/main" val="0"/>
+                </a:ext>
+              </a:extLst>
+            </a:blip>
+            <a:stretch>
+              <a:fillRect/>
+            </a:stretch>
+          </p:blipFill>
+          <p:spPr>
+            <a:xfrm>
+              <a:off x="9097974" y="2025679"/>
+              <a:ext cx="1669753" cy="597458"/>
+            </a:xfrm>
+            <a:prstGeom prst="rect">
+              <a:avLst/>
+            </a:prstGeom>
+          </p:spPr>
+        </p:pic>
+      </p:grpSp>
+      <p:pic>
+        <p:nvPicPr>
+          <p:cNvPr id="80" name="Grafik 79"/>
+          <p:cNvPicPr>
+            <a:picLocks noChangeAspect="1"/>
+          </p:cNvPicPr>
+          <p:nvPr/>
+        </p:nvPicPr>
+        <p:blipFill>
+          <a:blip r:embed="rId18">
+            <a:extLst>
+              <a:ext uri="{28A0092B-C50C-407E-A947-70E740481C1C}">
+                <a14:useLocalDpi xmlns:a14="http://schemas.microsoft.com/office/drawing/2010/main" val="0"/>
+              </a:ext>
+            </a:extLst>
+          </a:blip>
+          <a:stretch>
+            <a:fillRect/>
+          </a:stretch>
+        </p:blipFill>
+        <p:spPr>
+          <a:xfrm>
+            <a:off x="8632565" y="2541950"/>
+            <a:ext cx="2465229" cy="783782"/>
+          </a:xfrm>
+          <a:prstGeom prst="rect">
+            <a:avLst/>
+          </a:prstGeom>
+          <a:solidFill>
+            <a:schemeClr val="tx1"/>
+          </a:solidFill>
+          <a:effectLst>
+            <a:outerShdw blurRad="50800" dist="38100" dir="2700000" algn="tl" rotWithShape="0">
+              <a:prstClr val="black">
+                <a:alpha val="40000"/>
+              </a:prstClr>
+            </a:outerShdw>
+          </a:effectLst>
+        </p:spPr>
+      </p:pic>
+    </p:spTree>
+    <p:extLst>
+      <p:ext uri="{BB962C8B-B14F-4D97-AF65-F5344CB8AC3E}">
+        <p14:creationId xmlns:p14="http://schemas.microsoft.com/office/powerpoint/2010/main" val="1421850581"/>
+      </p:ext>
+    </p:extLst>
+  </p:cSld>
+  <p:clrMapOvr>
+    <a:masterClrMapping/>
+  </p:clrMapOvr>
 </p:sld>
 </file>
 

--- a/data/Dokumente/Präsentation.pptx
+++ b/data/Dokumente/Präsentation.pptx
@@ -6,7 +6,11 @@
   </p:sldMasterIdLst>
   <p:sldIdLst>
     <p:sldId id="256" r:id="rId2"/>
-    <p:sldId id="257" r:id="rId3"/>
+    <p:sldId id="258" r:id="rId3"/>
+    <p:sldId id="259" r:id="rId4"/>
+    <p:sldId id="257" r:id="rId5"/>
+    <p:sldId id="260" r:id="rId6"/>
+    <p:sldId id="261" r:id="rId7"/>
   </p:sldIdLst>
   <p:sldSz cx="12192000" cy="6858000"/>
   <p:notesSz cx="6858000" cy="9144000"/>
@@ -113,6 +117,3664 @@
 </p:presentation>
 </file>
 
+<file path=ppt/diagrams/colors1.xml><?xml version="1.0" encoding="utf-8"?>
+<dgm:colorsDef xmlns:dgm="http://schemas.openxmlformats.org/drawingml/2006/diagram" xmlns:a="http://schemas.openxmlformats.org/drawingml/2006/main" uniqueId="urn:microsoft.com/office/officeart/2005/8/colors/accent1_2">
+  <dgm:title val=""/>
+  <dgm:desc val=""/>
+  <dgm:catLst>
+    <dgm:cat type="accent1" pri="11200"/>
+  </dgm:catLst>
+  <dgm:styleLbl name="node0">
+    <dgm:fillClrLst meth="repeat">
+      <a:schemeClr val="accent1"/>
+    </dgm:fillClrLst>
+    <dgm:linClrLst meth="repeat">
+      <a:schemeClr val="lt1"/>
+    </dgm:linClrLst>
+    <dgm:effectClrLst/>
+    <dgm:txLinClrLst/>
+    <dgm:txFillClrLst/>
+    <dgm:txEffectClrLst/>
+  </dgm:styleLbl>
+  <dgm:styleLbl name="alignNode1">
+    <dgm:fillClrLst meth="repeat">
+      <a:schemeClr val="accent1"/>
+    </dgm:fillClrLst>
+    <dgm:linClrLst meth="repeat">
+      <a:schemeClr val="accent1"/>
+    </dgm:linClrLst>
+    <dgm:effectClrLst/>
+    <dgm:txLinClrLst/>
+    <dgm:txFillClrLst/>
+    <dgm:txEffectClrLst/>
+  </dgm:styleLbl>
+  <dgm:styleLbl name="node1">
+    <dgm:fillClrLst meth="repeat">
+      <a:schemeClr val="accent1"/>
+    </dgm:fillClrLst>
+    <dgm:linClrLst meth="repeat">
+      <a:schemeClr val="lt1"/>
+    </dgm:linClrLst>
+    <dgm:effectClrLst/>
+    <dgm:txLinClrLst/>
+    <dgm:txFillClrLst/>
+    <dgm:txEffectClrLst/>
+  </dgm:styleLbl>
+  <dgm:styleLbl name="lnNode1">
+    <dgm:fillClrLst meth="repeat">
+      <a:schemeClr val="accent1"/>
+    </dgm:fillClrLst>
+    <dgm:linClrLst meth="repeat">
+      <a:schemeClr val="lt1"/>
+    </dgm:linClrLst>
+    <dgm:effectClrLst/>
+    <dgm:txLinClrLst/>
+    <dgm:txFillClrLst/>
+    <dgm:txEffectClrLst/>
+  </dgm:styleLbl>
+  <dgm:styleLbl name="vennNode1">
+    <dgm:fillClrLst meth="repeat">
+      <a:schemeClr val="accent1">
+        <a:alpha val="50000"/>
+      </a:schemeClr>
+    </dgm:fillClrLst>
+    <dgm:linClrLst meth="repeat">
+      <a:schemeClr val="lt1"/>
+    </dgm:linClrLst>
+    <dgm:effectClrLst/>
+    <dgm:txLinClrLst/>
+    <dgm:txFillClrLst/>
+    <dgm:txEffectClrLst/>
+  </dgm:styleLbl>
+  <dgm:styleLbl name="node2">
+    <dgm:fillClrLst meth="repeat">
+      <a:schemeClr val="accent1"/>
+    </dgm:fillClrLst>
+    <dgm:linClrLst meth="repeat">
+      <a:schemeClr val="lt1"/>
+    </dgm:linClrLst>
+    <dgm:effectClrLst/>
+    <dgm:txLinClrLst/>
+    <dgm:txFillClrLst/>
+    <dgm:txEffectClrLst/>
+  </dgm:styleLbl>
+  <dgm:styleLbl name="node3">
+    <dgm:fillClrLst meth="repeat">
+      <a:schemeClr val="accent1"/>
+    </dgm:fillClrLst>
+    <dgm:linClrLst meth="repeat">
+      <a:schemeClr val="lt1"/>
+    </dgm:linClrLst>
+    <dgm:effectClrLst/>
+    <dgm:txLinClrLst/>
+    <dgm:txFillClrLst/>
+    <dgm:txEffectClrLst/>
+  </dgm:styleLbl>
+  <dgm:styleLbl name="node4">
+    <dgm:fillClrLst meth="repeat">
+      <a:schemeClr val="accent1"/>
+    </dgm:fillClrLst>
+    <dgm:linClrLst meth="repeat">
+      <a:schemeClr val="lt1"/>
+    </dgm:linClrLst>
+    <dgm:effectClrLst/>
+    <dgm:txLinClrLst/>
+    <dgm:txFillClrLst/>
+    <dgm:txEffectClrLst/>
+  </dgm:styleLbl>
+  <dgm:styleLbl name="fgImgPlace1">
+    <dgm:fillClrLst meth="repeat">
+      <a:schemeClr val="accent1">
+        <a:tint val="50000"/>
+      </a:schemeClr>
+    </dgm:fillClrLst>
+    <dgm:linClrLst meth="repeat">
+      <a:schemeClr val="lt1"/>
+    </dgm:linClrLst>
+    <dgm:effectClrLst/>
+    <dgm:txLinClrLst/>
+    <dgm:txFillClrLst meth="repeat">
+      <a:schemeClr val="lt1"/>
+    </dgm:txFillClrLst>
+    <dgm:txEffectClrLst/>
+  </dgm:styleLbl>
+  <dgm:styleLbl name="alignImgPlace1">
+    <dgm:fillClrLst meth="repeat">
+      <a:schemeClr val="accent1">
+        <a:tint val="50000"/>
+      </a:schemeClr>
+    </dgm:fillClrLst>
+    <dgm:linClrLst meth="repeat">
+      <a:schemeClr val="lt1"/>
+    </dgm:linClrLst>
+    <dgm:effectClrLst/>
+    <dgm:txLinClrLst/>
+    <dgm:txFillClrLst meth="repeat">
+      <a:schemeClr val="lt1"/>
+    </dgm:txFillClrLst>
+    <dgm:txEffectClrLst/>
+  </dgm:styleLbl>
+  <dgm:styleLbl name="bgImgPlace1">
+    <dgm:fillClrLst meth="repeat">
+      <a:schemeClr val="accent1">
+        <a:tint val="50000"/>
+      </a:schemeClr>
+    </dgm:fillClrLst>
+    <dgm:linClrLst meth="repeat">
+      <a:schemeClr val="lt1"/>
+    </dgm:linClrLst>
+    <dgm:effectClrLst/>
+    <dgm:txLinClrLst/>
+    <dgm:txFillClrLst meth="repeat">
+      <a:schemeClr val="lt1"/>
+    </dgm:txFillClrLst>
+    <dgm:txEffectClrLst/>
+  </dgm:styleLbl>
+  <dgm:styleLbl name="sibTrans2D1">
+    <dgm:fillClrLst meth="repeat">
+      <a:schemeClr val="accent1">
+        <a:tint val="60000"/>
+      </a:schemeClr>
+    </dgm:fillClrLst>
+    <dgm:linClrLst meth="repeat">
+      <a:schemeClr val="accent1">
+        <a:tint val="60000"/>
+      </a:schemeClr>
+    </dgm:linClrLst>
+    <dgm:effectClrLst/>
+    <dgm:txLinClrLst/>
+    <dgm:txFillClrLst/>
+    <dgm:txEffectClrLst/>
+  </dgm:styleLbl>
+  <dgm:styleLbl name="fgSibTrans2D1">
+    <dgm:fillClrLst meth="repeat">
+      <a:schemeClr val="accent1">
+        <a:tint val="60000"/>
+      </a:schemeClr>
+    </dgm:fillClrLst>
+    <dgm:linClrLst meth="repeat">
+      <a:schemeClr val="accent1">
+        <a:tint val="60000"/>
+      </a:schemeClr>
+    </dgm:linClrLst>
+    <dgm:effectClrLst/>
+    <dgm:txLinClrLst/>
+    <dgm:txFillClrLst/>
+    <dgm:txEffectClrLst/>
+  </dgm:styleLbl>
+  <dgm:styleLbl name="bgSibTrans2D1">
+    <dgm:fillClrLst meth="repeat">
+      <a:schemeClr val="accent1">
+        <a:tint val="60000"/>
+      </a:schemeClr>
+    </dgm:fillClrLst>
+    <dgm:linClrLst meth="repeat">
+      <a:schemeClr val="accent1">
+        <a:tint val="60000"/>
+      </a:schemeClr>
+    </dgm:linClrLst>
+    <dgm:effectClrLst/>
+    <dgm:txLinClrLst/>
+    <dgm:txFillClrLst/>
+    <dgm:txEffectClrLst/>
+  </dgm:styleLbl>
+  <dgm:styleLbl name="sibTrans1D1">
+    <dgm:fillClrLst meth="repeat">
+      <a:schemeClr val="accent1"/>
+    </dgm:fillClrLst>
+    <dgm:linClrLst meth="repeat">
+      <a:schemeClr val="accent1"/>
+    </dgm:linClrLst>
+    <dgm:effectClrLst/>
+    <dgm:txLinClrLst/>
+    <dgm:txFillClrLst meth="repeat">
+      <a:schemeClr val="tx1"/>
+    </dgm:txFillClrLst>
+    <dgm:txEffectClrLst/>
+  </dgm:styleLbl>
+  <dgm:styleLbl name="callout">
+    <dgm:fillClrLst meth="repeat">
+      <a:schemeClr val="accent1"/>
+    </dgm:fillClrLst>
+    <dgm:linClrLst meth="repeat">
+      <a:schemeClr val="accent1">
+        <a:tint val="50000"/>
+      </a:schemeClr>
+    </dgm:linClrLst>
+    <dgm:effectClrLst/>
+    <dgm:txLinClrLst/>
+    <dgm:txFillClrLst meth="repeat">
+      <a:schemeClr val="tx1"/>
+    </dgm:txFillClrLst>
+    <dgm:txEffectClrLst/>
+  </dgm:styleLbl>
+  <dgm:styleLbl name="asst0">
+    <dgm:fillClrLst meth="repeat">
+      <a:schemeClr val="accent1"/>
+    </dgm:fillClrLst>
+    <dgm:linClrLst meth="repeat">
+      <a:schemeClr val="lt1"/>
+    </dgm:linClrLst>
+    <dgm:effectClrLst/>
+    <dgm:txLinClrLst/>
+    <dgm:txFillClrLst/>
+    <dgm:txEffectClrLst/>
+  </dgm:styleLbl>
+  <dgm:styleLbl name="asst1">
+    <dgm:fillClrLst meth="repeat">
+      <a:schemeClr val="accent1"/>
+    </dgm:fillClrLst>
+    <dgm:linClrLst meth="repeat">
+      <a:schemeClr val="lt1"/>
+    </dgm:linClrLst>
+    <dgm:effectClrLst/>
+    <dgm:txLinClrLst/>
+    <dgm:txFillClrLst/>
+    <dgm:txEffectClrLst/>
+  </dgm:styleLbl>
+  <dgm:styleLbl name="asst2">
+    <dgm:fillClrLst meth="repeat">
+      <a:schemeClr val="accent1"/>
+    </dgm:fillClrLst>
+    <dgm:linClrLst meth="repeat">
+      <a:schemeClr val="lt1"/>
+    </dgm:linClrLst>
+    <dgm:effectClrLst/>
+    <dgm:txLinClrLst/>
+    <dgm:txFillClrLst/>
+    <dgm:txEffectClrLst/>
+  </dgm:styleLbl>
+  <dgm:styleLbl name="asst3">
+    <dgm:fillClrLst meth="repeat">
+      <a:schemeClr val="accent1"/>
+    </dgm:fillClrLst>
+    <dgm:linClrLst meth="repeat">
+      <a:schemeClr val="lt1"/>
+    </dgm:linClrLst>
+    <dgm:effectClrLst/>
+    <dgm:txLinClrLst/>
+    <dgm:txFillClrLst/>
+    <dgm:txEffectClrLst/>
+  </dgm:styleLbl>
+  <dgm:styleLbl name="asst4">
+    <dgm:fillClrLst meth="repeat">
+      <a:schemeClr val="accent1"/>
+    </dgm:fillClrLst>
+    <dgm:linClrLst meth="repeat">
+      <a:schemeClr val="lt1"/>
+    </dgm:linClrLst>
+    <dgm:effectClrLst/>
+    <dgm:txLinClrLst/>
+    <dgm:txFillClrLst/>
+    <dgm:txEffectClrLst/>
+  </dgm:styleLbl>
+  <dgm:styleLbl name="parChTrans2D1">
+    <dgm:fillClrLst meth="repeat">
+      <a:schemeClr val="accent1">
+        <a:tint val="60000"/>
+      </a:schemeClr>
+    </dgm:fillClrLst>
+    <dgm:linClrLst meth="repeat">
+      <a:schemeClr val="accent1">
+        <a:tint val="60000"/>
+      </a:schemeClr>
+    </dgm:linClrLst>
+    <dgm:effectClrLst/>
+    <dgm:txLinClrLst/>
+    <dgm:txFillClrLst meth="repeat">
+      <a:schemeClr val="lt1"/>
+    </dgm:txFillClrLst>
+    <dgm:txEffectClrLst/>
+  </dgm:styleLbl>
+  <dgm:styleLbl name="parChTrans2D2">
+    <dgm:fillClrLst meth="repeat">
+      <a:schemeClr val="accent1"/>
+    </dgm:fillClrLst>
+    <dgm:linClrLst meth="repeat">
+      <a:schemeClr val="accent1"/>
+    </dgm:linClrLst>
+    <dgm:effectClrLst/>
+    <dgm:txLinClrLst/>
+    <dgm:txFillClrLst meth="repeat">
+      <a:schemeClr val="lt1"/>
+    </dgm:txFillClrLst>
+    <dgm:txEffectClrLst/>
+  </dgm:styleLbl>
+  <dgm:styleLbl name="parChTrans2D3">
+    <dgm:fillClrLst meth="repeat">
+      <a:schemeClr val="accent1"/>
+    </dgm:fillClrLst>
+    <dgm:linClrLst meth="repeat">
+      <a:schemeClr val="accent1"/>
+    </dgm:linClrLst>
+    <dgm:effectClrLst/>
+    <dgm:txLinClrLst/>
+    <dgm:txFillClrLst meth="repeat">
+      <a:schemeClr val="lt1"/>
+    </dgm:txFillClrLst>
+    <dgm:txEffectClrLst/>
+  </dgm:styleLbl>
+  <dgm:styleLbl name="parChTrans2D4">
+    <dgm:fillClrLst meth="repeat">
+      <a:schemeClr val="accent1"/>
+    </dgm:fillClrLst>
+    <dgm:linClrLst meth="repeat">
+      <a:schemeClr val="accent1"/>
+    </dgm:linClrLst>
+    <dgm:effectClrLst/>
+    <dgm:txLinClrLst/>
+    <dgm:txFillClrLst meth="repeat">
+      <a:schemeClr val="lt1"/>
+    </dgm:txFillClrLst>
+    <dgm:txEffectClrLst/>
+  </dgm:styleLbl>
+  <dgm:styleLbl name="parChTrans1D1">
+    <dgm:fillClrLst meth="repeat">
+      <a:schemeClr val="accent1"/>
+    </dgm:fillClrLst>
+    <dgm:linClrLst meth="repeat">
+      <a:schemeClr val="accent1">
+        <a:shade val="60000"/>
+      </a:schemeClr>
+    </dgm:linClrLst>
+    <dgm:effectClrLst/>
+    <dgm:txLinClrLst/>
+    <dgm:txFillClrLst meth="repeat">
+      <a:schemeClr val="tx1"/>
+    </dgm:txFillClrLst>
+    <dgm:txEffectClrLst/>
+  </dgm:styleLbl>
+  <dgm:styleLbl name="parChTrans1D2">
+    <dgm:fillClrLst meth="repeat">
+      <a:schemeClr val="accent1"/>
+    </dgm:fillClrLst>
+    <dgm:linClrLst meth="repeat">
+      <a:schemeClr val="accent1">
+        <a:shade val="60000"/>
+      </a:schemeClr>
+    </dgm:linClrLst>
+    <dgm:effectClrLst/>
+    <dgm:txLinClrLst/>
+    <dgm:txFillClrLst meth="repeat">
+      <a:schemeClr val="tx1"/>
+    </dgm:txFillClrLst>
+    <dgm:txEffectClrLst/>
+  </dgm:styleLbl>
+  <dgm:styleLbl name="parChTrans1D3">
+    <dgm:fillClrLst meth="repeat">
+      <a:schemeClr val="accent1"/>
+    </dgm:fillClrLst>
+    <dgm:linClrLst meth="repeat">
+      <a:schemeClr val="accent1">
+        <a:shade val="80000"/>
+      </a:schemeClr>
+    </dgm:linClrLst>
+    <dgm:effectClrLst/>
+    <dgm:txLinClrLst/>
+    <dgm:txFillClrLst meth="repeat">
+      <a:schemeClr val="tx1"/>
+    </dgm:txFillClrLst>
+    <dgm:txEffectClrLst/>
+  </dgm:styleLbl>
+  <dgm:styleLbl name="parChTrans1D4">
+    <dgm:fillClrLst meth="repeat">
+      <a:schemeClr val="accent1"/>
+    </dgm:fillClrLst>
+    <dgm:linClrLst meth="repeat">
+      <a:schemeClr val="accent1">
+        <a:shade val="80000"/>
+      </a:schemeClr>
+    </dgm:linClrLst>
+    <dgm:effectClrLst/>
+    <dgm:txLinClrLst/>
+    <dgm:txFillClrLst meth="repeat">
+      <a:schemeClr val="tx1"/>
+    </dgm:txFillClrLst>
+    <dgm:txEffectClrLst/>
+  </dgm:styleLbl>
+  <dgm:styleLbl name="fgAcc1">
+    <dgm:fillClrLst meth="repeat">
+      <a:schemeClr val="lt1">
+        <a:alpha val="90000"/>
+      </a:schemeClr>
+    </dgm:fillClrLst>
+    <dgm:linClrLst meth="repeat">
+      <a:schemeClr val="accent1"/>
+    </dgm:linClrLst>
+    <dgm:effectClrLst/>
+    <dgm:txLinClrLst/>
+    <dgm:txFillClrLst meth="repeat">
+      <a:schemeClr val="dk1"/>
+    </dgm:txFillClrLst>
+    <dgm:txEffectClrLst/>
+  </dgm:styleLbl>
+  <dgm:styleLbl name="conFgAcc1">
+    <dgm:fillClrLst meth="repeat">
+      <a:schemeClr val="lt1">
+        <a:alpha val="90000"/>
+      </a:schemeClr>
+    </dgm:fillClrLst>
+    <dgm:linClrLst meth="repeat">
+      <a:schemeClr val="accent1"/>
+    </dgm:linClrLst>
+    <dgm:effectClrLst/>
+    <dgm:txLinClrLst/>
+    <dgm:txFillClrLst meth="repeat">
+      <a:schemeClr val="dk1"/>
+    </dgm:txFillClrLst>
+    <dgm:txEffectClrLst/>
+  </dgm:styleLbl>
+  <dgm:styleLbl name="alignAcc1">
+    <dgm:fillClrLst meth="repeat">
+      <a:schemeClr val="lt1">
+        <a:alpha val="90000"/>
+      </a:schemeClr>
+    </dgm:fillClrLst>
+    <dgm:linClrLst meth="repeat">
+      <a:schemeClr val="accent1"/>
+    </dgm:linClrLst>
+    <dgm:effectClrLst/>
+    <dgm:txLinClrLst/>
+    <dgm:txFillClrLst meth="repeat">
+      <a:schemeClr val="dk1"/>
+    </dgm:txFillClrLst>
+    <dgm:txEffectClrLst/>
+  </dgm:styleLbl>
+  <dgm:styleLbl name="trAlignAcc1">
+    <dgm:fillClrLst meth="repeat">
+      <a:schemeClr val="lt1">
+        <a:alpha val="40000"/>
+      </a:schemeClr>
+    </dgm:fillClrLst>
+    <dgm:linClrLst meth="repeat">
+      <a:schemeClr val="accent1"/>
+    </dgm:linClrLst>
+    <dgm:effectClrLst/>
+    <dgm:txLinClrLst/>
+    <dgm:txFillClrLst meth="repeat">
+      <a:schemeClr val="dk1"/>
+    </dgm:txFillClrLst>
+    <dgm:txEffectClrLst/>
+  </dgm:styleLbl>
+  <dgm:styleLbl name="bgAcc1">
+    <dgm:fillClrLst meth="repeat">
+      <a:schemeClr val="lt1">
+        <a:alpha val="90000"/>
+      </a:schemeClr>
+    </dgm:fillClrLst>
+    <dgm:linClrLst meth="repeat">
+      <a:schemeClr val="accent1"/>
+    </dgm:linClrLst>
+    <dgm:effectClrLst/>
+    <dgm:txLinClrLst/>
+    <dgm:txFillClrLst meth="repeat">
+      <a:schemeClr val="dk1"/>
+    </dgm:txFillClrLst>
+    <dgm:txEffectClrLst/>
+  </dgm:styleLbl>
+  <dgm:styleLbl name="solidFgAcc1">
+    <dgm:fillClrLst meth="repeat">
+      <a:schemeClr val="lt1"/>
+    </dgm:fillClrLst>
+    <dgm:linClrLst meth="repeat">
+      <a:schemeClr val="accent1"/>
+    </dgm:linClrLst>
+    <dgm:effectClrLst/>
+    <dgm:txLinClrLst/>
+    <dgm:txFillClrLst meth="repeat">
+      <a:schemeClr val="dk1"/>
+    </dgm:txFillClrLst>
+    <dgm:txEffectClrLst/>
+  </dgm:styleLbl>
+  <dgm:styleLbl name="solidAlignAcc1">
+    <dgm:fillClrLst meth="repeat">
+      <a:schemeClr val="lt1"/>
+    </dgm:fillClrLst>
+    <dgm:linClrLst meth="repeat">
+      <a:schemeClr val="accent1"/>
+    </dgm:linClrLst>
+    <dgm:effectClrLst/>
+    <dgm:txLinClrLst/>
+    <dgm:txFillClrLst meth="repeat">
+      <a:schemeClr val="dk1"/>
+    </dgm:txFillClrLst>
+    <dgm:txEffectClrLst/>
+  </dgm:styleLbl>
+  <dgm:styleLbl name="solidBgAcc1">
+    <dgm:fillClrLst meth="repeat">
+      <a:schemeClr val="lt1"/>
+    </dgm:fillClrLst>
+    <dgm:linClrLst meth="repeat">
+      <a:schemeClr val="accent1"/>
+    </dgm:linClrLst>
+    <dgm:effectClrLst/>
+    <dgm:txLinClrLst/>
+    <dgm:txFillClrLst meth="repeat">
+      <a:schemeClr val="dk1"/>
+    </dgm:txFillClrLst>
+    <dgm:txEffectClrLst/>
+  </dgm:styleLbl>
+  <dgm:styleLbl name="fgAccFollowNode1">
+    <dgm:fillClrLst meth="repeat">
+      <a:schemeClr val="accent1">
+        <a:alpha val="90000"/>
+        <a:tint val="40000"/>
+      </a:schemeClr>
+    </dgm:fillClrLst>
+    <dgm:linClrLst meth="repeat">
+      <a:schemeClr val="accent1">
+        <a:alpha val="90000"/>
+        <a:tint val="40000"/>
+      </a:schemeClr>
+    </dgm:linClrLst>
+    <dgm:effectClrLst/>
+    <dgm:txLinClrLst/>
+    <dgm:txFillClrLst meth="repeat">
+      <a:schemeClr val="dk1"/>
+    </dgm:txFillClrLst>
+    <dgm:txEffectClrLst/>
+  </dgm:styleLbl>
+  <dgm:styleLbl name="alignAccFollowNode1">
+    <dgm:fillClrLst meth="repeat">
+      <a:schemeClr val="accent1">
+        <a:alpha val="90000"/>
+        <a:tint val="40000"/>
+      </a:schemeClr>
+    </dgm:fillClrLst>
+    <dgm:linClrLst meth="repeat">
+      <a:schemeClr val="accent1">
+        <a:alpha val="90000"/>
+        <a:tint val="40000"/>
+      </a:schemeClr>
+    </dgm:linClrLst>
+    <dgm:effectClrLst/>
+    <dgm:txLinClrLst/>
+    <dgm:txFillClrLst meth="repeat">
+      <a:schemeClr val="dk1"/>
+    </dgm:txFillClrLst>
+    <dgm:txEffectClrLst/>
+  </dgm:styleLbl>
+  <dgm:styleLbl name="bgAccFollowNode1">
+    <dgm:fillClrLst meth="repeat">
+      <a:schemeClr val="accent1">
+        <a:alpha val="90000"/>
+        <a:tint val="40000"/>
+      </a:schemeClr>
+    </dgm:fillClrLst>
+    <dgm:linClrLst meth="repeat">
+      <a:schemeClr val="accent1">
+        <a:alpha val="90000"/>
+        <a:tint val="40000"/>
+      </a:schemeClr>
+    </dgm:linClrLst>
+    <dgm:effectClrLst/>
+    <dgm:txLinClrLst/>
+    <dgm:txFillClrLst meth="repeat">
+      <a:schemeClr val="dk1"/>
+    </dgm:txFillClrLst>
+    <dgm:txEffectClrLst/>
+  </dgm:styleLbl>
+  <dgm:styleLbl name="fgAcc0">
+    <dgm:fillClrLst meth="repeat">
+      <a:schemeClr val="lt1">
+        <a:alpha val="90000"/>
+      </a:schemeClr>
+    </dgm:fillClrLst>
+    <dgm:linClrLst meth="repeat">
+      <a:schemeClr val="accent1"/>
+    </dgm:linClrLst>
+    <dgm:effectClrLst/>
+    <dgm:txLinClrLst/>
+    <dgm:txFillClrLst meth="repeat">
+      <a:schemeClr val="dk1"/>
+    </dgm:txFillClrLst>
+    <dgm:txEffectClrLst/>
+  </dgm:styleLbl>
+  <dgm:styleLbl name="fgAcc2">
+    <dgm:fillClrLst meth="repeat">
+      <a:schemeClr val="lt1">
+        <a:alpha val="90000"/>
+      </a:schemeClr>
+    </dgm:fillClrLst>
+    <dgm:linClrLst meth="repeat">
+      <a:schemeClr val="accent1"/>
+    </dgm:linClrLst>
+    <dgm:effectClrLst/>
+    <dgm:txLinClrLst/>
+    <dgm:txFillClrLst meth="repeat">
+      <a:schemeClr val="dk1"/>
+    </dgm:txFillClrLst>
+    <dgm:txEffectClrLst/>
+  </dgm:styleLbl>
+  <dgm:styleLbl name="fgAcc3">
+    <dgm:fillClrLst meth="repeat">
+      <a:schemeClr val="lt1">
+        <a:alpha val="90000"/>
+      </a:schemeClr>
+    </dgm:fillClrLst>
+    <dgm:linClrLst meth="repeat">
+      <a:schemeClr val="accent1"/>
+    </dgm:linClrLst>
+    <dgm:effectClrLst/>
+    <dgm:txLinClrLst/>
+    <dgm:txFillClrLst meth="repeat">
+      <a:schemeClr val="dk1"/>
+    </dgm:txFillClrLst>
+    <dgm:txEffectClrLst/>
+  </dgm:styleLbl>
+  <dgm:styleLbl name="fgAcc4">
+    <dgm:fillClrLst meth="repeat">
+      <a:schemeClr val="lt1">
+        <a:alpha val="90000"/>
+      </a:schemeClr>
+    </dgm:fillClrLst>
+    <dgm:linClrLst meth="repeat">
+      <a:schemeClr val="accent1"/>
+    </dgm:linClrLst>
+    <dgm:effectClrLst/>
+    <dgm:txLinClrLst/>
+    <dgm:txFillClrLst meth="repeat">
+      <a:schemeClr val="dk1"/>
+    </dgm:txFillClrLst>
+    <dgm:txEffectClrLst/>
+  </dgm:styleLbl>
+  <dgm:styleLbl name="bgShp">
+    <dgm:fillClrLst meth="repeat">
+      <a:schemeClr val="accent1">
+        <a:tint val="40000"/>
+      </a:schemeClr>
+    </dgm:fillClrLst>
+    <dgm:linClrLst meth="repeat">
+      <a:schemeClr val="accent1"/>
+    </dgm:linClrLst>
+    <dgm:effectClrLst/>
+    <dgm:txLinClrLst/>
+    <dgm:txFillClrLst meth="repeat">
+      <a:schemeClr val="dk1"/>
+    </dgm:txFillClrLst>
+    <dgm:txEffectClrLst/>
+  </dgm:styleLbl>
+  <dgm:styleLbl name="dkBgShp">
+    <dgm:fillClrLst meth="repeat">
+      <a:schemeClr val="accent1">
+        <a:shade val="80000"/>
+      </a:schemeClr>
+    </dgm:fillClrLst>
+    <dgm:linClrLst meth="repeat">
+      <a:schemeClr val="accent1"/>
+    </dgm:linClrLst>
+    <dgm:effectClrLst/>
+    <dgm:txLinClrLst/>
+    <dgm:txFillClrLst meth="repeat">
+      <a:schemeClr val="lt1"/>
+    </dgm:txFillClrLst>
+    <dgm:txEffectClrLst/>
+  </dgm:styleLbl>
+  <dgm:styleLbl name="trBgShp">
+    <dgm:fillClrLst meth="repeat">
+      <a:schemeClr val="accent1">
+        <a:tint val="50000"/>
+        <a:alpha val="40000"/>
+      </a:schemeClr>
+    </dgm:fillClrLst>
+    <dgm:linClrLst meth="repeat">
+      <a:schemeClr val="accent1"/>
+    </dgm:linClrLst>
+    <dgm:effectClrLst/>
+    <dgm:txLinClrLst/>
+    <dgm:txFillClrLst meth="repeat">
+      <a:schemeClr val="lt1"/>
+    </dgm:txFillClrLst>
+    <dgm:txEffectClrLst/>
+  </dgm:styleLbl>
+  <dgm:styleLbl name="fgShp">
+    <dgm:fillClrLst meth="repeat">
+      <a:schemeClr val="accent1">
+        <a:tint val="60000"/>
+      </a:schemeClr>
+    </dgm:fillClrLst>
+    <dgm:linClrLst meth="repeat">
+      <a:schemeClr val="lt1"/>
+    </dgm:linClrLst>
+    <dgm:effectClrLst/>
+    <dgm:txLinClrLst/>
+    <dgm:txFillClrLst meth="repeat">
+      <a:schemeClr val="dk1"/>
+    </dgm:txFillClrLst>
+    <dgm:txEffectClrLst/>
+  </dgm:styleLbl>
+  <dgm:styleLbl name="revTx">
+    <dgm:fillClrLst meth="repeat">
+      <a:schemeClr val="lt1">
+        <a:alpha val="0"/>
+      </a:schemeClr>
+    </dgm:fillClrLst>
+    <dgm:linClrLst meth="repeat">
+      <a:schemeClr val="dk1">
+        <a:alpha val="0"/>
+      </a:schemeClr>
+    </dgm:linClrLst>
+    <dgm:effectClrLst/>
+    <dgm:txLinClrLst/>
+    <dgm:txFillClrLst meth="repeat">
+      <a:schemeClr val="tx1"/>
+    </dgm:txFillClrLst>
+    <dgm:txEffectClrLst/>
+  </dgm:styleLbl>
+</dgm:colorsDef>
+</file>
+
+<file path=ppt/diagrams/data1.xml><?xml version="1.0" encoding="utf-8"?>
+<dgm:dataModel xmlns:dgm="http://schemas.openxmlformats.org/drawingml/2006/diagram" xmlns:a="http://schemas.openxmlformats.org/drawingml/2006/main">
+  <dgm:ptLst>
+    <dgm:pt modelId="{D12DA5B9-5CD8-4BF7-A177-40A58FBB1FB2}" type="doc">
+      <dgm:prSet loTypeId="urn:microsoft.com/office/officeart/2005/8/layout/hProcess4" loCatId="process" qsTypeId="urn:microsoft.com/office/officeart/2005/8/quickstyle/simple1" qsCatId="simple" csTypeId="urn:microsoft.com/office/officeart/2005/8/colors/accent1_2" csCatId="accent1" phldr="1"/>
+      <dgm:spPr/>
+      <dgm:t>
+        <a:bodyPr/>
+        <a:lstStyle/>
+        <a:p>
+          <a:endParaRPr lang="de-DE"/>
+        </a:p>
+      </dgm:t>
+    </dgm:pt>
+    <dgm:pt modelId="{0AF0E5C0-8BFA-40AE-9F24-BE9A15AB3FF3}">
+      <dgm:prSet phldrT="[Text]"/>
+      <dgm:spPr/>
+      <dgm:t>
+        <a:bodyPr/>
+        <a:lstStyle/>
+        <a:p>
+          <a:r>
+            <a:rPr lang="de-DE" dirty="0" smtClean="0"/>
+            <a:t>Hilfesuchender</a:t>
+          </a:r>
+          <a:endParaRPr lang="de-DE" dirty="0"/>
+        </a:p>
+      </dgm:t>
+    </dgm:pt>
+    <dgm:pt modelId="{BD6DCE63-5BD6-4128-8759-04C0954A499F}" type="parTrans" cxnId="{4303C7E2-86A0-4A63-99AC-0982EB8EF8A0}">
+      <dgm:prSet/>
+      <dgm:spPr/>
+      <dgm:t>
+        <a:bodyPr/>
+        <a:lstStyle/>
+        <a:p>
+          <a:endParaRPr lang="de-DE"/>
+        </a:p>
+      </dgm:t>
+    </dgm:pt>
+    <dgm:pt modelId="{5C071BBD-61A7-428C-9F22-487202679DF6}" type="sibTrans" cxnId="{4303C7E2-86A0-4A63-99AC-0982EB8EF8A0}">
+      <dgm:prSet/>
+      <dgm:spPr/>
+      <dgm:t>
+        <a:bodyPr/>
+        <a:lstStyle/>
+        <a:p>
+          <a:endParaRPr lang="de-DE"/>
+        </a:p>
+      </dgm:t>
+    </dgm:pt>
+    <dgm:pt modelId="{C9D73224-D520-417A-BE37-2EC716AB099A}">
+      <dgm:prSet phldrT="[Text]"/>
+      <dgm:spPr/>
+      <dgm:t>
+        <a:bodyPr/>
+        <a:lstStyle/>
+        <a:p>
+          <a:r>
+            <a:rPr lang="de-DE" dirty="0" smtClean="0"/>
+            <a:t>Typ</a:t>
+          </a:r>
+          <a:endParaRPr lang="de-DE" dirty="0"/>
+        </a:p>
+      </dgm:t>
+    </dgm:pt>
+    <dgm:pt modelId="{625D1495-7940-418D-96C4-7D50349C2B26}" type="parTrans" cxnId="{11CC015C-4BE0-46E5-8D9B-A93277EDD178}">
+      <dgm:prSet/>
+      <dgm:spPr/>
+      <dgm:t>
+        <a:bodyPr/>
+        <a:lstStyle/>
+        <a:p>
+          <a:endParaRPr lang="de-DE"/>
+        </a:p>
+      </dgm:t>
+    </dgm:pt>
+    <dgm:pt modelId="{C68F37DE-575D-4A56-9A94-865156EC6118}" type="sibTrans" cxnId="{11CC015C-4BE0-46E5-8D9B-A93277EDD178}">
+      <dgm:prSet/>
+      <dgm:spPr/>
+      <dgm:t>
+        <a:bodyPr/>
+        <a:lstStyle/>
+        <a:p>
+          <a:endParaRPr lang="de-DE"/>
+        </a:p>
+      </dgm:t>
+    </dgm:pt>
+    <dgm:pt modelId="{0095D6A1-D997-42A0-9316-FD2E4B48CBBE}">
+      <dgm:prSet phldrT="[Text]"/>
+      <dgm:spPr/>
+      <dgm:t>
+        <a:bodyPr/>
+        <a:lstStyle/>
+        <a:p>
+          <a:r>
+            <a:rPr lang="de-DE" dirty="0" smtClean="0"/>
+            <a:t>Beschreibung</a:t>
+          </a:r>
+          <a:endParaRPr lang="de-DE" dirty="0"/>
+        </a:p>
+      </dgm:t>
+    </dgm:pt>
+    <dgm:pt modelId="{180C4673-507D-4130-8A30-9ABC43F3257B}" type="parTrans" cxnId="{81BE4889-BB8B-463E-852E-E5B415247277}">
+      <dgm:prSet/>
+      <dgm:spPr/>
+      <dgm:t>
+        <a:bodyPr/>
+        <a:lstStyle/>
+        <a:p>
+          <a:endParaRPr lang="de-DE"/>
+        </a:p>
+      </dgm:t>
+    </dgm:pt>
+    <dgm:pt modelId="{732A8C6C-2381-46F8-B0CF-0B59EECEB23E}" type="sibTrans" cxnId="{81BE4889-BB8B-463E-852E-E5B415247277}">
+      <dgm:prSet/>
+      <dgm:spPr/>
+      <dgm:t>
+        <a:bodyPr/>
+        <a:lstStyle/>
+        <a:p>
+          <a:endParaRPr lang="de-DE"/>
+        </a:p>
+      </dgm:t>
+    </dgm:pt>
+    <dgm:pt modelId="{AECAE4DD-94DE-446C-8FED-BCF0062EA8B6}">
+      <dgm:prSet phldrT="[Text]"/>
+      <dgm:spPr/>
+      <dgm:t>
+        <a:bodyPr/>
+        <a:lstStyle/>
+        <a:p>
+          <a:r>
+            <a:rPr lang="de-DE" dirty="0" err="1" smtClean="0"/>
+            <a:t>BaQend</a:t>
+          </a:r>
+          <a:endParaRPr lang="de-DE" dirty="0"/>
+        </a:p>
+      </dgm:t>
+    </dgm:pt>
+    <dgm:pt modelId="{00D26C39-2680-4FB2-96F6-76829E05296D}" type="parTrans" cxnId="{83A8E59F-8FBB-47BE-864D-DC7AC851C15E}">
+      <dgm:prSet/>
+      <dgm:spPr/>
+      <dgm:t>
+        <a:bodyPr/>
+        <a:lstStyle/>
+        <a:p>
+          <a:endParaRPr lang="de-DE"/>
+        </a:p>
+      </dgm:t>
+    </dgm:pt>
+    <dgm:pt modelId="{43DEE9C2-BFCD-4764-BFF9-E0FF4DC84339}" type="sibTrans" cxnId="{83A8E59F-8FBB-47BE-864D-DC7AC851C15E}">
+      <dgm:prSet/>
+      <dgm:spPr/>
+      <dgm:t>
+        <a:bodyPr/>
+        <a:lstStyle/>
+        <a:p>
+          <a:endParaRPr lang="de-DE"/>
+        </a:p>
+      </dgm:t>
+    </dgm:pt>
+    <dgm:pt modelId="{D454EC34-3981-4068-953F-E00E5C8423A2}">
+      <dgm:prSet phldrT="[Text]"/>
+      <dgm:spPr/>
+      <dgm:t>
+        <a:bodyPr/>
+        <a:lstStyle/>
+        <a:p>
+          <a:r>
+            <a:rPr lang="de-DE" dirty="0" smtClean="0"/>
+            <a:t>Speichert mit Geoinformation</a:t>
+          </a:r>
+          <a:endParaRPr lang="de-DE" dirty="0"/>
+        </a:p>
+      </dgm:t>
+    </dgm:pt>
+    <dgm:pt modelId="{E10EF7FB-1D3D-4D33-BFA0-A38EA4626708}" type="parTrans" cxnId="{53DAB693-B30E-47E4-89CF-7B4404B3828D}">
+      <dgm:prSet/>
+      <dgm:spPr/>
+      <dgm:t>
+        <a:bodyPr/>
+        <a:lstStyle/>
+        <a:p>
+          <a:endParaRPr lang="de-DE"/>
+        </a:p>
+      </dgm:t>
+    </dgm:pt>
+    <dgm:pt modelId="{393DD97F-6BF2-4E4C-8B87-928393EC1E9F}" type="sibTrans" cxnId="{53DAB693-B30E-47E4-89CF-7B4404B3828D}">
+      <dgm:prSet/>
+      <dgm:spPr/>
+      <dgm:t>
+        <a:bodyPr/>
+        <a:lstStyle/>
+        <a:p>
+          <a:endParaRPr lang="de-DE"/>
+        </a:p>
+      </dgm:t>
+    </dgm:pt>
+    <dgm:pt modelId="{A54452D2-82F0-46CC-82AF-3CA4F88C19A5}">
+      <dgm:prSet phldrT="[Text]"/>
+      <dgm:spPr/>
+      <dgm:t>
+        <a:bodyPr/>
+        <a:lstStyle/>
+        <a:p>
+          <a:r>
+            <a:rPr lang="de-DE" dirty="0" smtClean="0"/>
+            <a:t>Sucht nach Helfer</a:t>
+          </a:r>
+          <a:endParaRPr lang="de-DE" dirty="0"/>
+        </a:p>
+      </dgm:t>
+    </dgm:pt>
+    <dgm:pt modelId="{D9F70B69-EA31-4CB7-A33B-6E43B9646C89}" type="parTrans" cxnId="{2AEFB90D-7A74-4153-B546-36F50C1FDC37}">
+      <dgm:prSet/>
+      <dgm:spPr/>
+      <dgm:t>
+        <a:bodyPr/>
+        <a:lstStyle/>
+        <a:p>
+          <a:endParaRPr lang="de-DE"/>
+        </a:p>
+      </dgm:t>
+    </dgm:pt>
+    <dgm:pt modelId="{75C8DB0F-EBEE-4D80-8831-CCCDAFDE1B9C}" type="sibTrans" cxnId="{2AEFB90D-7A74-4153-B546-36F50C1FDC37}">
+      <dgm:prSet/>
+      <dgm:spPr/>
+      <dgm:t>
+        <a:bodyPr/>
+        <a:lstStyle/>
+        <a:p>
+          <a:endParaRPr lang="de-DE"/>
+        </a:p>
+      </dgm:t>
+    </dgm:pt>
+    <dgm:pt modelId="{B4D6F559-908C-49E2-9387-02F517A7F11A}">
+      <dgm:prSet phldrT="[Text]"/>
+      <dgm:spPr/>
+      <dgm:t>
+        <a:bodyPr/>
+        <a:lstStyle/>
+        <a:p>
+          <a:r>
+            <a:rPr lang="de-DE" dirty="0" smtClean="0"/>
+            <a:t>Helfer</a:t>
+          </a:r>
+          <a:endParaRPr lang="de-DE" dirty="0"/>
+        </a:p>
+      </dgm:t>
+    </dgm:pt>
+    <dgm:pt modelId="{7F729756-F78C-4CE7-86AA-A154FCC44AD4}" type="parTrans" cxnId="{A866ECAC-D37E-4D46-B070-6632A9C26C2B}">
+      <dgm:prSet/>
+      <dgm:spPr/>
+      <dgm:t>
+        <a:bodyPr/>
+        <a:lstStyle/>
+        <a:p>
+          <a:endParaRPr lang="de-DE"/>
+        </a:p>
+      </dgm:t>
+    </dgm:pt>
+    <dgm:pt modelId="{6220A427-82E0-400C-BBE3-A78BE8CC5F20}" type="sibTrans" cxnId="{A866ECAC-D37E-4D46-B070-6632A9C26C2B}">
+      <dgm:prSet/>
+      <dgm:spPr/>
+      <dgm:t>
+        <a:bodyPr/>
+        <a:lstStyle/>
+        <a:p>
+          <a:endParaRPr lang="de-DE"/>
+        </a:p>
+      </dgm:t>
+    </dgm:pt>
+    <dgm:pt modelId="{BF1272D0-25BA-4444-AE9F-0F0F8E659B13}">
+      <dgm:prSet phldrT="[Text]"/>
+      <dgm:spPr/>
+      <dgm:t>
+        <a:bodyPr/>
+        <a:lstStyle/>
+        <a:p>
+          <a:r>
+            <a:rPr lang="de-DE" dirty="0" smtClean="0"/>
+            <a:t>Anhand Skills</a:t>
+          </a:r>
+          <a:endParaRPr lang="de-DE" dirty="0"/>
+        </a:p>
+      </dgm:t>
+    </dgm:pt>
+    <dgm:pt modelId="{E5EB321C-2254-4FDA-A023-5AD46B65C490}" type="parTrans" cxnId="{AADBB11F-2C60-4779-B02B-59458F772D3D}">
+      <dgm:prSet/>
+      <dgm:spPr/>
+      <dgm:t>
+        <a:bodyPr/>
+        <a:lstStyle/>
+        <a:p>
+          <a:endParaRPr lang="de-DE"/>
+        </a:p>
+      </dgm:t>
+    </dgm:pt>
+    <dgm:pt modelId="{E6713798-AC22-41CF-9094-69838569AEF6}" type="sibTrans" cxnId="{AADBB11F-2C60-4779-B02B-59458F772D3D}">
+      <dgm:prSet/>
+      <dgm:spPr/>
+      <dgm:t>
+        <a:bodyPr/>
+        <a:lstStyle/>
+        <a:p>
+          <a:endParaRPr lang="de-DE"/>
+        </a:p>
+      </dgm:t>
+    </dgm:pt>
+    <dgm:pt modelId="{41F5D826-D68D-490F-B84B-DE2D286D264D}">
+      <dgm:prSet phldrT="[Text]"/>
+      <dgm:spPr/>
+      <dgm:t>
+        <a:bodyPr/>
+        <a:lstStyle/>
+        <a:p>
+          <a:r>
+            <a:rPr lang="de-DE" dirty="0" smtClean="0"/>
+            <a:t>Kann Hilfesuchenden kontaktieren</a:t>
+          </a:r>
+          <a:endParaRPr lang="de-DE" dirty="0"/>
+        </a:p>
+      </dgm:t>
+    </dgm:pt>
+    <dgm:pt modelId="{3A023B97-DEDC-40D1-80F9-C9DBD19D78A2}" type="parTrans" cxnId="{FAE5FCE1-A052-49E2-B549-AC36FEECA8E6}">
+      <dgm:prSet/>
+      <dgm:spPr/>
+      <dgm:t>
+        <a:bodyPr/>
+        <a:lstStyle/>
+        <a:p>
+          <a:endParaRPr lang="de-DE"/>
+        </a:p>
+      </dgm:t>
+    </dgm:pt>
+    <dgm:pt modelId="{7AE321DA-B2EC-4912-B70F-4C1A45E4DDDC}" type="sibTrans" cxnId="{FAE5FCE1-A052-49E2-B549-AC36FEECA8E6}">
+      <dgm:prSet/>
+      <dgm:spPr/>
+      <dgm:t>
+        <a:bodyPr/>
+        <a:lstStyle/>
+        <a:p>
+          <a:endParaRPr lang="de-DE"/>
+        </a:p>
+      </dgm:t>
+    </dgm:pt>
+    <dgm:pt modelId="{74043CB4-3782-4AB6-A910-14BC537E6515}">
+      <dgm:prSet phldrT="[Text]"/>
+      <dgm:spPr/>
+      <dgm:t>
+        <a:bodyPr/>
+        <a:lstStyle/>
+        <a:p>
+          <a:r>
+            <a:rPr lang="de-DE" dirty="0" smtClean="0"/>
+            <a:t>Position</a:t>
+          </a:r>
+          <a:endParaRPr lang="de-DE" dirty="0"/>
+        </a:p>
+      </dgm:t>
+    </dgm:pt>
+    <dgm:pt modelId="{990C7C64-74F3-4F12-BE93-7770EE348B53}" type="parTrans" cxnId="{B3E65AC1-6F54-464C-B766-78FEEF36219D}">
+      <dgm:prSet/>
+      <dgm:spPr/>
+      <dgm:t>
+        <a:bodyPr/>
+        <a:lstStyle/>
+        <a:p>
+          <a:endParaRPr lang="de-DE"/>
+        </a:p>
+      </dgm:t>
+    </dgm:pt>
+    <dgm:pt modelId="{1ADD9381-B151-42E2-949E-E3DF37457985}" type="sibTrans" cxnId="{B3E65AC1-6F54-464C-B766-78FEEF36219D}">
+      <dgm:prSet/>
+      <dgm:spPr/>
+      <dgm:t>
+        <a:bodyPr/>
+        <a:lstStyle/>
+        <a:p>
+          <a:endParaRPr lang="de-DE"/>
+        </a:p>
+      </dgm:t>
+    </dgm:pt>
+    <dgm:pt modelId="{C89A2A88-725E-4F50-83C0-C0FC8DEA088B}" type="pres">
+      <dgm:prSet presAssocID="{D12DA5B9-5CD8-4BF7-A177-40A58FBB1FB2}" presName="Name0" presStyleCnt="0">
+        <dgm:presLayoutVars>
+          <dgm:dir/>
+          <dgm:animLvl val="lvl"/>
+          <dgm:resizeHandles val="exact"/>
+        </dgm:presLayoutVars>
+      </dgm:prSet>
+      <dgm:spPr/>
+      <dgm:t>
+        <a:bodyPr/>
+        <a:lstStyle/>
+        <a:p>
+          <a:endParaRPr lang="de-DE"/>
+        </a:p>
+      </dgm:t>
+    </dgm:pt>
+    <dgm:pt modelId="{A7D8E36D-A856-4D29-B5D0-903DB89F33D5}" type="pres">
+      <dgm:prSet presAssocID="{D12DA5B9-5CD8-4BF7-A177-40A58FBB1FB2}" presName="tSp" presStyleCnt="0"/>
+      <dgm:spPr/>
+    </dgm:pt>
+    <dgm:pt modelId="{DCA665D8-6EF1-4BF5-986E-FC598C58ACE2}" type="pres">
+      <dgm:prSet presAssocID="{D12DA5B9-5CD8-4BF7-A177-40A58FBB1FB2}" presName="bSp" presStyleCnt="0"/>
+      <dgm:spPr/>
+    </dgm:pt>
+    <dgm:pt modelId="{CFA9A48E-38C8-457B-8090-B293F71AD0F8}" type="pres">
+      <dgm:prSet presAssocID="{D12DA5B9-5CD8-4BF7-A177-40A58FBB1FB2}" presName="process" presStyleCnt="0"/>
+      <dgm:spPr/>
+    </dgm:pt>
+    <dgm:pt modelId="{22669C3C-2A2C-4105-857C-6A43105B3432}" type="pres">
+      <dgm:prSet presAssocID="{0AF0E5C0-8BFA-40AE-9F24-BE9A15AB3FF3}" presName="composite1" presStyleCnt="0"/>
+      <dgm:spPr/>
+    </dgm:pt>
+    <dgm:pt modelId="{27428FD1-7220-4E4E-8802-D7AEAEF44153}" type="pres">
+      <dgm:prSet presAssocID="{0AF0E5C0-8BFA-40AE-9F24-BE9A15AB3FF3}" presName="dummyNode1" presStyleLbl="node1" presStyleIdx="0" presStyleCnt="3"/>
+      <dgm:spPr/>
+    </dgm:pt>
+    <dgm:pt modelId="{9742459E-65F0-45C8-96A8-84BE120F697F}" type="pres">
+      <dgm:prSet presAssocID="{0AF0E5C0-8BFA-40AE-9F24-BE9A15AB3FF3}" presName="childNode1" presStyleLbl="bgAcc1" presStyleIdx="0" presStyleCnt="3">
+        <dgm:presLayoutVars>
+          <dgm:bulletEnabled val="1"/>
+        </dgm:presLayoutVars>
+      </dgm:prSet>
+      <dgm:spPr/>
+      <dgm:t>
+        <a:bodyPr/>
+        <a:lstStyle/>
+        <a:p>
+          <a:endParaRPr lang="de-DE"/>
+        </a:p>
+      </dgm:t>
+    </dgm:pt>
+    <dgm:pt modelId="{ECDF3C51-7195-4CF3-8F30-F2FCF6FA0088}" type="pres">
+      <dgm:prSet presAssocID="{0AF0E5C0-8BFA-40AE-9F24-BE9A15AB3FF3}" presName="childNode1tx" presStyleLbl="bgAcc1" presStyleIdx="0" presStyleCnt="3">
+        <dgm:presLayoutVars>
+          <dgm:bulletEnabled val="1"/>
+        </dgm:presLayoutVars>
+      </dgm:prSet>
+      <dgm:spPr/>
+      <dgm:t>
+        <a:bodyPr/>
+        <a:lstStyle/>
+        <a:p>
+          <a:endParaRPr lang="de-DE"/>
+        </a:p>
+      </dgm:t>
+    </dgm:pt>
+    <dgm:pt modelId="{1015E9D1-D5AB-4614-B402-CF3052B2D20F}" type="pres">
+      <dgm:prSet presAssocID="{0AF0E5C0-8BFA-40AE-9F24-BE9A15AB3FF3}" presName="parentNode1" presStyleLbl="node1" presStyleIdx="0" presStyleCnt="3">
+        <dgm:presLayoutVars>
+          <dgm:chMax val="1"/>
+          <dgm:bulletEnabled val="1"/>
+        </dgm:presLayoutVars>
+      </dgm:prSet>
+      <dgm:spPr/>
+      <dgm:t>
+        <a:bodyPr/>
+        <a:lstStyle/>
+        <a:p>
+          <a:endParaRPr lang="de-DE"/>
+        </a:p>
+      </dgm:t>
+    </dgm:pt>
+    <dgm:pt modelId="{6BFDF754-9E33-426E-BDF8-2DF159482684}" type="pres">
+      <dgm:prSet presAssocID="{0AF0E5C0-8BFA-40AE-9F24-BE9A15AB3FF3}" presName="connSite1" presStyleCnt="0"/>
+      <dgm:spPr/>
+    </dgm:pt>
+    <dgm:pt modelId="{90A24C39-5459-4843-AA08-ED712BDDB54A}" type="pres">
+      <dgm:prSet presAssocID="{5C071BBD-61A7-428C-9F22-487202679DF6}" presName="Name9" presStyleLbl="sibTrans2D1" presStyleIdx="0" presStyleCnt="2"/>
+      <dgm:spPr/>
+      <dgm:t>
+        <a:bodyPr/>
+        <a:lstStyle/>
+        <a:p>
+          <a:endParaRPr lang="de-DE"/>
+        </a:p>
+      </dgm:t>
+    </dgm:pt>
+    <dgm:pt modelId="{68CF7F4E-F535-42B6-BF5C-1043CF2F70C8}" type="pres">
+      <dgm:prSet presAssocID="{AECAE4DD-94DE-446C-8FED-BCF0062EA8B6}" presName="composite2" presStyleCnt="0"/>
+      <dgm:spPr/>
+    </dgm:pt>
+    <dgm:pt modelId="{64A4E951-1E47-418E-8299-0073F98507D5}" type="pres">
+      <dgm:prSet presAssocID="{AECAE4DD-94DE-446C-8FED-BCF0062EA8B6}" presName="dummyNode2" presStyleLbl="node1" presStyleIdx="0" presStyleCnt="3"/>
+      <dgm:spPr/>
+    </dgm:pt>
+    <dgm:pt modelId="{BC143DBD-4DF8-4422-AAF5-E8CB17FDCAF1}" type="pres">
+      <dgm:prSet presAssocID="{AECAE4DD-94DE-446C-8FED-BCF0062EA8B6}" presName="childNode2" presStyleLbl="bgAcc1" presStyleIdx="1" presStyleCnt="3">
+        <dgm:presLayoutVars>
+          <dgm:bulletEnabled val="1"/>
+        </dgm:presLayoutVars>
+      </dgm:prSet>
+      <dgm:spPr/>
+      <dgm:t>
+        <a:bodyPr/>
+        <a:lstStyle/>
+        <a:p>
+          <a:endParaRPr lang="de-DE"/>
+        </a:p>
+      </dgm:t>
+    </dgm:pt>
+    <dgm:pt modelId="{6A12EA78-688E-41EF-ADDD-DFEF3099639F}" type="pres">
+      <dgm:prSet presAssocID="{AECAE4DD-94DE-446C-8FED-BCF0062EA8B6}" presName="childNode2tx" presStyleLbl="bgAcc1" presStyleIdx="1" presStyleCnt="3">
+        <dgm:presLayoutVars>
+          <dgm:bulletEnabled val="1"/>
+        </dgm:presLayoutVars>
+      </dgm:prSet>
+      <dgm:spPr/>
+      <dgm:t>
+        <a:bodyPr/>
+        <a:lstStyle/>
+        <a:p>
+          <a:endParaRPr lang="de-DE"/>
+        </a:p>
+      </dgm:t>
+    </dgm:pt>
+    <dgm:pt modelId="{8609162C-325A-46BE-BDCD-A2949B91E6E1}" type="pres">
+      <dgm:prSet presAssocID="{AECAE4DD-94DE-446C-8FED-BCF0062EA8B6}" presName="parentNode2" presStyleLbl="node1" presStyleIdx="1" presStyleCnt="3">
+        <dgm:presLayoutVars>
+          <dgm:chMax val="0"/>
+          <dgm:bulletEnabled val="1"/>
+        </dgm:presLayoutVars>
+      </dgm:prSet>
+      <dgm:spPr/>
+      <dgm:t>
+        <a:bodyPr/>
+        <a:lstStyle/>
+        <a:p>
+          <a:endParaRPr lang="de-DE"/>
+        </a:p>
+      </dgm:t>
+    </dgm:pt>
+    <dgm:pt modelId="{7AE4C22F-6639-4F0B-AA9A-B8EB3D9C81F9}" type="pres">
+      <dgm:prSet presAssocID="{AECAE4DD-94DE-446C-8FED-BCF0062EA8B6}" presName="connSite2" presStyleCnt="0"/>
+      <dgm:spPr/>
+    </dgm:pt>
+    <dgm:pt modelId="{A85AE8D4-DB1B-4004-9B4F-9C021DCD7776}" type="pres">
+      <dgm:prSet presAssocID="{43DEE9C2-BFCD-4764-BFF9-E0FF4DC84339}" presName="Name18" presStyleLbl="sibTrans2D1" presStyleIdx="1" presStyleCnt="2"/>
+      <dgm:spPr/>
+      <dgm:t>
+        <a:bodyPr/>
+        <a:lstStyle/>
+        <a:p>
+          <a:endParaRPr lang="de-DE"/>
+        </a:p>
+      </dgm:t>
+    </dgm:pt>
+    <dgm:pt modelId="{493D80A9-F742-40D7-8825-AFB6BC9D6EC1}" type="pres">
+      <dgm:prSet presAssocID="{B4D6F559-908C-49E2-9387-02F517A7F11A}" presName="composite1" presStyleCnt="0"/>
+      <dgm:spPr/>
+    </dgm:pt>
+    <dgm:pt modelId="{D308CF88-899F-4255-8527-64EB1E28B660}" type="pres">
+      <dgm:prSet presAssocID="{B4D6F559-908C-49E2-9387-02F517A7F11A}" presName="dummyNode1" presStyleLbl="node1" presStyleIdx="1" presStyleCnt="3"/>
+      <dgm:spPr/>
+    </dgm:pt>
+    <dgm:pt modelId="{B4D676DF-CAF5-4538-9603-4E332F5CC8E7}" type="pres">
+      <dgm:prSet presAssocID="{B4D6F559-908C-49E2-9387-02F517A7F11A}" presName="childNode1" presStyleLbl="bgAcc1" presStyleIdx="2" presStyleCnt="3">
+        <dgm:presLayoutVars>
+          <dgm:bulletEnabled val="1"/>
+        </dgm:presLayoutVars>
+      </dgm:prSet>
+      <dgm:spPr/>
+      <dgm:t>
+        <a:bodyPr/>
+        <a:lstStyle/>
+        <a:p>
+          <a:endParaRPr lang="de-DE"/>
+        </a:p>
+      </dgm:t>
+    </dgm:pt>
+    <dgm:pt modelId="{6D642AEA-0045-411A-92DD-7C75A02AFE5D}" type="pres">
+      <dgm:prSet presAssocID="{B4D6F559-908C-49E2-9387-02F517A7F11A}" presName="childNode1tx" presStyleLbl="bgAcc1" presStyleIdx="2" presStyleCnt="3">
+        <dgm:presLayoutVars>
+          <dgm:bulletEnabled val="1"/>
+        </dgm:presLayoutVars>
+      </dgm:prSet>
+      <dgm:spPr/>
+      <dgm:t>
+        <a:bodyPr/>
+        <a:lstStyle/>
+        <a:p>
+          <a:endParaRPr lang="de-DE"/>
+        </a:p>
+      </dgm:t>
+    </dgm:pt>
+    <dgm:pt modelId="{B38C24B6-F133-4FFA-860D-6768701A3A5B}" type="pres">
+      <dgm:prSet presAssocID="{B4D6F559-908C-49E2-9387-02F517A7F11A}" presName="parentNode1" presStyleLbl="node1" presStyleIdx="2" presStyleCnt="3">
+        <dgm:presLayoutVars>
+          <dgm:chMax val="1"/>
+          <dgm:bulletEnabled val="1"/>
+        </dgm:presLayoutVars>
+      </dgm:prSet>
+      <dgm:spPr/>
+      <dgm:t>
+        <a:bodyPr/>
+        <a:lstStyle/>
+        <a:p>
+          <a:endParaRPr lang="de-DE"/>
+        </a:p>
+      </dgm:t>
+    </dgm:pt>
+    <dgm:pt modelId="{05E5718B-E995-4EC2-B720-4B2862722092}" type="pres">
+      <dgm:prSet presAssocID="{B4D6F559-908C-49E2-9387-02F517A7F11A}" presName="connSite1" presStyleCnt="0"/>
+      <dgm:spPr/>
+    </dgm:pt>
+  </dgm:ptLst>
+  <dgm:cxnLst>
+    <dgm:cxn modelId="{BC6DD113-73E9-4D69-8B5B-2328D73CB577}" type="presOf" srcId="{BF1272D0-25BA-4444-AE9F-0F0F8E659B13}" destId="{6D642AEA-0045-411A-92DD-7C75A02AFE5D}" srcOrd="1" destOrd="0" presId="urn:microsoft.com/office/officeart/2005/8/layout/hProcess4"/>
+    <dgm:cxn modelId="{94E04FC9-5018-4BF6-ACC6-EE42CCD30CAB}" type="presOf" srcId="{D454EC34-3981-4068-953F-E00E5C8423A2}" destId="{6A12EA78-688E-41EF-ADDD-DFEF3099639F}" srcOrd="1" destOrd="0" presId="urn:microsoft.com/office/officeart/2005/8/layout/hProcess4"/>
+    <dgm:cxn modelId="{83A8E59F-8FBB-47BE-864D-DC7AC851C15E}" srcId="{D12DA5B9-5CD8-4BF7-A177-40A58FBB1FB2}" destId="{AECAE4DD-94DE-446C-8FED-BCF0062EA8B6}" srcOrd="1" destOrd="0" parTransId="{00D26C39-2680-4FB2-96F6-76829E05296D}" sibTransId="{43DEE9C2-BFCD-4764-BFF9-E0FF4DC84339}"/>
+    <dgm:cxn modelId="{45DAB086-5E64-4386-B22D-09BC2876062B}" type="presOf" srcId="{BF1272D0-25BA-4444-AE9F-0F0F8E659B13}" destId="{B4D676DF-CAF5-4538-9603-4E332F5CC8E7}" srcOrd="0" destOrd="0" presId="urn:microsoft.com/office/officeart/2005/8/layout/hProcess4"/>
+    <dgm:cxn modelId="{C615E347-DF22-40AA-91EF-0284EC2E84F2}" type="presOf" srcId="{0095D6A1-D997-42A0-9316-FD2E4B48CBBE}" destId="{9742459E-65F0-45C8-96A8-84BE120F697F}" srcOrd="0" destOrd="1" presId="urn:microsoft.com/office/officeart/2005/8/layout/hProcess4"/>
+    <dgm:cxn modelId="{BB9D90B3-24D4-4605-A0D7-996611790C8F}" type="presOf" srcId="{0AF0E5C0-8BFA-40AE-9F24-BE9A15AB3FF3}" destId="{1015E9D1-D5AB-4614-B402-CF3052B2D20F}" srcOrd="0" destOrd="0" presId="urn:microsoft.com/office/officeart/2005/8/layout/hProcess4"/>
+    <dgm:cxn modelId="{B3E65AC1-6F54-464C-B766-78FEEF36219D}" srcId="{0AF0E5C0-8BFA-40AE-9F24-BE9A15AB3FF3}" destId="{74043CB4-3782-4AB6-A910-14BC537E6515}" srcOrd="2" destOrd="0" parTransId="{990C7C64-74F3-4F12-BE93-7770EE348B53}" sibTransId="{1ADD9381-B151-42E2-949E-E3DF37457985}"/>
+    <dgm:cxn modelId="{9950022B-E186-47A5-A78C-D1685D93044F}" type="presOf" srcId="{D454EC34-3981-4068-953F-E00E5C8423A2}" destId="{BC143DBD-4DF8-4422-AAF5-E8CB17FDCAF1}" srcOrd="0" destOrd="0" presId="urn:microsoft.com/office/officeart/2005/8/layout/hProcess4"/>
+    <dgm:cxn modelId="{AD8E758E-8B87-48DE-BECA-7C5624DC6CBC}" type="presOf" srcId="{AECAE4DD-94DE-446C-8FED-BCF0062EA8B6}" destId="{8609162C-325A-46BE-BDCD-A2949B91E6E1}" srcOrd="0" destOrd="0" presId="urn:microsoft.com/office/officeart/2005/8/layout/hProcess4"/>
+    <dgm:cxn modelId="{4FDC5921-D7D6-4075-92F4-2DD52E340C87}" type="presOf" srcId="{D12DA5B9-5CD8-4BF7-A177-40A58FBB1FB2}" destId="{C89A2A88-725E-4F50-83C0-C0FC8DEA088B}" srcOrd="0" destOrd="0" presId="urn:microsoft.com/office/officeart/2005/8/layout/hProcess4"/>
+    <dgm:cxn modelId="{434AF9BC-0E1F-4BE9-B090-8AAC7975273E}" type="presOf" srcId="{74043CB4-3782-4AB6-A910-14BC537E6515}" destId="{9742459E-65F0-45C8-96A8-84BE120F697F}" srcOrd="0" destOrd="2" presId="urn:microsoft.com/office/officeart/2005/8/layout/hProcess4"/>
+    <dgm:cxn modelId="{53DAB693-B30E-47E4-89CF-7B4404B3828D}" srcId="{AECAE4DD-94DE-446C-8FED-BCF0062EA8B6}" destId="{D454EC34-3981-4068-953F-E00E5C8423A2}" srcOrd="0" destOrd="0" parTransId="{E10EF7FB-1D3D-4D33-BFA0-A38EA4626708}" sibTransId="{393DD97F-6BF2-4E4C-8B87-928393EC1E9F}"/>
+    <dgm:cxn modelId="{B7B893D9-4590-4317-8896-5685127EF367}" type="presOf" srcId="{41F5D826-D68D-490F-B84B-DE2D286D264D}" destId="{B4D676DF-CAF5-4538-9603-4E332F5CC8E7}" srcOrd="0" destOrd="1" presId="urn:microsoft.com/office/officeart/2005/8/layout/hProcess4"/>
+    <dgm:cxn modelId="{11CC015C-4BE0-46E5-8D9B-A93277EDD178}" srcId="{0AF0E5C0-8BFA-40AE-9F24-BE9A15AB3FF3}" destId="{C9D73224-D520-417A-BE37-2EC716AB099A}" srcOrd="0" destOrd="0" parTransId="{625D1495-7940-418D-96C4-7D50349C2B26}" sibTransId="{C68F37DE-575D-4A56-9A94-865156EC6118}"/>
+    <dgm:cxn modelId="{5ABBDEB6-F2FA-42EB-B439-3FE373917E7F}" type="presOf" srcId="{C9D73224-D520-417A-BE37-2EC716AB099A}" destId="{9742459E-65F0-45C8-96A8-84BE120F697F}" srcOrd="0" destOrd="0" presId="urn:microsoft.com/office/officeart/2005/8/layout/hProcess4"/>
+    <dgm:cxn modelId="{DC9E4512-4C4F-4E6E-9C54-B8EF44C19ADD}" type="presOf" srcId="{5C071BBD-61A7-428C-9F22-487202679DF6}" destId="{90A24C39-5459-4843-AA08-ED712BDDB54A}" srcOrd="0" destOrd="0" presId="urn:microsoft.com/office/officeart/2005/8/layout/hProcess4"/>
+    <dgm:cxn modelId="{3FF5A45D-B329-4575-9C7B-94B5B01BE516}" type="presOf" srcId="{0095D6A1-D997-42A0-9316-FD2E4B48CBBE}" destId="{ECDF3C51-7195-4CF3-8F30-F2FCF6FA0088}" srcOrd="1" destOrd="1" presId="urn:microsoft.com/office/officeart/2005/8/layout/hProcess4"/>
+    <dgm:cxn modelId="{DCAA209D-08EF-4188-8ECC-67882B595057}" type="presOf" srcId="{C9D73224-D520-417A-BE37-2EC716AB099A}" destId="{ECDF3C51-7195-4CF3-8F30-F2FCF6FA0088}" srcOrd="1" destOrd="0" presId="urn:microsoft.com/office/officeart/2005/8/layout/hProcess4"/>
+    <dgm:cxn modelId="{4303C7E2-86A0-4A63-99AC-0982EB8EF8A0}" srcId="{D12DA5B9-5CD8-4BF7-A177-40A58FBB1FB2}" destId="{0AF0E5C0-8BFA-40AE-9F24-BE9A15AB3FF3}" srcOrd="0" destOrd="0" parTransId="{BD6DCE63-5BD6-4128-8759-04C0954A499F}" sibTransId="{5C071BBD-61A7-428C-9F22-487202679DF6}"/>
+    <dgm:cxn modelId="{6E448487-9864-4418-BDF7-C02EA208BF2F}" type="presOf" srcId="{43DEE9C2-BFCD-4764-BFF9-E0FF4DC84339}" destId="{A85AE8D4-DB1B-4004-9B4F-9C021DCD7776}" srcOrd="0" destOrd="0" presId="urn:microsoft.com/office/officeart/2005/8/layout/hProcess4"/>
+    <dgm:cxn modelId="{15A9B695-6E03-49EE-8243-886FB59CFF17}" type="presOf" srcId="{B4D6F559-908C-49E2-9387-02F517A7F11A}" destId="{B38C24B6-F133-4FFA-860D-6768701A3A5B}" srcOrd="0" destOrd="0" presId="urn:microsoft.com/office/officeart/2005/8/layout/hProcess4"/>
+    <dgm:cxn modelId="{2AEFB90D-7A74-4153-B546-36F50C1FDC37}" srcId="{AECAE4DD-94DE-446C-8FED-BCF0062EA8B6}" destId="{A54452D2-82F0-46CC-82AF-3CA4F88C19A5}" srcOrd="1" destOrd="0" parTransId="{D9F70B69-EA31-4CB7-A33B-6E43B9646C89}" sibTransId="{75C8DB0F-EBEE-4D80-8831-CCCDAFDE1B9C}"/>
+    <dgm:cxn modelId="{B2A27452-14CD-4A3A-9BE0-F77B3E685C02}" type="presOf" srcId="{41F5D826-D68D-490F-B84B-DE2D286D264D}" destId="{6D642AEA-0045-411A-92DD-7C75A02AFE5D}" srcOrd="1" destOrd="1" presId="urn:microsoft.com/office/officeart/2005/8/layout/hProcess4"/>
+    <dgm:cxn modelId="{FAE5FCE1-A052-49E2-B549-AC36FEECA8E6}" srcId="{B4D6F559-908C-49E2-9387-02F517A7F11A}" destId="{41F5D826-D68D-490F-B84B-DE2D286D264D}" srcOrd="1" destOrd="0" parTransId="{3A023B97-DEDC-40D1-80F9-C9DBD19D78A2}" sibTransId="{7AE321DA-B2EC-4912-B70F-4C1A45E4DDDC}"/>
+    <dgm:cxn modelId="{AADBB11F-2C60-4779-B02B-59458F772D3D}" srcId="{B4D6F559-908C-49E2-9387-02F517A7F11A}" destId="{BF1272D0-25BA-4444-AE9F-0F0F8E659B13}" srcOrd="0" destOrd="0" parTransId="{E5EB321C-2254-4FDA-A023-5AD46B65C490}" sibTransId="{E6713798-AC22-41CF-9094-69838569AEF6}"/>
+    <dgm:cxn modelId="{D7B128AE-10D7-4CEF-8F1E-C20E4180B133}" type="presOf" srcId="{A54452D2-82F0-46CC-82AF-3CA4F88C19A5}" destId="{BC143DBD-4DF8-4422-AAF5-E8CB17FDCAF1}" srcOrd="0" destOrd="1" presId="urn:microsoft.com/office/officeart/2005/8/layout/hProcess4"/>
+    <dgm:cxn modelId="{1E727ABE-3B93-40BF-9623-E67FFC53E23F}" type="presOf" srcId="{A54452D2-82F0-46CC-82AF-3CA4F88C19A5}" destId="{6A12EA78-688E-41EF-ADDD-DFEF3099639F}" srcOrd="1" destOrd="1" presId="urn:microsoft.com/office/officeart/2005/8/layout/hProcess4"/>
+    <dgm:cxn modelId="{64AB89D5-E1E3-4848-9143-07448F287083}" type="presOf" srcId="{74043CB4-3782-4AB6-A910-14BC537E6515}" destId="{ECDF3C51-7195-4CF3-8F30-F2FCF6FA0088}" srcOrd="1" destOrd="2" presId="urn:microsoft.com/office/officeart/2005/8/layout/hProcess4"/>
+    <dgm:cxn modelId="{A866ECAC-D37E-4D46-B070-6632A9C26C2B}" srcId="{D12DA5B9-5CD8-4BF7-A177-40A58FBB1FB2}" destId="{B4D6F559-908C-49E2-9387-02F517A7F11A}" srcOrd="2" destOrd="0" parTransId="{7F729756-F78C-4CE7-86AA-A154FCC44AD4}" sibTransId="{6220A427-82E0-400C-BBE3-A78BE8CC5F20}"/>
+    <dgm:cxn modelId="{81BE4889-BB8B-463E-852E-E5B415247277}" srcId="{0AF0E5C0-8BFA-40AE-9F24-BE9A15AB3FF3}" destId="{0095D6A1-D997-42A0-9316-FD2E4B48CBBE}" srcOrd="1" destOrd="0" parTransId="{180C4673-507D-4130-8A30-9ABC43F3257B}" sibTransId="{732A8C6C-2381-46F8-B0CF-0B59EECEB23E}"/>
+    <dgm:cxn modelId="{63F128A7-9EBC-4E79-B834-1D98624B29E5}" type="presParOf" srcId="{C89A2A88-725E-4F50-83C0-C0FC8DEA088B}" destId="{A7D8E36D-A856-4D29-B5D0-903DB89F33D5}" srcOrd="0" destOrd="0" presId="urn:microsoft.com/office/officeart/2005/8/layout/hProcess4"/>
+    <dgm:cxn modelId="{89B3A58B-04E7-46C4-B3B1-A7BE585A1501}" type="presParOf" srcId="{C89A2A88-725E-4F50-83C0-C0FC8DEA088B}" destId="{DCA665D8-6EF1-4BF5-986E-FC598C58ACE2}" srcOrd="1" destOrd="0" presId="urn:microsoft.com/office/officeart/2005/8/layout/hProcess4"/>
+    <dgm:cxn modelId="{DED32AD7-CADD-4782-84CE-B10CB1B80D7F}" type="presParOf" srcId="{C89A2A88-725E-4F50-83C0-C0FC8DEA088B}" destId="{CFA9A48E-38C8-457B-8090-B293F71AD0F8}" srcOrd="2" destOrd="0" presId="urn:microsoft.com/office/officeart/2005/8/layout/hProcess4"/>
+    <dgm:cxn modelId="{4AB1A020-B48A-4ADF-9768-70BA95EBC707}" type="presParOf" srcId="{CFA9A48E-38C8-457B-8090-B293F71AD0F8}" destId="{22669C3C-2A2C-4105-857C-6A43105B3432}" srcOrd="0" destOrd="0" presId="urn:microsoft.com/office/officeart/2005/8/layout/hProcess4"/>
+    <dgm:cxn modelId="{11AD4478-FF1A-4871-88AE-A5BF89AE0A6C}" type="presParOf" srcId="{22669C3C-2A2C-4105-857C-6A43105B3432}" destId="{27428FD1-7220-4E4E-8802-D7AEAEF44153}" srcOrd="0" destOrd="0" presId="urn:microsoft.com/office/officeart/2005/8/layout/hProcess4"/>
+    <dgm:cxn modelId="{061B524F-3915-4EA3-A4BE-552FD28EAC3A}" type="presParOf" srcId="{22669C3C-2A2C-4105-857C-6A43105B3432}" destId="{9742459E-65F0-45C8-96A8-84BE120F697F}" srcOrd="1" destOrd="0" presId="urn:microsoft.com/office/officeart/2005/8/layout/hProcess4"/>
+    <dgm:cxn modelId="{8A45DD6E-6FEE-47BF-9B0B-95BB562F6C8A}" type="presParOf" srcId="{22669C3C-2A2C-4105-857C-6A43105B3432}" destId="{ECDF3C51-7195-4CF3-8F30-F2FCF6FA0088}" srcOrd="2" destOrd="0" presId="urn:microsoft.com/office/officeart/2005/8/layout/hProcess4"/>
+    <dgm:cxn modelId="{89F1B1E3-163D-4752-AE2C-7BF67C6112D1}" type="presParOf" srcId="{22669C3C-2A2C-4105-857C-6A43105B3432}" destId="{1015E9D1-D5AB-4614-B402-CF3052B2D20F}" srcOrd="3" destOrd="0" presId="urn:microsoft.com/office/officeart/2005/8/layout/hProcess4"/>
+    <dgm:cxn modelId="{7993B2C9-BA4B-4941-9AEE-2AD1A6349D91}" type="presParOf" srcId="{22669C3C-2A2C-4105-857C-6A43105B3432}" destId="{6BFDF754-9E33-426E-BDF8-2DF159482684}" srcOrd="4" destOrd="0" presId="urn:microsoft.com/office/officeart/2005/8/layout/hProcess4"/>
+    <dgm:cxn modelId="{6B435051-8C30-46BE-82F0-FBBA06054884}" type="presParOf" srcId="{CFA9A48E-38C8-457B-8090-B293F71AD0F8}" destId="{90A24C39-5459-4843-AA08-ED712BDDB54A}" srcOrd="1" destOrd="0" presId="urn:microsoft.com/office/officeart/2005/8/layout/hProcess4"/>
+    <dgm:cxn modelId="{5D7B36A8-6E7E-4BA3-A89F-D18609EA9F4B}" type="presParOf" srcId="{CFA9A48E-38C8-457B-8090-B293F71AD0F8}" destId="{68CF7F4E-F535-42B6-BF5C-1043CF2F70C8}" srcOrd="2" destOrd="0" presId="urn:microsoft.com/office/officeart/2005/8/layout/hProcess4"/>
+    <dgm:cxn modelId="{EC3DAB17-1362-449B-90CA-AC73B802C9A5}" type="presParOf" srcId="{68CF7F4E-F535-42B6-BF5C-1043CF2F70C8}" destId="{64A4E951-1E47-418E-8299-0073F98507D5}" srcOrd="0" destOrd="0" presId="urn:microsoft.com/office/officeart/2005/8/layout/hProcess4"/>
+    <dgm:cxn modelId="{1778C99F-52D1-4F26-93AF-37B23200E984}" type="presParOf" srcId="{68CF7F4E-F535-42B6-BF5C-1043CF2F70C8}" destId="{BC143DBD-4DF8-4422-AAF5-E8CB17FDCAF1}" srcOrd="1" destOrd="0" presId="urn:microsoft.com/office/officeart/2005/8/layout/hProcess4"/>
+    <dgm:cxn modelId="{637C3296-6B4D-4B85-827C-1BD869991207}" type="presParOf" srcId="{68CF7F4E-F535-42B6-BF5C-1043CF2F70C8}" destId="{6A12EA78-688E-41EF-ADDD-DFEF3099639F}" srcOrd="2" destOrd="0" presId="urn:microsoft.com/office/officeart/2005/8/layout/hProcess4"/>
+    <dgm:cxn modelId="{B566B464-A901-4F9E-9E6E-D596C0C3E9C3}" type="presParOf" srcId="{68CF7F4E-F535-42B6-BF5C-1043CF2F70C8}" destId="{8609162C-325A-46BE-BDCD-A2949B91E6E1}" srcOrd="3" destOrd="0" presId="urn:microsoft.com/office/officeart/2005/8/layout/hProcess4"/>
+    <dgm:cxn modelId="{7C7F303B-402E-4D02-B2A9-C72371915921}" type="presParOf" srcId="{68CF7F4E-F535-42B6-BF5C-1043CF2F70C8}" destId="{7AE4C22F-6639-4F0B-AA9A-B8EB3D9C81F9}" srcOrd="4" destOrd="0" presId="urn:microsoft.com/office/officeart/2005/8/layout/hProcess4"/>
+    <dgm:cxn modelId="{A253CA8E-6BCB-4BFE-9938-43FC8F55BEFD}" type="presParOf" srcId="{CFA9A48E-38C8-457B-8090-B293F71AD0F8}" destId="{A85AE8D4-DB1B-4004-9B4F-9C021DCD7776}" srcOrd="3" destOrd="0" presId="urn:microsoft.com/office/officeart/2005/8/layout/hProcess4"/>
+    <dgm:cxn modelId="{838E8AC2-8CCF-4268-8A7B-D600706F8386}" type="presParOf" srcId="{CFA9A48E-38C8-457B-8090-B293F71AD0F8}" destId="{493D80A9-F742-40D7-8825-AFB6BC9D6EC1}" srcOrd="4" destOrd="0" presId="urn:microsoft.com/office/officeart/2005/8/layout/hProcess4"/>
+    <dgm:cxn modelId="{4099342E-0E3E-432B-B229-1DAE761B1A9C}" type="presParOf" srcId="{493D80A9-F742-40D7-8825-AFB6BC9D6EC1}" destId="{D308CF88-899F-4255-8527-64EB1E28B660}" srcOrd="0" destOrd="0" presId="urn:microsoft.com/office/officeart/2005/8/layout/hProcess4"/>
+    <dgm:cxn modelId="{B39F1F36-71EE-4E6A-9D6F-5549FCF57980}" type="presParOf" srcId="{493D80A9-F742-40D7-8825-AFB6BC9D6EC1}" destId="{B4D676DF-CAF5-4538-9603-4E332F5CC8E7}" srcOrd="1" destOrd="0" presId="urn:microsoft.com/office/officeart/2005/8/layout/hProcess4"/>
+    <dgm:cxn modelId="{54480CED-D979-4372-9A7A-209EA551D9A8}" type="presParOf" srcId="{493D80A9-F742-40D7-8825-AFB6BC9D6EC1}" destId="{6D642AEA-0045-411A-92DD-7C75A02AFE5D}" srcOrd="2" destOrd="0" presId="urn:microsoft.com/office/officeart/2005/8/layout/hProcess4"/>
+    <dgm:cxn modelId="{0FC3BC70-A38D-4F27-9B53-EE6FD8F68F56}" type="presParOf" srcId="{493D80A9-F742-40D7-8825-AFB6BC9D6EC1}" destId="{B38C24B6-F133-4FFA-860D-6768701A3A5B}" srcOrd="3" destOrd="0" presId="urn:microsoft.com/office/officeart/2005/8/layout/hProcess4"/>
+    <dgm:cxn modelId="{1056C378-CBBB-476D-B546-F7D1A14A2712}" type="presParOf" srcId="{493D80A9-F742-40D7-8825-AFB6BC9D6EC1}" destId="{05E5718B-E995-4EC2-B720-4B2862722092}" srcOrd="4" destOrd="0" presId="urn:microsoft.com/office/officeart/2005/8/layout/hProcess4"/>
+  </dgm:cxnLst>
+  <dgm:bg/>
+  <dgm:whole/>
+  <dgm:extLst>
+    <a:ext uri="http://schemas.microsoft.com/office/drawing/2008/diagram">
+      <dsp:dataModelExt xmlns:dsp="http://schemas.microsoft.com/office/drawing/2008/diagram" relId="rId6" minVer="http://schemas.openxmlformats.org/drawingml/2006/diagram"/>
+    </a:ext>
+  </dgm:extLst>
+</dgm:dataModel>
+</file>
+
+<file path=ppt/diagrams/drawing1.xml><?xml version="1.0" encoding="utf-8"?>
+<dsp:drawing xmlns:dgm="http://schemas.openxmlformats.org/drawingml/2006/diagram" xmlns:dsp="http://schemas.microsoft.com/office/drawing/2008/diagram" xmlns:a="http://schemas.openxmlformats.org/drawingml/2006/main">
+  <dsp:spTree>
+    <dsp:nvGrpSpPr>
+      <dsp:cNvPr id="0" name=""/>
+      <dsp:cNvGrpSpPr/>
+    </dsp:nvGrpSpPr>
+    <dsp:grpSpPr/>
+    <dsp:sp modelId="{9742459E-65F0-45C8-96A8-84BE120F697F}">
+      <dsp:nvSpPr>
+        <dsp:cNvPr id="0" name=""/>
+        <dsp:cNvSpPr/>
+      </dsp:nvSpPr>
+      <dsp:spPr>
+        <a:xfrm>
+          <a:off x="141" y="1774586"/>
+          <a:ext cx="2266626" cy="1869493"/>
+        </a:xfrm>
+        <a:prstGeom prst="roundRect">
+          <a:avLst>
+            <a:gd name="adj" fmla="val 10000"/>
+          </a:avLst>
+        </a:prstGeom>
+        <a:solidFill>
+          <a:schemeClr val="lt1">
+            <a:alpha val="90000"/>
+            <a:hueOff val="0"/>
+            <a:satOff val="0"/>
+            <a:lumOff val="0"/>
+            <a:alphaOff val="0"/>
+          </a:schemeClr>
+        </a:solidFill>
+        <a:ln w="19050" cap="rnd" cmpd="sng" algn="ctr">
+          <a:solidFill>
+            <a:schemeClr val="accent1">
+              <a:hueOff val="0"/>
+              <a:satOff val="0"/>
+              <a:lumOff val="0"/>
+              <a:alphaOff val="0"/>
+            </a:schemeClr>
+          </a:solidFill>
+          <a:prstDash val="solid"/>
+        </a:ln>
+        <a:effectLst/>
+      </dsp:spPr>
+      <dsp:style>
+        <a:lnRef idx="2">
+          <a:scrgbClr r="0" g="0" b="0"/>
+        </a:lnRef>
+        <a:fillRef idx="1">
+          <a:scrgbClr r="0" g="0" b="0"/>
+        </a:fillRef>
+        <a:effectRef idx="0">
+          <a:scrgbClr r="0" g="0" b="0"/>
+        </a:effectRef>
+        <a:fontRef idx="minor"/>
+      </dsp:style>
+      <dsp:txBody>
+        <a:bodyPr spcFirstLastPara="0" vert="horz" wrap="square" lIns="36195" tIns="36195" rIns="36195" bIns="36195" numCol="1" spcCol="1270" anchor="t" anchorCtr="0">
+          <a:noAutofit/>
+        </a:bodyPr>
+        <a:lstStyle/>
+        <a:p>
+          <a:pPr marL="171450" lvl="1" indent="-171450" algn="l" defTabSz="844550">
+            <a:lnSpc>
+              <a:spcPct val="90000"/>
+            </a:lnSpc>
+            <a:spcBef>
+              <a:spcPct val="0"/>
+            </a:spcBef>
+            <a:spcAft>
+              <a:spcPct val="15000"/>
+            </a:spcAft>
+            <a:buChar char="••"/>
+          </a:pPr>
+          <a:r>
+            <a:rPr lang="de-DE" sz="1900" kern="1200" dirty="0" smtClean="0"/>
+            <a:t>Typ</a:t>
+          </a:r>
+          <a:endParaRPr lang="de-DE" sz="1900" kern="1200" dirty="0"/>
+        </a:p>
+        <a:p>
+          <a:pPr marL="171450" lvl="1" indent="-171450" algn="l" defTabSz="844550">
+            <a:lnSpc>
+              <a:spcPct val="90000"/>
+            </a:lnSpc>
+            <a:spcBef>
+              <a:spcPct val="0"/>
+            </a:spcBef>
+            <a:spcAft>
+              <a:spcPct val="15000"/>
+            </a:spcAft>
+            <a:buChar char="••"/>
+          </a:pPr>
+          <a:r>
+            <a:rPr lang="de-DE" sz="1900" kern="1200" dirty="0" smtClean="0"/>
+            <a:t>Beschreibung</a:t>
+          </a:r>
+          <a:endParaRPr lang="de-DE" sz="1900" kern="1200" dirty="0"/>
+        </a:p>
+        <a:p>
+          <a:pPr marL="171450" lvl="1" indent="-171450" algn="l" defTabSz="844550">
+            <a:lnSpc>
+              <a:spcPct val="90000"/>
+            </a:lnSpc>
+            <a:spcBef>
+              <a:spcPct val="0"/>
+            </a:spcBef>
+            <a:spcAft>
+              <a:spcPct val="15000"/>
+            </a:spcAft>
+            <a:buChar char="••"/>
+          </a:pPr>
+          <a:r>
+            <a:rPr lang="de-DE" sz="1900" kern="1200" dirty="0" smtClean="0"/>
+            <a:t>Position</a:t>
+          </a:r>
+          <a:endParaRPr lang="de-DE" sz="1900" kern="1200" dirty="0"/>
+        </a:p>
+      </dsp:txBody>
+      <dsp:txXfrm>
+        <a:off x="43163" y="1817608"/>
+        <a:ext cx="2180582" cy="1382843"/>
+      </dsp:txXfrm>
+    </dsp:sp>
+    <dsp:sp modelId="{90A24C39-5459-4843-AA08-ED712BDDB54A}">
+      <dsp:nvSpPr>
+        <dsp:cNvPr id="0" name=""/>
+        <dsp:cNvSpPr/>
+      </dsp:nvSpPr>
+      <dsp:spPr>
+        <a:xfrm>
+          <a:off x="1300946" y="2316885"/>
+          <a:ext cx="2356306" cy="2356306"/>
+        </a:xfrm>
+        <a:prstGeom prst="leftCircularArrow">
+          <a:avLst>
+            <a:gd name="adj1" fmla="val 2550"/>
+            <a:gd name="adj2" fmla="val 309429"/>
+            <a:gd name="adj3" fmla="val 2084940"/>
+            <a:gd name="adj4" fmla="val 9024489"/>
+            <a:gd name="adj5" fmla="val 2975"/>
+          </a:avLst>
+        </a:prstGeom>
+        <a:solidFill>
+          <a:schemeClr val="accent1">
+            <a:tint val="60000"/>
+            <a:hueOff val="0"/>
+            <a:satOff val="0"/>
+            <a:lumOff val="0"/>
+            <a:alphaOff val="0"/>
+          </a:schemeClr>
+        </a:solidFill>
+        <a:ln>
+          <a:noFill/>
+        </a:ln>
+        <a:effectLst/>
+      </dsp:spPr>
+      <dsp:style>
+        <a:lnRef idx="0">
+          <a:scrgbClr r="0" g="0" b="0"/>
+        </a:lnRef>
+        <a:fillRef idx="1">
+          <a:scrgbClr r="0" g="0" b="0"/>
+        </a:fillRef>
+        <a:effectRef idx="0">
+          <a:scrgbClr r="0" g="0" b="0"/>
+        </a:effectRef>
+        <a:fontRef idx="minor">
+          <a:schemeClr val="lt1"/>
+        </a:fontRef>
+      </dsp:style>
+    </dsp:sp>
+    <dsp:sp modelId="{1015E9D1-D5AB-4614-B402-CF3052B2D20F}">
+      <dsp:nvSpPr>
+        <dsp:cNvPr id="0" name=""/>
+        <dsp:cNvSpPr/>
+      </dsp:nvSpPr>
+      <dsp:spPr>
+        <a:xfrm>
+          <a:off x="503836" y="3243474"/>
+          <a:ext cx="2014779" cy="801211"/>
+        </a:xfrm>
+        <a:prstGeom prst="roundRect">
+          <a:avLst>
+            <a:gd name="adj" fmla="val 10000"/>
+          </a:avLst>
+        </a:prstGeom>
+        <a:solidFill>
+          <a:schemeClr val="accent1">
+            <a:hueOff val="0"/>
+            <a:satOff val="0"/>
+            <a:lumOff val="0"/>
+            <a:alphaOff val="0"/>
+          </a:schemeClr>
+        </a:solidFill>
+        <a:ln w="19050" cap="rnd" cmpd="sng" algn="ctr">
+          <a:solidFill>
+            <a:schemeClr val="lt1">
+              <a:hueOff val="0"/>
+              <a:satOff val="0"/>
+              <a:lumOff val="0"/>
+              <a:alphaOff val="0"/>
+            </a:schemeClr>
+          </a:solidFill>
+          <a:prstDash val="solid"/>
+        </a:ln>
+        <a:effectLst/>
+      </dsp:spPr>
+      <dsp:style>
+        <a:lnRef idx="2">
+          <a:scrgbClr r="0" g="0" b="0"/>
+        </a:lnRef>
+        <a:fillRef idx="1">
+          <a:scrgbClr r="0" g="0" b="0"/>
+        </a:fillRef>
+        <a:effectRef idx="0">
+          <a:scrgbClr r="0" g="0" b="0"/>
+        </a:effectRef>
+        <a:fontRef idx="minor">
+          <a:schemeClr val="lt1"/>
+        </a:fontRef>
+      </dsp:style>
+      <dsp:txBody>
+        <a:bodyPr spcFirstLastPara="0" vert="horz" wrap="square" lIns="38100" tIns="25400" rIns="38100" bIns="25400" numCol="1" spcCol="1270" anchor="ctr" anchorCtr="0">
+          <a:noAutofit/>
+        </a:bodyPr>
+        <a:lstStyle/>
+        <a:p>
+          <a:pPr lvl="0" algn="ctr" defTabSz="889000">
+            <a:lnSpc>
+              <a:spcPct val="90000"/>
+            </a:lnSpc>
+            <a:spcBef>
+              <a:spcPct val="0"/>
+            </a:spcBef>
+            <a:spcAft>
+              <a:spcPct val="35000"/>
+            </a:spcAft>
+          </a:pPr>
+          <a:r>
+            <a:rPr lang="de-DE" sz="2000" kern="1200" dirty="0" smtClean="0"/>
+            <a:t>Hilfesuchender</a:t>
+          </a:r>
+          <a:endParaRPr lang="de-DE" sz="2000" kern="1200" dirty="0"/>
+        </a:p>
+      </dsp:txBody>
+      <dsp:txXfrm>
+        <a:off x="527303" y="3266941"/>
+        <a:ext cx="1967845" cy="754277"/>
+      </dsp:txXfrm>
+    </dsp:sp>
+    <dsp:sp modelId="{BC143DBD-4DF8-4422-AAF5-E8CB17FDCAF1}">
+      <dsp:nvSpPr>
+        <dsp:cNvPr id="0" name=""/>
+        <dsp:cNvSpPr/>
+      </dsp:nvSpPr>
+      <dsp:spPr>
+        <a:xfrm>
+          <a:off x="2804762" y="1774586"/>
+          <a:ext cx="2266626" cy="1869493"/>
+        </a:xfrm>
+        <a:prstGeom prst="roundRect">
+          <a:avLst>
+            <a:gd name="adj" fmla="val 10000"/>
+          </a:avLst>
+        </a:prstGeom>
+        <a:solidFill>
+          <a:schemeClr val="lt1">
+            <a:alpha val="90000"/>
+            <a:hueOff val="0"/>
+            <a:satOff val="0"/>
+            <a:lumOff val="0"/>
+            <a:alphaOff val="0"/>
+          </a:schemeClr>
+        </a:solidFill>
+        <a:ln w="19050" cap="rnd" cmpd="sng" algn="ctr">
+          <a:solidFill>
+            <a:schemeClr val="accent1">
+              <a:hueOff val="0"/>
+              <a:satOff val="0"/>
+              <a:lumOff val="0"/>
+              <a:alphaOff val="0"/>
+            </a:schemeClr>
+          </a:solidFill>
+          <a:prstDash val="solid"/>
+        </a:ln>
+        <a:effectLst/>
+      </dsp:spPr>
+      <dsp:style>
+        <a:lnRef idx="2">
+          <a:scrgbClr r="0" g="0" b="0"/>
+        </a:lnRef>
+        <a:fillRef idx="1">
+          <a:scrgbClr r="0" g="0" b="0"/>
+        </a:fillRef>
+        <a:effectRef idx="0">
+          <a:scrgbClr r="0" g="0" b="0"/>
+        </a:effectRef>
+        <a:fontRef idx="minor"/>
+      </dsp:style>
+      <dsp:txBody>
+        <a:bodyPr spcFirstLastPara="0" vert="horz" wrap="square" lIns="36195" tIns="36195" rIns="36195" bIns="36195" numCol="1" spcCol="1270" anchor="t" anchorCtr="0">
+          <a:noAutofit/>
+        </a:bodyPr>
+        <a:lstStyle/>
+        <a:p>
+          <a:pPr marL="171450" lvl="1" indent="-171450" algn="l" defTabSz="844550">
+            <a:lnSpc>
+              <a:spcPct val="90000"/>
+            </a:lnSpc>
+            <a:spcBef>
+              <a:spcPct val="0"/>
+            </a:spcBef>
+            <a:spcAft>
+              <a:spcPct val="15000"/>
+            </a:spcAft>
+            <a:buChar char="••"/>
+          </a:pPr>
+          <a:r>
+            <a:rPr lang="de-DE" sz="1900" kern="1200" dirty="0" smtClean="0"/>
+            <a:t>Speichert mit Geoinformation</a:t>
+          </a:r>
+          <a:endParaRPr lang="de-DE" sz="1900" kern="1200" dirty="0"/>
+        </a:p>
+        <a:p>
+          <a:pPr marL="171450" lvl="1" indent="-171450" algn="l" defTabSz="844550">
+            <a:lnSpc>
+              <a:spcPct val="90000"/>
+            </a:lnSpc>
+            <a:spcBef>
+              <a:spcPct val="0"/>
+            </a:spcBef>
+            <a:spcAft>
+              <a:spcPct val="15000"/>
+            </a:spcAft>
+            <a:buChar char="••"/>
+          </a:pPr>
+          <a:r>
+            <a:rPr lang="de-DE" sz="1900" kern="1200" dirty="0" smtClean="0"/>
+            <a:t>Sucht nach Helfer</a:t>
+          </a:r>
+          <a:endParaRPr lang="de-DE" sz="1900" kern="1200" dirty="0"/>
+        </a:p>
+      </dsp:txBody>
+      <dsp:txXfrm>
+        <a:off x="2847784" y="2218214"/>
+        <a:ext cx="2180582" cy="1382843"/>
+      </dsp:txXfrm>
+    </dsp:sp>
+    <dsp:sp modelId="{A85AE8D4-DB1B-4004-9B4F-9C021DCD7776}">
+      <dsp:nvSpPr>
+        <dsp:cNvPr id="0" name=""/>
+        <dsp:cNvSpPr/>
+      </dsp:nvSpPr>
+      <dsp:spPr>
+        <a:xfrm>
+          <a:off x="4086679" y="672173"/>
+          <a:ext cx="2645930" cy="2645930"/>
+        </a:xfrm>
+        <a:prstGeom prst="circularArrow">
+          <a:avLst>
+            <a:gd name="adj1" fmla="val 2271"/>
+            <a:gd name="adj2" fmla="val 273786"/>
+            <a:gd name="adj3" fmla="val 19550703"/>
+            <a:gd name="adj4" fmla="val 12575511"/>
+            <a:gd name="adj5" fmla="val 2650"/>
+          </a:avLst>
+        </a:prstGeom>
+        <a:solidFill>
+          <a:schemeClr val="accent1">
+            <a:tint val="60000"/>
+            <a:hueOff val="0"/>
+            <a:satOff val="0"/>
+            <a:lumOff val="0"/>
+            <a:alphaOff val="0"/>
+          </a:schemeClr>
+        </a:solidFill>
+        <a:ln>
+          <a:noFill/>
+        </a:ln>
+        <a:effectLst/>
+      </dsp:spPr>
+      <dsp:style>
+        <a:lnRef idx="0">
+          <a:scrgbClr r="0" g="0" b="0"/>
+        </a:lnRef>
+        <a:fillRef idx="1">
+          <a:scrgbClr r="0" g="0" b="0"/>
+        </a:fillRef>
+        <a:effectRef idx="0">
+          <a:scrgbClr r="0" g="0" b="0"/>
+        </a:effectRef>
+        <a:fontRef idx="minor">
+          <a:schemeClr val="lt1"/>
+        </a:fontRef>
+      </dsp:style>
+    </dsp:sp>
+    <dsp:sp modelId="{8609162C-325A-46BE-BDCD-A2949B91E6E1}">
+      <dsp:nvSpPr>
+        <dsp:cNvPr id="0" name=""/>
+        <dsp:cNvSpPr/>
+      </dsp:nvSpPr>
+      <dsp:spPr>
+        <a:xfrm>
+          <a:off x="3308457" y="1373981"/>
+          <a:ext cx="2014779" cy="801211"/>
+        </a:xfrm>
+        <a:prstGeom prst="roundRect">
+          <a:avLst>
+            <a:gd name="adj" fmla="val 10000"/>
+          </a:avLst>
+        </a:prstGeom>
+        <a:solidFill>
+          <a:schemeClr val="accent1">
+            <a:hueOff val="0"/>
+            <a:satOff val="0"/>
+            <a:lumOff val="0"/>
+            <a:alphaOff val="0"/>
+          </a:schemeClr>
+        </a:solidFill>
+        <a:ln w="19050" cap="rnd" cmpd="sng" algn="ctr">
+          <a:solidFill>
+            <a:schemeClr val="lt1">
+              <a:hueOff val="0"/>
+              <a:satOff val="0"/>
+              <a:lumOff val="0"/>
+              <a:alphaOff val="0"/>
+            </a:schemeClr>
+          </a:solidFill>
+          <a:prstDash val="solid"/>
+        </a:ln>
+        <a:effectLst/>
+      </dsp:spPr>
+      <dsp:style>
+        <a:lnRef idx="2">
+          <a:scrgbClr r="0" g="0" b="0"/>
+        </a:lnRef>
+        <a:fillRef idx="1">
+          <a:scrgbClr r="0" g="0" b="0"/>
+        </a:fillRef>
+        <a:effectRef idx="0">
+          <a:scrgbClr r="0" g="0" b="0"/>
+        </a:effectRef>
+        <a:fontRef idx="minor">
+          <a:schemeClr val="lt1"/>
+        </a:fontRef>
+      </dsp:style>
+      <dsp:txBody>
+        <a:bodyPr spcFirstLastPara="0" vert="horz" wrap="square" lIns="38100" tIns="25400" rIns="38100" bIns="25400" numCol="1" spcCol="1270" anchor="ctr" anchorCtr="0">
+          <a:noAutofit/>
+        </a:bodyPr>
+        <a:lstStyle/>
+        <a:p>
+          <a:pPr lvl="0" algn="ctr" defTabSz="889000">
+            <a:lnSpc>
+              <a:spcPct val="90000"/>
+            </a:lnSpc>
+            <a:spcBef>
+              <a:spcPct val="0"/>
+            </a:spcBef>
+            <a:spcAft>
+              <a:spcPct val="35000"/>
+            </a:spcAft>
+          </a:pPr>
+          <a:r>
+            <a:rPr lang="de-DE" sz="2000" kern="1200" dirty="0" err="1" smtClean="0"/>
+            <a:t>BaQend</a:t>
+          </a:r>
+          <a:endParaRPr lang="de-DE" sz="2000" kern="1200" dirty="0"/>
+        </a:p>
+      </dsp:txBody>
+      <dsp:txXfrm>
+        <a:off x="3331924" y="1397448"/>
+        <a:ext cx="1967845" cy="754277"/>
+      </dsp:txXfrm>
+    </dsp:sp>
+    <dsp:sp modelId="{B4D676DF-CAF5-4538-9603-4E332F5CC8E7}">
+      <dsp:nvSpPr>
+        <dsp:cNvPr id="0" name=""/>
+        <dsp:cNvSpPr/>
+      </dsp:nvSpPr>
+      <dsp:spPr>
+        <a:xfrm>
+          <a:off x="5609383" y="1774586"/>
+          <a:ext cx="2266626" cy="1869493"/>
+        </a:xfrm>
+        <a:prstGeom prst="roundRect">
+          <a:avLst>
+            <a:gd name="adj" fmla="val 10000"/>
+          </a:avLst>
+        </a:prstGeom>
+        <a:solidFill>
+          <a:schemeClr val="lt1">
+            <a:alpha val="90000"/>
+            <a:hueOff val="0"/>
+            <a:satOff val="0"/>
+            <a:lumOff val="0"/>
+            <a:alphaOff val="0"/>
+          </a:schemeClr>
+        </a:solidFill>
+        <a:ln w="19050" cap="rnd" cmpd="sng" algn="ctr">
+          <a:solidFill>
+            <a:schemeClr val="accent1">
+              <a:hueOff val="0"/>
+              <a:satOff val="0"/>
+              <a:lumOff val="0"/>
+              <a:alphaOff val="0"/>
+            </a:schemeClr>
+          </a:solidFill>
+          <a:prstDash val="solid"/>
+        </a:ln>
+        <a:effectLst/>
+      </dsp:spPr>
+      <dsp:style>
+        <a:lnRef idx="2">
+          <a:scrgbClr r="0" g="0" b="0"/>
+        </a:lnRef>
+        <a:fillRef idx="1">
+          <a:scrgbClr r="0" g="0" b="0"/>
+        </a:fillRef>
+        <a:effectRef idx="0">
+          <a:scrgbClr r="0" g="0" b="0"/>
+        </a:effectRef>
+        <a:fontRef idx="minor"/>
+      </dsp:style>
+      <dsp:txBody>
+        <a:bodyPr spcFirstLastPara="0" vert="horz" wrap="square" lIns="36195" tIns="36195" rIns="36195" bIns="36195" numCol="1" spcCol="1270" anchor="t" anchorCtr="0">
+          <a:noAutofit/>
+        </a:bodyPr>
+        <a:lstStyle/>
+        <a:p>
+          <a:pPr marL="171450" lvl="1" indent="-171450" algn="l" defTabSz="844550">
+            <a:lnSpc>
+              <a:spcPct val="90000"/>
+            </a:lnSpc>
+            <a:spcBef>
+              <a:spcPct val="0"/>
+            </a:spcBef>
+            <a:spcAft>
+              <a:spcPct val="15000"/>
+            </a:spcAft>
+            <a:buChar char="••"/>
+          </a:pPr>
+          <a:r>
+            <a:rPr lang="de-DE" sz="1900" kern="1200" dirty="0" smtClean="0"/>
+            <a:t>Anhand Skills</a:t>
+          </a:r>
+          <a:endParaRPr lang="de-DE" sz="1900" kern="1200" dirty="0"/>
+        </a:p>
+        <a:p>
+          <a:pPr marL="171450" lvl="1" indent="-171450" algn="l" defTabSz="844550">
+            <a:lnSpc>
+              <a:spcPct val="90000"/>
+            </a:lnSpc>
+            <a:spcBef>
+              <a:spcPct val="0"/>
+            </a:spcBef>
+            <a:spcAft>
+              <a:spcPct val="15000"/>
+            </a:spcAft>
+            <a:buChar char="••"/>
+          </a:pPr>
+          <a:r>
+            <a:rPr lang="de-DE" sz="1900" kern="1200" dirty="0" smtClean="0"/>
+            <a:t>Kann Hilfesuchenden kontaktieren</a:t>
+          </a:r>
+          <a:endParaRPr lang="de-DE" sz="1900" kern="1200" dirty="0"/>
+        </a:p>
+      </dsp:txBody>
+      <dsp:txXfrm>
+        <a:off x="5652405" y="1817608"/>
+        <a:ext cx="2180582" cy="1382843"/>
+      </dsp:txXfrm>
+    </dsp:sp>
+    <dsp:sp modelId="{B38C24B6-F133-4FFA-860D-6768701A3A5B}">
+      <dsp:nvSpPr>
+        <dsp:cNvPr id="0" name=""/>
+        <dsp:cNvSpPr/>
+      </dsp:nvSpPr>
+      <dsp:spPr>
+        <a:xfrm>
+          <a:off x="6113078" y="3243474"/>
+          <a:ext cx="2014779" cy="801211"/>
+        </a:xfrm>
+        <a:prstGeom prst="roundRect">
+          <a:avLst>
+            <a:gd name="adj" fmla="val 10000"/>
+          </a:avLst>
+        </a:prstGeom>
+        <a:solidFill>
+          <a:schemeClr val="accent1">
+            <a:hueOff val="0"/>
+            <a:satOff val="0"/>
+            <a:lumOff val="0"/>
+            <a:alphaOff val="0"/>
+          </a:schemeClr>
+        </a:solidFill>
+        <a:ln w="19050" cap="rnd" cmpd="sng" algn="ctr">
+          <a:solidFill>
+            <a:schemeClr val="lt1">
+              <a:hueOff val="0"/>
+              <a:satOff val="0"/>
+              <a:lumOff val="0"/>
+              <a:alphaOff val="0"/>
+            </a:schemeClr>
+          </a:solidFill>
+          <a:prstDash val="solid"/>
+        </a:ln>
+        <a:effectLst/>
+      </dsp:spPr>
+      <dsp:style>
+        <a:lnRef idx="2">
+          <a:scrgbClr r="0" g="0" b="0"/>
+        </a:lnRef>
+        <a:fillRef idx="1">
+          <a:scrgbClr r="0" g="0" b="0"/>
+        </a:fillRef>
+        <a:effectRef idx="0">
+          <a:scrgbClr r="0" g="0" b="0"/>
+        </a:effectRef>
+        <a:fontRef idx="minor">
+          <a:schemeClr val="lt1"/>
+        </a:fontRef>
+      </dsp:style>
+      <dsp:txBody>
+        <a:bodyPr spcFirstLastPara="0" vert="horz" wrap="square" lIns="38100" tIns="25400" rIns="38100" bIns="25400" numCol="1" spcCol="1270" anchor="ctr" anchorCtr="0">
+          <a:noAutofit/>
+        </a:bodyPr>
+        <a:lstStyle/>
+        <a:p>
+          <a:pPr lvl="0" algn="ctr" defTabSz="889000">
+            <a:lnSpc>
+              <a:spcPct val="90000"/>
+            </a:lnSpc>
+            <a:spcBef>
+              <a:spcPct val="0"/>
+            </a:spcBef>
+            <a:spcAft>
+              <a:spcPct val="35000"/>
+            </a:spcAft>
+          </a:pPr>
+          <a:r>
+            <a:rPr lang="de-DE" sz="2000" kern="1200" dirty="0" smtClean="0"/>
+            <a:t>Helfer</a:t>
+          </a:r>
+          <a:endParaRPr lang="de-DE" sz="2000" kern="1200" dirty="0"/>
+        </a:p>
+      </dsp:txBody>
+      <dsp:txXfrm>
+        <a:off x="6136545" y="3266941"/>
+        <a:ext cx="1967845" cy="754277"/>
+      </dsp:txXfrm>
+    </dsp:sp>
+  </dsp:spTree>
+</dsp:drawing>
+</file>
+
+<file path=ppt/diagrams/layout1.xml><?xml version="1.0" encoding="utf-8"?>
+<dgm:layoutDef xmlns:dgm="http://schemas.openxmlformats.org/drawingml/2006/diagram" xmlns:a="http://schemas.openxmlformats.org/drawingml/2006/main" uniqueId="urn:microsoft.com/office/officeart/2005/8/layout/hProcess4">
+  <dgm:title val=""/>
+  <dgm:desc val=""/>
+  <dgm:catLst>
+    <dgm:cat type="process" pri="4000"/>
+  </dgm:catLst>
+  <dgm:sampData>
+    <dgm:dataModel>
+      <dgm:ptLst>
+        <dgm:pt modelId="0" type="doc"/>
+        <dgm:pt modelId="1">
+          <dgm:prSet phldr="1"/>
+        </dgm:pt>
+        <dgm:pt modelId="11">
+          <dgm:prSet phldr="1"/>
+        </dgm:pt>
+        <dgm:pt modelId="12">
+          <dgm:prSet phldr="1"/>
+        </dgm:pt>
+        <dgm:pt modelId="2">
+          <dgm:prSet phldr="1"/>
+        </dgm:pt>
+        <dgm:pt modelId="21">
+          <dgm:prSet phldr="1"/>
+        </dgm:pt>
+        <dgm:pt modelId="22">
+          <dgm:prSet phldr="1"/>
+        </dgm:pt>
+        <dgm:pt modelId="3">
+          <dgm:prSet phldr="1"/>
+        </dgm:pt>
+        <dgm:pt modelId="31">
+          <dgm:prSet phldr="1"/>
+        </dgm:pt>
+        <dgm:pt modelId="32">
+          <dgm:prSet phldr="1"/>
+        </dgm:pt>
+      </dgm:ptLst>
+      <dgm:cxnLst>
+        <dgm:cxn modelId="4" srcId="0" destId="1" srcOrd="0" destOrd="0"/>
+        <dgm:cxn modelId="5" srcId="0" destId="2" srcOrd="1" destOrd="0"/>
+        <dgm:cxn modelId="6" srcId="0" destId="3" srcOrd="2" destOrd="0"/>
+        <dgm:cxn modelId="13" srcId="1" destId="11" srcOrd="0" destOrd="0"/>
+        <dgm:cxn modelId="14" srcId="1" destId="12" srcOrd="1" destOrd="0"/>
+        <dgm:cxn modelId="23" srcId="2" destId="21" srcOrd="0" destOrd="0"/>
+        <dgm:cxn modelId="24" srcId="2" destId="22" srcOrd="1" destOrd="0"/>
+        <dgm:cxn modelId="33" srcId="3" destId="31" srcOrd="0" destOrd="0"/>
+        <dgm:cxn modelId="34" srcId="3" destId="32" srcOrd="1" destOrd="0"/>
+      </dgm:cxnLst>
+      <dgm:bg/>
+      <dgm:whole/>
+    </dgm:dataModel>
+  </dgm:sampData>
+  <dgm:styleData>
+    <dgm:dataModel>
+      <dgm:ptLst>
+        <dgm:pt modelId="0" type="doc"/>
+        <dgm:pt modelId="1"/>
+        <dgm:pt modelId="11"/>
+        <dgm:pt modelId="2"/>
+        <dgm:pt modelId="21"/>
+      </dgm:ptLst>
+      <dgm:cxnLst>
+        <dgm:cxn modelId="4" srcId="0" destId="1" srcOrd="0" destOrd="0"/>
+        <dgm:cxn modelId="5" srcId="0" destId="2" srcOrd="1" destOrd="0"/>
+        <dgm:cxn modelId="13" srcId="1" destId="11" srcOrd="0" destOrd="0"/>
+        <dgm:cxn modelId="23" srcId="2" destId="21" srcOrd="0" destOrd="0"/>
+      </dgm:cxnLst>
+      <dgm:bg/>
+      <dgm:whole/>
+    </dgm:dataModel>
+  </dgm:styleData>
+  <dgm:clrData>
+    <dgm:dataModel>
+      <dgm:ptLst>
+        <dgm:pt modelId="0" type="doc"/>
+        <dgm:pt modelId="1"/>
+        <dgm:pt modelId="11"/>
+        <dgm:pt modelId="2"/>
+        <dgm:pt modelId="21"/>
+        <dgm:pt modelId="3"/>
+        <dgm:pt modelId="31"/>
+        <dgm:pt modelId="4"/>
+        <dgm:pt modelId="41"/>
+      </dgm:ptLst>
+      <dgm:cxnLst>
+        <dgm:cxn modelId="5" srcId="0" destId="1" srcOrd="0" destOrd="0"/>
+        <dgm:cxn modelId="6" srcId="0" destId="2" srcOrd="1" destOrd="0"/>
+        <dgm:cxn modelId="7" srcId="0" destId="3" srcOrd="2" destOrd="0"/>
+        <dgm:cxn modelId="8" srcId="0" destId="4" srcOrd="3" destOrd="0"/>
+        <dgm:cxn modelId="13" srcId="1" destId="11" srcOrd="0" destOrd="0"/>
+        <dgm:cxn modelId="23" srcId="2" destId="21" srcOrd="0" destOrd="0"/>
+        <dgm:cxn modelId="33" srcId="3" destId="31" srcOrd="0" destOrd="0"/>
+        <dgm:cxn modelId="43" srcId="4" destId="41" srcOrd="0" destOrd="0"/>
+      </dgm:cxnLst>
+      <dgm:bg/>
+      <dgm:whole/>
+    </dgm:dataModel>
+  </dgm:clrData>
+  <dgm:layoutNode name="Name0">
+    <dgm:varLst>
+      <dgm:dir/>
+      <dgm:animLvl val="lvl"/>
+      <dgm:resizeHandles val="exact"/>
+    </dgm:varLst>
+    <dgm:alg type="composite"/>
+    <dgm:shape xmlns:r="http://schemas.openxmlformats.org/officeDocument/2006/relationships" r:blip="">
+      <dgm:adjLst/>
+    </dgm:shape>
+    <dgm:presOf/>
+    <dgm:constrLst>
+      <dgm:constr type="w" for="ch" forName="tSp" refType="w"/>
+      <dgm:constr type="h" for="ch" forName="tSp" refType="h" fact="0.15"/>
+      <dgm:constr type="l" for="ch" forName="tSp"/>
+      <dgm:constr type="t" for="ch" forName="tSp"/>
+      <dgm:constr type="w" for="ch" forName="bSp" refType="w"/>
+      <dgm:constr type="h" for="ch" forName="bSp" refType="h" fact="0.15"/>
+      <dgm:constr type="l" for="ch" forName="bSp"/>
+      <dgm:constr type="t" for="ch" forName="bSp" refType="h" fact="0.85"/>
+      <dgm:constr type="w" for="ch" forName="process" refType="w"/>
+      <dgm:constr type="h" for="ch" forName="process" refType="h" fact="0.7"/>
+      <dgm:constr type="l" for="ch" forName="process"/>
+      <dgm:constr type="t" for="ch" forName="process" refType="h" fact="0.15"/>
+    </dgm:constrLst>
+    <dgm:ruleLst/>
+    <dgm:layoutNode name="tSp">
+      <dgm:alg type="sp"/>
+      <dgm:shape xmlns:r="http://schemas.openxmlformats.org/officeDocument/2006/relationships" r:blip="">
+        <dgm:adjLst/>
+      </dgm:shape>
+      <dgm:presOf/>
+      <dgm:constrLst/>
+      <dgm:ruleLst/>
+    </dgm:layoutNode>
+    <dgm:layoutNode name="bSp">
+      <dgm:alg type="sp"/>
+      <dgm:shape xmlns:r="http://schemas.openxmlformats.org/officeDocument/2006/relationships" r:blip="">
+        <dgm:adjLst/>
+      </dgm:shape>
+      <dgm:presOf/>
+      <dgm:constrLst/>
+      <dgm:ruleLst/>
+    </dgm:layoutNode>
+    <dgm:layoutNode name="process">
+      <dgm:choose name="Name1">
+        <dgm:if name="Name2" func="var" arg="dir" op="equ" val="norm">
+          <dgm:alg type="lin">
+            <dgm:param type="linDir" val="fromL"/>
+          </dgm:alg>
+        </dgm:if>
+        <dgm:else name="Name3">
+          <dgm:alg type="lin">
+            <dgm:param type="linDir" val="fromR"/>
+          </dgm:alg>
+        </dgm:else>
+      </dgm:choose>
+      <dgm:shape xmlns:r="http://schemas.openxmlformats.org/officeDocument/2006/relationships" r:blip="">
+        <dgm:adjLst/>
+      </dgm:shape>
+      <dgm:presOf/>
+      <dgm:constrLst>
+        <dgm:constr type="w" for="ch" forName="composite1" refType="w"/>
+        <dgm:constr type="w" for="ch" forName="composite2" refType="w" refFor="ch" refForName="composite1" op="equ"/>
+        <dgm:constr type="h" for="ch" forName="composite1" refType="h"/>
+        <dgm:constr type="h" for="ch" forName="composite2" refType="h" refFor="ch" refForName="composite1" op="equ"/>
+        <dgm:constr type="primFontSz" for="des" forName="parentNode1" val="65"/>
+        <dgm:constr type="primFontSz" for="des" forName="parentNode2" refType="primFontSz" refFor="des" refForName="parentNode1" op="equ"/>
+        <dgm:constr type="secFontSz" for="des" forName="childNode1tx" val="65"/>
+        <dgm:constr type="secFontSz" for="des" forName="childNode2tx" refType="secFontSz" refFor="des" refForName="childNode1tx" op="equ"/>
+        <dgm:constr type="w" for="des" ptType="sibTrans" refType="w" refFor="ch" refForName="composite1" op="equ" fact="0.05"/>
+      </dgm:constrLst>
+      <dgm:ruleLst/>
+      <dgm:forEach name="Name4" axis="ch" ptType="node" step="2">
+        <dgm:layoutNode name="composite1">
+          <dgm:alg type="composite">
+            <dgm:param type="ar" val="0.943"/>
+          </dgm:alg>
+          <dgm:shape xmlns:r="http://schemas.openxmlformats.org/officeDocument/2006/relationships" r:blip="">
+            <dgm:adjLst/>
+          </dgm:shape>
+          <dgm:presOf/>
+          <dgm:choose name="Name5">
+            <dgm:if name="Name6" func="var" arg="dir" op="equ" val="norm">
+              <dgm:constrLst>
+                <dgm:constr type="h" refType="w" fact="1.06"/>
+                <dgm:constr type="w" for="ch" forName="dummyNode1" refType="w"/>
+                <dgm:constr type="h" for="ch" forName="dummyNode1" refType="h"/>
+                <dgm:constr type="t" for="ch" forName="dummyNode1"/>
+                <dgm:constr type="l" for="ch" forName="dummyNode1"/>
+                <dgm:constr type="w" for="ch" forName="childNode1" refType="w" fact="0.9"/>
+                <dgm:constr type="h" for="ch" forName="childNode1" refType="h" fact="0.7"/>
+                <dgm:constr type="t" for="ch" forName="childNode1" refType="h" fact="0.15"/>
+                <dgm:constr type="l" for="ch" forName="childNode1"/>
+                <dgm:constr type="w" for="ch" forName="childNode1tx" refType="w" fact="0.9"/>
+                <dgm:constr type="h" for="ch" forName="childNode1tx" refType="h" fact="0.55"/>
+                <dgm:constr type="t" for="ch" forName="childNode1tx" refType="h" fact="0.15"/>
+                <dgm:constr type="l" for="ch" forName="childNode1tx"/>
+                <dgm:constr type="w" for="ch" forName="parentNode1" refType="w" fact="0.8"/>
+                <dgm:constr type="h" for="ch" forName="parentNode1" refType="h" fact="0.3"/>
+                <dgm:constr type="t" for="ch" forName="parentNode1" refType="h" fact="0.7"/>
+                <dgm:constr type="l" for="ch" forName="parentNode1" refType="w" fact="0.2"/>
+                <dgm:constr type="w" for="ch" forName="connSite1" refType="w" fact="0.01"/>
+                <dgm:constr type="h" for="ch" forName="connSite1" refType="h" fact="0.01"/>
+                <dgm:constr type="t" for="ch" forName="connSite1"/>
+                <dgm:constr type="l" for="ch" forName="connSite1" refType="w" fact="0.35"/>
+              </dgm:constrLst>
+            </dgm:if>
+            <dgm:else name="Name7">
+              <dgm:constrLst>
+                <dgm:constr type="h" refType="w" fact="1.06"/>
+                <dgm:constr type="w" for="ch" forName="dummyNode1" refType="w"/>
+                <dgm:constr type="h" for="ch" forName="dummyNode1" refType="h"/>
+                <dgm:constr type="t" for="ch" forName="dummyNode1"/>
+                <dgm:constr type="l" for="ch" forName="dummyNode1"/>
+                <dgm:constr type="w" for="ch" forName="childNode1" refType="w" fact="0.9"/>
+                <dgm:constr type="h" for="ch" forName="childNode1" refType="h" fact="0.7"/>
+                <dgm:constr type="t" for="ch" forName="childNode1" refType="h" fact="0.15"/>
+                <dgm:constr type="l" for="ch" forName="childNode1" refType="w" fact="0.1"/>
+                <dgm:constr type="w" for="ch" forName="childNode1tx" refType="w" fact="0.9"/>
+                <dgm:constr type="h" for="ch" forName="childNode1tx" refType="h" fact="0.55"/>
+                <dgm:constr type="t" for="ch" forName="childNode1tx" refType="h" fact="0.15"/>
+                <dgm:constr type="l" for="ch" forName="childNode1tx" refType="w" fact="0.1"/>
+                <dgm:constr type="w" for="ch" forName="parentNode1" refType="w" fact="0.8"/>
+                <dgm:constr type="h" for="ch" forName="parentNode1" refType="h" fact="0.3"/>
+                <dgm:constr type="t" for="ch" forName="parentNode1" refType="h" fact="0.7"/>
+                <dgm:constr type="l" for="ch" forName="parentNode1"/>
+                <dgm:constr type="w" for="ch" forName="connSite1" refType="w" fact="0.01"/>
+                <dgm:constr type="h" for="ch" forName="connSite1" refType="h" fact="0.01"/>
+                <dgm:constr type="t" for="ch" forName="connSite1"/>
+                <dgm:constr type="l" for="ch" forName="connSite1" refType="w" fact="0.65"/>
+              </dgm:constrLst>
+            </dgm:else>
+          </dgm:choose>
+          <dgm:ruleLst/>
+          <dgm:layoutNode name="dummyNode1">
+            <dgm:alg type="sp"/>
+            <dgm:shape xmlns:r="http://schemas.openxmlformats.org/officeDocument/2006/relationships" type="rect" r:blip="" hideGeom="1">
+              <dgm:adjLst/>
+            </dgm:shape>
+            <dgm:presOf/>
+            <dgm:constrLst/>
+            <dgm:ruleLst/>
+          </dgm:layoutNode>
+          <dgm:layoutNode name="childNode1" styleLbl="bgAcc1">
+            <dgm:varLst>
+              <dgm:bulletEnabled val="1"/>
+            </dgm:varLst>
+            <dgm:alg type="sp"/>
+            <dgm:shape xmlns:r="http://schemas.openxmlformats.org/officeDocument/2006/relationships" type="roundRect" r:blip="">
+              <dgm:adjLst>
+                <dgm:adj idx="1" val="0.1"/>
+              </dgm:adjLst>
+            </dgm:shape>
+            <dgm:presOf axis="des" ptType="node"/>
+            <dgm:constrLst/>
+            <dgm:ruleLst/>
+          </dgm:layoutNode>
+          <dgm:layoutNode name="childNode1tx" styleLbl="bgAcc1">
+            <dgm:varLst>
+              <dgm:bulletEnabled val="1"/>
+            </dgm:varLst>
+            <dgm:alg type="tx">
+              <dgm:param type="stBulletLvl" val="1"/>
+            </dgm:alg>
+            <dgm:shape xmlns:r="http://schemas.openxmlformats.org/officeDocument/2006/relationships" type="roundRect" r:blip="" hideGeom="1">
+              <dgm:adjLst>
+                <dgm:adj idx="1" val="0.1"/>
+              </dgm:adjLst>
+            </dgm:shape>
+            <dgm:presOf axis="des" ptType="node"/>
+            <dgm:constrLst>
+              <dgm:constr type="secFontSz" val="65"/>
+              <dgm:constr type="primFontSz" refType="secFontSz"/>
+              <dgm:constr type="tMarg" refType="secFontSz" fact="0.15"/>
+              <dgm:constr type="bMarg" refType="secFontSz" fact="0.15"/>
+              <dgm:constr type="lMarg" refType="secFontSz" fact="0.15"/>
+              <dgm:constr type="rMarg" refType="secFontSz" fact="0.15"/>
+            </dgm:constrLst>
+            <dgm:ruleLst>
+              <dgm:rule type="secFontSz" val="5" fact="NaN" max="NaN"/>
+            </dgm:ruleLst>
+          </dgm:layoutNode>
+          <dgm:layoutNode name="parentNode1" styleLbl="node1">
+            <dgm:varLst>
+              <dgm:chMax val="1"/>
+              <dgm:bulletEnabled val="1"/>
+            </dgm:varLst>
+            <dgm:alg type="tx"/>
+            <dgm:shape xmlns:r="http://schemas.openxmlformats.org/officeDocument/2006/relationships" type="roundRect" r:blip="">
+              <dgm:adjLst>
+                <dgm:adj idx="1" val="0.1"/>
+              </dgm:adjLst>
+            </dgm:shape>
+            <dgm:presOf axis="self"/>
+            <dgm:constrLst>
+              <dgm:constr type="tMarg" refType="primFontSz" fact="0.1"/>
+              <dgm:constr type="bMarg" refType="primFontSz" fact="0.1"/>
+              <dgm:constr type="lMarg" refType="primFontSz" fact="0.15"/>
+              <dgm:constr type="rMarg" refType="primFontSz" fact="0.15"/>
+            </dgm:constrLst>
+            <dgm:ruleLst>
+              <dgm:rule type="primFontSz" val="5" fact="NaN" max="NaN"/>
+            </dgm:ruleLst>
+          </dgm:layoutNode>
+          <dgm:layoutNode name="connSite1" moveWith="childNode1">
+            <dgm:alg type="sp"/>
+            <dgm:shape xmlns:r="http://schemas.openxmlformats.org/officeDocument/2006/relationships" r:blip="">
+              <dgm:adjLst/>
+            </dgm:shape>
+            <dgm:presOf/>
+            <dgm:constrLst/>
+            <dgm:ruleLst/>
+          </dgm:layoutNode>
+        </dgm:layoutNode>
+        <dgm:forEach name="Name8" axis="followSib" ptType="sibTrans" cnt="1">
+          <dgm:layoutNode name="Name9">
+            <dgm:alg type="conn">
+              <dgm:param type="connRout" val="curve"/>
+              <dgm:param type="srcNode" val="parentNode1"/>
+              <dgm:param type="dstNode" val="connSite2"/>
+              <dgm:param type="begPts" val="bCtr"/>
+              <dgm:param type="endPts" val="bCtr"/>
+            </dgm:alg>
+            <dgm:shape xmlns:r="http://schemas.openxmlformats.org/officeDocument/2006/relationships" type="conn" r:blip="" zOrderOff="-2">
+              <dgm:adjLst/>
+            </dgm:shape>
+            <dgm:presOf axis="self"/>
+            <dgm:choose name="Name10">
+              <dgm:if name="Name11" func="var" arg="dir" op="equ" val="norm">
+                <dgm:constrLst>
+                  <dgm:constr type="h" refType="w" fact="0.35"/>
+                  <dgm:constr type="wArH" refType="h"/>
+                  <dgm:constr type="hArH" refType="h"/>
+                  <dgm:constr type="connDist"/>
+                  <dgm:constr type="diam" refType="connDist" fact="-1.15"/>
+                  <dgm:constr type="begPad"/>
+                  <dgm:constr type="endPad"/>
+                </dgm:constrLst>
+              </dgm:if>
+              <dgm:else name="Name12">
+                <dgm:constrLst>
+                  <dgm:constr type="h" refType="w" fact="0.35"/>
+                  <dgm:constr type="wArH" refType="h"/>
+                  <dgm:constr type="hArH" refType="h"/>
+                  <dgm:constr type="connDist"/>
+                  <dgm:constr type="diam" refType="connDist" fact="1.15"/>
+                  <dgm:constr type="begPad"/>
+                  <dgm:constr type="endPad"/>
+                </dgm:constrLst>
+              </dgm:else>
+            </dgm:choose>
+            <dgm:ruleLst/>
+          </dgm:layoutNode>
+        </dgm:forEach>
+        <dgm:forEach name="Name13" axis="followSib" ptType="node" cnt="1">
+          <dgm:layoutNode name="composite2">
+            <dgm:alg type="composite">
+              <dgm:param type="ar" val="0.943"/>
+            </dgm:alg>
+            <dgm:shape xmlns:r="http://schemas.openxmlformats.org/officeDocument/2006/relationships" r:blip="">
+              <dgm:adjLst/>
+            </dgm:shape>
+            <dgm:presOf/>
+            <dgm:choose name="Name14">
+              <dgm:if name="Name15" func="var" arg="dir" op="equ" val="norm">
+                <dgm:constrLst>
+                  <dgm:constr type="h" refType="w" fact="1.06"/>
+                  <dgm:constr type="w" for="ch" forName="dummyNode2" refType="w"/>
+                  <dgm:constr type="h" for="ch" forName="dummyNode2" refType="h"/>
+                  <dgm:constr type="t" for="ch" forName="dummyNode2"/>
+                  <dgm:constr type="l" for="ch" forName="dummyNode2"/>
+                  <dgm:constr type="w" for="ch" forName="childNode2" refType="w" fact="0.9"/>
+                  <dgm:constr type="h" for="ch" forName="childNode2" refType="h" fact="0.7"/>
+                  <dgm:constr type="t" for="ch" forName="childNode2" refType="h" fact="0.15"/>
+                  <dgm:constr type="l" for="ch" forName="childNode2"/>
+                  <dgm:constr type="w" for="ch" forName="childNode2tx" refType="w" fact="0.9"/>
+                  <dgm:constr type="h" for="ch" forName="childNode2tx" refType="h" fact="0.55"/>
+                  <dgm:constr type="t" for="ch" forName="childNode2tx" refType="h" fact="0.3"/>
+                  <dgm:constr type="l" for="ch" forName="childNode2tx"/>
+                  <dgm:constr type="w" for="ch" forName="parentNode2" refType="w" fact="0.8"/>
+                  <dgm:constr type="h" for="ch" forName="parentNode2" refType="h" fact="0.3"/>
+                  <dgm:constr type="t" for="ch" forName="parentNode2"/>
+                  <dgm:constr type="l" for="ch" forName="parentNode2" refType="w" fact="0.2"/>
+                  <dgm:constr type="w" for="ch" forName="connSite2" refType="w" fact="0.01"/>
+                  <dgm:constr type="h" for="ch" forName="connSite2" refType="h" fact="0.01"/>
+                  <dgm:constr type="t" for="ch" forName="connSite2" refType="h" fact="0.99"/>
+                  <dgm:constr type="l" for="ch" forName="connSite2" refType="w" fact="0.25"/>
+                </dgm:constrLst>
+              </dgm:if>
+              <dgm:else name="Name16">
+                <dgm:constrLst>
+                  <dgm:constr type="h" refType="w" fact="1.06"/>
+                  <dgm:constr type="w" for="ch" forName="dummyNode2" refType="w"/>
+                  <dgm:constr type="h" for="ch" forName="dummyNode2" refType="h"/>
+                  <dgm:constr type="t" for="ch" forName="dummyNode2"/>
+                  <dgm:constr type="l" for="ch" forName="dummyNode2"/>
+                  <dgm:constr type="w" for="ch" forName="childNode2" refType="w" fact="0.9"/>
+                  <dgm:constr type="h" for="ch" forName="childNode2" refType="h" fact="0.7"/>
+                  <dgm:constr type="t" for="ch" forName="childNode2" refType="h" fact="0.15"/>
+                  <dgm:constr type="l" for="ch" forName="childNode2" refType="w" fact="0.1"/>
+                  <dgm:constr type="w" for="ch" forName="childNode2tx" refType="w" fact="0.9"/>
+                  <dgm:constr type="h" for="ch" forName="childNode2tx" refType="h" fact="0.55"/>
+                  <dgm:constr type="t" for="ch" forName="childNode2tx" refType="h" fact="0.3"/>
+                  <dgm:constr type="l" for="ch" forName="childNode2tx" refType="w" fact="0.1"/>
+                  <dgm:constr type="w" for="ch" forName="parentNode2" refType="w" fact="0.8"/>
+                  <dgm:constr type="h" for="ch" forName="parentNode2" refType="h" fact="0.3"/>
+                  <dgm:constr type="t" for="ch" forName="parentNode2"/>
+                  <dgm:constr type="l" for="ch" forName="parentNode2"/>
+                  <dgm:constr type="w" for="ch" forName="connSite2" refType="w" fact="0.01"/>
+                  <dgm:constr type="h" for="ch" forName="connSite2" refType="h" fact="0.01"/>
+                  <dgm:constr type="t" for="ch" forName="connSite2" refType="h" fact="0.99"/>
+                  <dgm:constr type="l" for="ch" forName="connSite2" refType="w" fact="0.85"/>
+                </dgm:constrLst>
+              </dgm:else>
+            </dgm:choose>
+            <dgm:ruleLst/>
+            <dgm:layoutNode name="dummyNode2">
+              <dgm:alg type="sp"/>
+              <dgm:shape xmlns:r="http://schemas.openxmlformats.org/officeDocument/2006/relationships" type="rect" r:blip="" hideGeom="1">
+                <dgm:adjLst/>
+              </dgm:shape>
+              <dgm:presOf/>
+              <dgm:constrLst/>
+              <dgm:ruleLst/>
+            </dgm:layoutNode>
+            <dgm:layoutNode name="childNode2" styleLbl="bgAcc1">
+              <dgm:varLst>
+                <dgm:bulletEnabled val="1"/>
+              </dgm:varLst>
+              <dgm:alg type="sp"/>
+              <dgm:shape xmlns:r="http://schemas.openxmlformats.org/officeDocument/2006/relationships" type="roundRect" r:blip="">
+                <dgm:adjLst>
+                  <dgm:adj idx="1" val="0.1"/>
+                </dgm:adjLst>
+              </dgm:shape>
+              <dgm:presOf axis="des" ptType="node"/>
+              <dgm:constrLst/>
+              <dgm:ruleLst/>
+            </dgm:layoutNode>
+            <dgm:layoutNode name="childNode2tx" styleLbl="bgAcc1">
+              <dgm:varLst>
+                <dgm:bulletEnabled val="1"/>
+              </dgm:varLst>
+              <dgm:alg type="tx">
+                <dgm:param type="stBulletLvl" val="1"/>
+              </dgm:alg>
+              <dgm:shape xmlns:r="http://schemas.openxmlformats.org/officeDocument/2006/relationships" type="roundRect" r:blip="" hideGeom="1">
+                <dgm:adjLst>
+                  <dgm:adj idx="1" val="0.1"/>
+                </dgm:adjLst>
+              </dgm:shape>
+              <dgm:presOf axis="des" ptType="node"/>
+              <dgm:constrLst>
+                <dgm:constr type="secFontSz" val="65"/>
+                <dgm:constr type="primFontSz" refType="secFontSz"/>
+                <dgm:constr type="tMarg" refType="secFontSz" fact="0.15"/>
+                <dgm:constr type="bMarg" refType="secFontSz" fact="0.15"/>
+                <dgm:constr type="lMarg" refType="secFontSz" fact="0.15"/>
+                <dgm:constr type="rMarg" refType="secFontSz" fact="0.15"/>
+              </dgm:constrLst>
+              <dgm:ruleLst>
+                <dgm:rule type="secFontSz" val="5" fact="NaN" max="NaN"/>
+              </dgm:ruleLst>
+            </dgm:layoutNode>
+            <dgm:layoutNode name="parentNode2" styleLbl="node1">
+              <dgm:varLst>
+                <dgm:chMax val="0"/>
+                <dgm:bulletEnabled val="1"/>
+              </dgm:varLst>
+              <dgm:alg type="tx"/>
+              <dgm:shape xmlns:r="http://schemas.openxmlformats.org/officeDocument/2006/relationships" type="roundRect" r:blip="">
+                <dgm:adjLst>
+                  <dgm:adj idx="1" val="0.1"/>
+                </dgm:adjLst>
+              </dgm:shape>
+              <dgm:presOf axis="self"/>
+              <dgm:constrLst>
+                <dgm:constr type="tMarg" refType="primFontSz" fact="0.1"/>
+                <dgm:constr type="bMarg" refType="primFontSz" fact="0.1"/>
+                <dgm:constr type="lMarg" refType="primFontSz" fact="0.15"/>
+                <dgm:constr type="rMarg" refType="primFontSz" fact="0.15"/>
+              </dgm:constrLst>
+              <dgm:ruleLst>
+                <dgm:rule type="primFontSz" val="5" fact="NaN" max="NaN"/>
+              </dgm:ruleLst>
+            </dgm:layoutNode>
+            <dgm:layoutNode name="connSite2" moveWith="childNode2">
+              <dgm:alg type="sp"/>
+              <dgm:shape xmlns:r="http://schemas.openxmlformats.org/officeDocument/2006/relationships" r:blip="">
+                <dgm:adjLst/>
+              </dgm:shape>
+              <dgm:presOf/>
+              <dgm:constrLst/>
+              <dgm:ruleLst/>
+            </dgm:layoutNode>
+          </dgm:layoutNode>
+          <dgm:forEach name="Name17" axis="followSib" ptType="sibTrans" cnt="1">
+            <dgm:layoutNode name="Name18">
+              <dgm:alg type="conn">
+                <dgm:param type="connRout" val="curve"/>
+                <dgm:param type="srcNode" val="parentNode2"/>
+                <dgm:param type="dstNode" val="connSite1"/>
+                <dgm:param type="begPts" val="tCtr"/>
+                <dgm:param type="endPts" val="tCtr"/>
+              </dgm:alg>
+              <dgm:shape xmlns:r="http://schemas.openxmlformats.org/officeDocument/2006/relationships" type="conn" r:blip="" zOrderOff="-2">
+                <dgm:adjLst/>
+              </dgm:shape>
+              <dgm:presOf axis="self"/>
+              <dgm:choose name="Name19">
+                <dgm:if name="Name20" func="var" arg="dir" op="equ" val="norm">
+                  <dgm:constrLst>
+                    <dgm:constr type="h" refType="w" fact="0.35"/>
+                    <dgm:constr type="wArH" refType="h"/>
+                    <dgm:constr type="hArH" refType="h"/>
+                    <dgm:constr type="connDist"/>
+                    <dgm:constr type="diam" refType="connDist" fact="1.15"/>
+                    <dgm:constr type="begPad"/>
+                    <dgm:constr type="endPad"/>
+                  </dgm:constrLst>
+                </dgm:if>
+                <dgm:else name="Name21">
+                  <dgm:constrLst>
+                    <dgm:constr type="h" refType="w" fact="0.35"/>
+                    <dgm:constr type="wArH" refType="h"/>
+                    <dgm:constr type="hArH" refType="h"/>
+                    <dgm:constr type="connDist"/>
+                    <dgm:constr type="diam" refType="connDist" fact="-1.15"/>
+                    <dgm:constr type="begPad"/>
+                    <dgm:constr type="endPad"/>
+                  </dgm:constrLst>
+                </dgm:else>
+              </dgm:choose>
+              <dgm:ruleLst/>
+            </dgm:layoutNode>
+          </dgm:forEach>
+        </dgm:forEach>
+      </dgm:forEach>
+    </dgm:layoutNode>
+  </dgm:layoutNode>
+</dgm:layoutDef>
+</file>
+
+<file path=ppt/diagrams/quickStyle1.xml><?xml version="1.0" encoding="utf-8"?>
+<dgm:styleDef xmlns:dgm="http://schemas.openxmlformats.org/drawingml/2006/diagram" xmlns:a="http://schemas.openxmlformats.org/drawingml/2006/main" uniqueId="urn:microsoft.com/office/officeart/2005/8/quickstyle/simple1">
+  <dgm:title val=""/>
+  <dgm:desc val=""/>
+  <dgm:catLst>
+    <dgm:cat type="simple" pri="10100"/>
+  </dgm:catLst>
+  <dgm:scene3d>
+    <a:camera prst="orthographicFront"/>
+    <a:lightRig rig="threePt" dir="t"/>
+  </dgm:scene3d>
+  <dgm:styleLbl name="node0">
+    <dgm:scene3d>
+      <a:camera prst="orthographicFront"/>
+      <a:lightRig rig="threePt" dir="t"/>
+    </dgm:scene3d>
+    <dgm:sp3d/>
+    <dgm:txPr/>
+    <dgm:style>
+      <a:lnRef idx="2">
+        <a:scrgbClr r="0" g="0" b="0"/>
+      </a:lnRef>
+      <a:fillRef idx="1">
+        <a:scrgbClr r="0" g="0" b="0"/>
+      </a:fillRef>
+      <a:effectRef idx="0">
+        <a:scrgbClr r="0" g="0" b="0"/>
+      </a:effectRef>
+      <a:fontRef idx="minor">
+        <a:schemeClr val="lt1"/>
+      </a:fontRef>
+    </dgm:style>
+  </dgm:styleLbl>
+  <dgm:styleLbl name="lnNode1">
+    <dgm:scene3d>
+      <a:camera prst="orthographicFront"/>
+      <a:lightRig rig="threePt" dir="t"/>
+    </dgm:scene3d>
+    <dgm:sp3d/>
+    <dgm:txPr/>
+    <dgm:style>
+      <a:lnRef idx="2">
+        <a:scrgbClr r="0" g="0" b="0"/>
+      </a:lnRef>
+      <a:fillRef idx="1">
+        <a:scrgbClr r="0" g="0" b="0"/>
+      </a:fillRef>
+      <a:effectRef idx="0">
+        <a:scrgbClr r="0" g="0" b="0"/>
+      </a:effectRef>
+      <a:fontRef idx="minor">
+        <a:schemeClr val="lt1"/>
+      </a:fontRef>
+    </dgm:style>
+  </dgm:styleLbl>
+  <dgm:styleLbl name="vennNode1">
+    <dgm:scene3d>
+      <a:camera prst="orthographicFront"/>
+      <a:lightRig rig="threePt" dir="t"/>
+    </dgm:scene3d>
+    <dgm:sp3d/>
+    <dgm:txPr/>
+    <dgm:style>
+      <a:lnRef idx="2">
+        <a:scrgbClr r="0" g="0" b="0"/>
+      </a:lnRef>
+      <a:fillRef idx="1">
+        <a:scrgbClr r="0" g="0" b="0"/>
+      </a:fillRef>
+      <a:effectRef idx="0">
+        <a:scrgbClr r="0" g="0" b="0"/>
+      </a:effectRef>
+      <a:fontRef idx="minor">
+        <a:schemeClr val="tx1"/>
+      </a:fontRef>
+    </dgm:style>
+  </dgm:styleLbl>
+  <dgm:styleLbl name="alignNode1">
+    <dgm:scene3d>
+      <a:camera prst="orthographicFront"/>
+      <a:lightRig rig="threePt" dir="t"/>
+    </dgm:scene3d>
+    <dgm:sp3d/>
+    <dgm:txPr/>
+    <dgm:style>
+      <a:lnRef idx="2">
+        <a:scrgbClr r="0" g="0" b="0"/>
+      </a:lnRef>
+      <a:fillRef idx="1">
+        <a:scrgbClr r="0" g="0" b="0"/>
+      </a:fillRef>
+      <a:effectRef idx="0">
+        <a:scrgbClr r="0" g="0" b="0"/>
+      </a:effectRef>
+      <a:fontRef idx="minor">
+        <a:schemeClr val="lt1"/>
+      </a:fontRef>
+    </dgm:style>
+  </dgm:styleLbl>
+  <dgm:styleLbl name="node1">
+    <dgm:scene3d>
+      <a:camera prst="orthographicFront"/>
+      <a:lightRig rig="threePt" dir="t"/>
+    </dgm:scene3d>
+    <dgm:sp3d/>
+    <dgm:txPr/>
+    <dgm:style>
+      <a:lnRef idx="2">
+        <a:scrgbClr r="0" g="0" b="0"/>
+      </a:lnRef>
+      <a:fillRef idx="1">
+        <a:scrgbClr r="0" g="0" b="0"/>
+      </a:fillRef>
+      <a:effectRef idx="0">
+        <a:scrgbClr r="0" g="0" b="0"/>
+      </a:effectRef>
+      <a:fontRef idx="minor">
+        <a:schemeClr val="lt1"/>
+      </a:fontRef>
+    </dgm:style>
+  </dgm:styleLbl>
+  <dgm:styleLbl name="node2">
+    <dgm:scene3d>
+      <a:camera prst="orthographicFront"/>
+      <a:lightRig rig="threePt" dir="t"/>
+    </dgm:scene3d>
+    <dgm:sp3d/>
+    <dgm:txPr/>
+    <dgm:style>
+      <a:lnRef idx="2">
+        <a:scrgbClr r="0" g="0" b="0"/>
+      </a:lnRef>
+      <a:fillRef idx="1">
+        <a:scrgbClr r="0" g="0" b="0"/>
+      </a:fillRef>
+      <a:effectRef idx="0">
+        <a:scrgbClr r="0" g="0" b="0"/>
+      </a:effectRef>
+      <a:fontRef idx="minor">
+        <a:schemeClr val="lt1"/>
+      </a:fontRef>
+    </dgm:style>
+  </dgm:styleLbl>
+  <dgm:styleLbl name="node3">
+    <dgm:scene3d>
+      <a:camera prst="orthographicFront"/>
+      <a:lightRig rig="threePt" dir="t"/>
+    </dgm:scene3d>
+    <dgm:sp3d/>
+    <dgm:txPr/>
+    <dgm:style>
+      <a:lnRef idx="2">
+        <a:scrgbClr r="0" g="0" b="0"/>
+      </a:lnRef>
+      <a:fillRef idx="1">
+        <a:scrgbClr r="0" g="0" b="0"/>
+      </a:fillRef>
+      <a:effectRef idx="0">
+        <a:scrgbClr r="0" g="0" b="0"/>
+      </a:effectRef>
+      <a:fontRef idx="minor">
+        <a:schemeClr val="lt1"/>
+      </a:fontRef>
+    </dgm:style>
+  </dgm:styleLbl>
+  <dgm:styleLbl name="node4">
+    <dgm:scene3d>
+      <a:camera prst="orthographicFront"/>
+      <a:lightRig rig="threePt" dir="t"/>
+    </dgm:scene3d>
+    <dgm:sp3d/>
+    <dgm:txPr/>
+    <dgm:style>
+      <a:lnRef idx="2">
+        <a:scrgbClr r="0" g="0" b="0"/>
+      </a:lnRef>
+      <a:fillRef idx="1">
+        <a:scrgbClr r="0" g="0" b="0"/>
+      </a:fillRef>
+      <a:effectRef idx="0">
+        <a:scrgbClr r="0" g="0" b="0"/>
+      </a:effectRef>
+      <a:fontRef idx="minor">
+        <a:schemeClr val="lt1"/>
+      </a:fontRef>
+    </dgm:style>
+  </dgm:styleLbl>
+  <dgm:styleLbl name="fgImgPlace1">
+    <dgm:scene3d>
+      <a:camera prst="orthographicFront"/>
+      <a:lightRig rig="threePt" dir="t"/>
+    </dgm:scene3d>
+    <dgm:sp3d/>
+    <dgm:txPr/>
+    <dgm:style>
+      <a:lnRef idx="2">
+        <a:scrgbClr r="0" g="0" b="0"/>
+      </a:lnRef>
+      <a:fillRef idx="1">
+        <a:scrgbClr r="0" g="0" b="0"/>
+      </a:fillRef>
+      <a:effectRef idx="0">
+        <a:scrgbClr r="0" g="0" b="0"/>
+      </a:effectRef>
+      <a:fontRef idx="minor"/>
+    </dgm:style>
+  </dgm:styleLbl>
+  <dgm:styleLbl name="alignImgPlace1">
+    <dgm:scene3d>
+      <a:camera prst="orthographicFront"/>
+      <a:lightRig rig="threePt" dir="t"/>
+    </dgm:scene3d>
+    <dgm:sp3d/>
+    <dgm:txPr/>
+    <dgm:style>
+      <a:lnRef idx="2">
+        <a:scrgbClr r="0" g="0" b="0"/>
+      </a:lnRef>
+      <a:fillRef idx="1">
+        <a:scrgbClr r="0" g="0" b="0"/>
+      </a:fillRef>
+      <a:effectRef idx="0">
+        <a:scrgbClr r="0" g="0" b="0"/>
+      </a:effectRef>
+      <a:fontRef idx="minor"/>
+    </dgm:style>
+  </dgm:styleLbl>
+  <dgm:styleLbl name="bgImgPlace1">
+    <dgm:scene3d>
+      <a:camera prst="orthographicFront"/>
+      <a:lightRig rig="threePt" dir="t"/>
+    </dgm:scene3d>
+    <dgm:sp3d/>
+    <dgm:txPr/>
+    <dgm:style>
+      <a:lnRef idx="2">
+        <a:scrgbClr r="0" g="0" b="0"/>
+      </a:lnRef>
+      <a:fillRef idx="1">
+        <a:scrgbClr r="0" g="0" b="0"/>
+      </a:fillRef>
+      <a:effectRef idx="0">
+        <a:scrgbClr r="0" g="0" b="0"/>
+      </a:effectRef>
+      <a:fontRef idx="minor"/>
+    </dgm:style>
+  </dgm:styleLbl>
+  <dgm:styleLbl name="sibTrans2D1">
+    <dgm:scene3d>
+      <a:camera prst="orthographicFront"/>
+      <a:lightRig rig="threePt" dir="t"/>
+    </dgm:scene3d>
+    <dgm:sp3d/>
+    <dgm:txPr/>
+    <dgm:style>
+      <a:lnRef idx="0">
+        <a:scrgbClr r="0" g="0" b="0"/>
+      </a:lnRef>
+      <a:fillRef idx="1">
+        <a:scrgbClr r="0" g="0" b="0"/>
+      </a:fillRef>
+      <a:effectRef idx="0">
+        <a:scrgbClr r="0" g="0" b="0"/>
+      </a:effectRef>
+      <a:fontRef idx="minor">
+        <a:schemeClr val="lt1"/>
+      </a:fontRef>
+    </dgm:style>
+  </dgm:styleLbl>
+  <dgm:styleLbl name="fgSibTrans2D1">
+    <dgm:scene3d>
+      <a:camera prst="orthographicFront"/>
+      <a:lightRig rig="threePt" dir="t"/>
+    </dgm:scene3d>
+    <dgm:sp3d/>
+    <dgm:txPr/>
+    <dgm:style>
+      <a:lnRef idx="0">
+        <a:scrgbClr r="0" g="0" b="0"/>
+      </a:lnRef>
+      <a:fillRef idx="1">
+        <a:scrgbClr r="0" g="0" b="0"/>
+      </a:fillRef>
+      <a:effectRef idx="0">
+        <a:scrgbClr r="0" g="0" b="0"/>
+      </a:effectRef>
+      <a:fontRef idx="minor">
+        <a:schemeClr val="lt1"/>
+      </a:fontRef>
+    </dgm:style>
+  </dgm:styleLbl>
+  <dgm:styleLbl name="bgSibTrans2D1">
+    <dgm:scene3d>
+      <a:camera prst="orthographicFront"/>
+      <a:lightRig rig="threePt" dir="t"/>
+    </dgm:scene3d>
+    <dgm:sp3d/>
+    <dgm:txPr/>
+    <dgm:style>
+      <a:lnRef idx="0">
+        <a:scrgbClr r="0" g="0" b="0"/>
+      </a:lnRef>
+      <a:fillRef idx="1">
+        <a:scrgbClr r="0" g="0" b="0"/>
+      </a:fillRef>
+      <a:effectRef idx="0">
+        <a:scrgbClr r="0" g="0" b="0"/>
+      </a:effectRef>
+      <a:fontRef idx="minor">
+        <a:schemeClr val="lt1"/>
+      </a:fontRef>
+    </dgm:style>
+  </dgm:styleLbl>
+  <dgm:styleLbl name="sibTrans1D1">
+    <dgm:scene3d>
+      <a:camera prst="orthographicFront"/>
+      <a:lightRig rig="threePt" dir="t"/>
+    </dgm:scene3d>
+    <dgm:sp3d/>
+    <dgm:txPr/>
+    <dgm:style>
+      <a:lnRef idx="1">
+        <a:scrgbClr r="0" g="0" b="0"/>
+      </a:lnRef>
+      <a:fillRef idx="0">
+        <a:scrgbClr r="0" g="0" b="0"/>
+      </a:fillRef>
+      <a:effectRef idx="0">
+        <a:scrgbClr r="0" g="0" b="0"/>
+      </a:effectRef>
+      <a:fontRef idx="minor"/>
+    </dgm:style>
+  </dgm:styleLbl>
+  <dgm:styleLbl name="callout">
+    <dgm:scene3d>
+      <a:camera prst="orthographicFront"/>
+      <a:lightRig rig="threePt" dir="t"/>
+    </dgm:scene3d>
+    <dgm:sp3d/>
+    <dgm:txPr/>
+    <dgm:style>
+      <a:lnRef idx="2">
+        <a:scrgbClr r="0" g="0" b="0"/>
+      </a:lnRef>
+      <a:fillRef idx="1">
+        <a:scrgbClr r="0" g="0" b="0"/>
+      </a:fillRef>
+      <a:effectRef idx="0">
+        <a:scrgbClr r="0" g="0" b="0"/>
+      </a:effectRef>
+      <a:fontRef idx="minor"/>
+    </dgm:style>
+  </dgm:styleLbl>
+  <dgm:styleLbl name="asst0">
+    <dgm:scene3d>
+      <a:camera prst="orthographicFront"/>
+      <a:lightRig rig="threePt" dir="t"/>
+    </dgm:scene3d>
+    <dgm:sp3d/>
+    <dgm:txPr/>
+    <dgm:style>
+      <a:lnRef idx="2">
+        <a:scrgbClr r="0" g="0" b="0"/>
+      </a:lnRef>
+      <a:fillRef idx="1">
+        <a:scrgbClr r="0" g="0" b="0"/>
+      </a:fillRef>
+      <a:effectRef idx="0">
+        <a:scrgbClr r="0" g="0" b="0"/>
+      </a:effectRef>
+      <a:fontRef idx="minor">
+        <a:schemeClr val="lt1"/>
+      </a:fontRef>
+    </dgm:style>
+  </dgm:styleLbl>
+  <dgm:styleLbl name="asst1">
+    <dgm:scene3d>
+      <a:camera prst="orthographicFront"/>
+      <a:lightRig rig="threePt" dir="t"/>
+    </dgm:scene3d>
+    <dgm:sp3d/>
+    <dgm:txPr/>
+    <dgm:style>
+      <a:lnRef idx="2">
+        <a:scrgbClr r="0" g="0" b="0"/>
+      </a:lnRef>
+      <a:fillRef idx="1">
+        <a:scrgbClr r="0" g="0" b="0"/>
+      </a:fillRef>
+      <a:effectRef idx="0">
+        <a:scrgbClr r="0" g="0" b="0"/>
+      </a:effectRef>
+      <a:fontRef idx="minor">
+        <a:schemeClr val="lt1"/>
+      </a:fontRef>
+    </dgm:style>
+  </dgm:styleLbl>
+  <dgm:styleLbl name="asst2">
+    <dgm:scene3d>
+      <a:camera prst="orthographicFront"/>
+      <a:lightRig rig="threePt" dir="t"/>
+    </dgm:scene3d>
+    <dgm:sp3d/>
+    <dgm:txPr/>
+    <dgm:style>
+      <a:lnRef idx="2">
+        <a:scrgbClr r="0" g="0" b="0"/>
+      </a:lnRef>
+      <a:fillRef idx="1">
+        <a:scrgbClr r="0" g="0" b="0"/>
+      </a:fillRef>
+      <a:effectRef idx="0">
+        <a:scrgbClr r="0" g="0" b="0"/>
+      </a:effectRef>
+      <a:fontRef idx="minor">
+        <a:schemeClr val="lt1"/>
+      </a:fontRef>
+    </dgm:style>
+  </dgm:styleLbl>
+  <dgm:styleLbl name="asst3">
+    <dgm:scene3d>
+      <a:camera prst="orthographicFront"/>
+      <a:lightRig rig="threePt" dir="t"/>
+    </dgm:scene3d>
+    <dgm:sp3d/>
+    <dgm:txPr/>
+    <dgm:style>
+      <a:lnRef idx="2">
+        <a:scrgbClr r="0" g="0" b="0"/>
+      </a:lnRef>
+      <a:fillRef idx="1">
+        <a:scrgbClr r="0" g="0" b="0"/>
+      </a:fillRef>
+      <a:effectRef idx="0">
+        <a:scrgbClr r="0" g="0" b="0"/>
+      </a:effectRef>
+      <a:fontRef idx="minor">
+        <a:schemeClr val="lt1"/>
+      </a:fontRef>
+    </dgm:style>
+  </dgm:styleLbl>
+  <dgm:styleLbl name="asst4">
+    <dgm:scene3d>
+      <a:camera prst="orthographicFront"/>
+      <a:lightRig rig="threePt" dir="t"/>
+    </dgm:scene3d>
+    <dgm:sp3d/>
+    <dgm:txPr/>
+    <dgm:style>
+      <a:lnRef idx="2">
+        <a:scrgbClr r="0" g="0" b="0"/>
+      </a:lnRef>
+      <a:fillRef idx="1">
+        <a:scrgbClr r="0" g="0" b="0"/>
+      </a:fillRef>
+      <a:effectRef idx="0">
+        <a:scrgbClr r="0" g="0" b="0"/>
+      </a:effectRef>
+      <a:fontRef idx="minor">
+        <a:schemeClr val="lt1"/>
+      </a:fontRef>
+    </dgm:style>
+  </dgm:styleLbl>
+  <dgm:styleLbl name="parChTrans2D1">
+    <dgm:scene3d>
+      <a:camera prst="orthographicFront"/>
+      <a:lightRig rig="threePt" dir="t"/>
+    </dgm:scene3d>
+    <dgm:sp3d/>
+    <dgm:txPr/>
+    <dgm:style>
+      <a:lnRef idx="2">
+        <a:scrgbClr r="0" g="0" b="0"/>
+      </a:lnRef>
+      <a:fillRef idx="1">
+        <a:scrgbClr r="0" g="0" b="0"/>
+      </a:fillRef>
+      <a:effectRef idx="0">
+        <a:scrgbClr r="0" g="0" b="0"/>
+      </a:effectRef>
+      <a:fontRef idx="minor">
+        <a:schemeClr val="lt1"/>
+      </a:fontRef>
+    </dgm:style>
+  </dgm:styleLbl>
+  <dgm:styleLbl name="parChTrans2D2">
+    <dgm:scene3d>
+      <a:camera prst="orthographicFront"/>
+      <a:lightRig rig="threePt" dir="t"/>
+    </dgm:scene3d>
+    <dgm:sp3d/>
+    <dgm:txPr/>
+    <dgm:style>
+      <a:lnRef idx="2">
+        <a:scrgbClr r="0" g="0" b="0"/>
+      </a:lnRef>
+      <a:fillRef idx="1">
+        <a:scrgbClr r="0" g="0" b="0"/>
+      </a:fillRef>
+      <a:effectRef idx="0">
+        <a:scrgbClr r="0" g="0" b="0"/>
+      </a:effectRef>
+      <a:fontRef idx="minor">
+        <a:schemeClr val="lt1"/>
+      </a:fontRef>
+    </dgm:style>
+  </dgm:styleLbl>
+  <dgm:styleLbl name="parChTrans2D3">
+    <dgm:scene3d>
+      <a:camera prst="orthographicFront"/>
+      <a:lightRig rig="threePt" dir="t"/>
+    </dgm:scene3d>
+    <dgm:sp3d/>
+    <dgm:txPr/>
+    <dgm:style>
+      <a:lnRef idx="2">
+        <a:scrgbClr r="0" g="0" b="0"/>
+      </a:lnRef>
+      <a:fillRef idx="1">
+        <a:scrgbClr r="0" g="0" b="0"/>
+      </a:fillRef>
+      <a:effectRef idx="0">
+        <a:scrgbClr r="0" g="0" b="0"/>
+      </a:effectRef>
+      <a:fontRef idx="minor">
+        <a:schemeClr val="lt1"/>
+      </a:fontRef>
+    </dgm:style>
+  </dgm:styleLbl>
+  <dgm:styleLbl name="parChTrans2D4">
+    <dgm:scene3d>
+      <a:camera prst="orthographicFront"/>
+      <a:lightRig rig="threePt" dir="t"/>
+    </dgm:scene3d>
+    <dgm:sp3d/>
+    <dgm:txPr/>
+    <dgm:style>
+      <a:lnRef idx="2">
+        <a:scrgbClr r="0" g="0" b="0"/>
+      </a:lnRef>
+      <a:fillRef idx="1">
+        <a:scrgbClr r="0" g="0" b="0"/>
+      </a:fillRef>
+      <a:effectRef idx="0">
+        <a:scrgbClr r="0" g="0" b="0"/>
+      </a:effectRef>
+      <a:fontRef idx="minor">
+        <a:schemeClr val="lt1"/>
+      </a:fontRef>
+    </dgm:style>
+  </dgm:styleLbl>
+  <dgm:styleLbl name="parChTrans1D1">
+    <dgm:scene3d>
+      <a:camera prst="orthographicFront"/>
+      <a:lightRig rig="threePt" dir="t"/>
+    </dgm:scene3d>
+    <dgm:sp3d/>
+    <dgm:txPr/>
+    <dgm:style>
+      <a:lnRef idx="2">
+        <a:scrgbClr r="0" g="0" b="0"/>
+      </a:lnRef>
+      <a:fillRef idx="0">
+        <a:scrgbClr r="0" g="0" b="0"/>
+      </a:fillRef>
+      <a:effectRef idx="0">
+        <a:scrgbClr r="0" g="0" b="0"/>
+      </a:effectRef>
+      <a:fontRef idx="minor"/>
+    </dgm:style>
+  </dgm:styleLbl>
+  <dgm:styleLbl name="parChTrans1D2">
+    <dgm:scene3d>
+      <a:camera prst="orthographicFront"/>
+      <a:lightRig rig="threePt" dir="t"/>
+    </dgm:scene3d>
+    <dgm:sp3d/>
+    <dgm:txPr/>
+    <dgm:style>
+      <a:lnRef idx="2">
+        <a:scrgbClr r="0" g="0" b="0"/>
+      </a:lnRef>
+      <a:fillRef idx="0">
+        <a:scrgbClr r="0" g="0" b="0"/>
+      </a:fillRef>
+      <a:effectRef idx="0">
+        <a:scrgbClr r="0" g="0" b="0"/>
+      </a:effectRef>
+      <a:fontRef idx="minor"/>
+    </dgm:style>
+  </dgm:styleLbl>
+  <dgm:styleLbl name="parChTrans1D3">
+    <dgm:scene3d>
+      <a:camera prst="orthographicFront"/>
+      <a:lightRig rig="threePt" dir="t"/>
+    </dgm:scene3d>
+    <dgm:sp3d/>
+    <dgm:txPr/>
+    <dgm:style>
+      <a:lnRef idx="2">
+        <a:scrgbClr r="0" g="0" b="0"/>
+      </a:lnRef>
+      <a:fillRef idx="0">
+        <a:scrgbClr r="0" g="0" b="0"/>
+      </a:fillRef>
+      <a:effectRef idx="0">
+        <a:scrgbClr r="0" g="0" b="0"/>
+      </a:effectRef>
+      <a:fontRef idx="minor"/>
+    </dgm:style>
+  </dgm:styleLbl>
+  <dgm:styleLbl name="parChTrans1D4">
+    <dgm:scene3d>
+      <a:camera prst="orthographicFront"/>
+      <a:lightRig rig="threePt" dir="t"/>
+    </dgm:scene3d>
+    <dgm:sp3d/>
+    <dgm:txPr/>
+    <dgm:style>
+      <a:lnRef idx="2">
+        <a:scrgbClr r="0" g="0" b="0"/>
+      </a:lnRef>
+      <a:fillRef idx="0">
+        <a:scrgbClr r="0" g="0" b="0"/>
+      </a:fillRef>
+      <a:effectRef idx="0">
+        <a:scrgbClr r="0" g="0" b="0"/>
+      </a:effectRef>
+      <a:fontRef idx="minor"/>
+    </dgm:style>
+  </dgm:styleLbl>
+  <dgm:styleLbl name="fgAcc1">
+    <dgm:scene3d>
+      <a:camera prst="orthographicFront"/>
+      <a:lightRig rig="threePt" dir="t"/>
+    </dgm:scene3d>
+    <dgm:sp3d/>
+    <dgm:txPr/>
+    <dgm:style>
+      <a:lnRef idx="2">
+        <a:scrgbClr r="0" g="0" b="0"/>
+      </a:lnRef>
+      <a:fillRef idx="1">
+        <a:scrgbClr r="0" g="0" b="0"/>
+      </a:fillRef>
+      <a:effectRef idx="0">
+        <a:scrgbClr r="0" g="0" b="0"/>
+      </a:effectRef>
+      <a:fontRef idx="minor"/>
+    </dgm:style>
+  </dgm:styleLbl>
+  <dgm:styleLbl name="conFgAcc1">
+    <dgm:scene3d>
+      <a:camera prst="orthographicFront"/>
+      <a:lightRig rig="threePt" dir="t"/>
+    </dgm:scene3d>
+    <dgm:sp3d/>
+    <dgm:txPr/>
+    <dgm:style>
+      <a:lnRef idx="2">
+        <a:scrgbClr r="0" g="0" b="0"/>
+      </a:lnRef>
+      <a:fillRef idx="1">
+        <a:scrgbClr r="0" g="0" b="0"/>
+      </a:fillRef>
+      <a:effectRef idx="0">
+        <a:scrgbClr r="0" g="0" b="0"/>
+      </a:effectRef>
+      <a:fontRef idx="minor"/>
+    </dgm:style>
+  </dgm:styleLbl>
+  <dgm:styleLbl name="alignAcc1">
+    <dgm:scene3d>
+      <a:camera prst="orthographicFront"/>
+      <a:lightRig rig="threePt" dir="t"/>
+    </dgm:scene3d>
+    <dgm:sp3d/>
+    <dgm:txPr/>
+    <dgm:style>
+      <a:lnRef idx="2">
+        <a:scrgbClr r="0" g="0" b="0"/>
+      </a:lnRef>
+      <a:fillRef idx="1">
+        <a:scrgbClr r="0" g="0" b="0"/>
+      </a:fillRef>
+      <a:effectRef idx="0">
+        <a:scrgbClr r="0" g="0" b="0"/>
+      </a:effectRef>
+      <a:fontRef idx="minor"/>
+    </dgm:style>
+  </dgm:styleLbl>
+  <dgm:styleLbl name="trAlignAcc1">
+    <dgm:scene3d>
+      <a:camera prst="orthographicFront"/>
+      <a:lightRig rig="threePt" dir="t"/>
+    </dgm:scene3d>
+    <dgm:sp3d/>
+    <dgm:txPr/>
+    <dgm:style>
+      <a:lnRef idx="1">
+        <a:scrgbClr r="0" g="0" b="0"/>
+      </a:lnRef>
+      <a:fillRef idx="1">
+        <a:scrgbClr r="0" g="0" b="0"/>
+      </a:fillRef>
+      <a:effectRef idx="0">
+        <a:scrgbClr r="0" g="0" b="0"/>
+      </a:effectRef>
+      <a:fontRef idx="minor"/>
+    </dgm:style>
+  </dgm:styleLbl>
+  <dgm:styleLbl name="bgAcc1">
+    <dgm:scene3d>
+      <a:camera prst="orthographicFront"/>
+      <a:lightRig rig="threePt" dir="t"/>
+    </dgm:scene3d>
+    <dgm:sp3d/>
+    <dgm:txPr/>
+    <dgm:style>
+      <a:lnRef idx="2">
+        <a:scrgbClr r="0" g="0" b="0"/>
+      </a:lnRef>
+      <a:fillRef idx="1">
+        <a:scrgbClr r="0" g="0" b="0"/>
+      </a:fillRef>
+      <a:effectRef idx="0">
+        <a:scrgbClr r="0" g="0" b="0"/>
+      </a:effectRef>
+      <a:fontRef idx="minor"/>
+    </dgm:style>
+  </dgm:styleLbl>
+  <dgm:styleLbl name="solidFgAcc1">
+    <dgm:scene3d>
+      <a:camera prst="orthographicFront"/>
+      <a:lightRig rig="threePt" dir="t"/>
+    </dgm:scene3d>
+    <dgm:sp3d/>
+    <dgm:txPr/>
+    <dgm:style>
+      <a:lnRef idx="2">
+        <a:scrgbClr r="0" g="0" b="0"/>
+      </a:lnRef>
+      <a:fillRef idx="1">
+        <a:scrgbClr r="0" g="0" b="0"/>
+      </a:fillRef>
+      <a:effectRef idx="0">
+        <a:scrgbClr r="0" g="0" b="0"/>
+      </a:effectRef>
+      <a:fontRef idx="minor"/>
+    </dgm:style>
+  </dgm:styleLbl>
+  <dgm:styleLbl name="solidAlignAcc1">
+    <dgm:scene3d>
+      <a:camera prst="orthographicFront"/>
+      <a:lightRig rig="threePt" dir="t"/>
+    </dgm:scene3d>
+    <dgm:sp3d/>
+    <dgm:txPr/>
+    <dgm:style>
+      <a:lnRef idx="2">
+        <a:scrgbClr r="0" g="0" b="0"/>
+      </a:lnRef>
+      <a:fillRef idx="1">
+        <a:scrgbClr r="0" g="0" b="0"/>
+      </a:fillRef>
+      <a:effectRef idx="0">
+        <a:scrgbClr r="0" g="0" b="0"/>
+      </a:effectRef>
+      <a:fontRef idx="minor"/>
+    </dgm:style>
+  </dgm:styleLbl>
+  <dgm:styleLbl name="solidBgAcc1">
+    <dgm:scene3d>
+      <a:camera prst="orthographicFront"/>
+      <a:lightRig rig="threePt" dir="t"/>
+    </dgm:scene3d>
+    <dgm:sp3d/>
+    <dgm:txPr/>
+    <dgm:style>
+      <a:lnRef idx="2">
+        <a:scrgbClr r="0" g="0" b="0"/>
+      </a:lnRef>
+      <a:fillRef idx="1">
+        <a:scrgbClr r="0" g="0" b="0"/>
+      </a:fillRef>
+      <a:effectRef idx="0">
+        <a:scrgbClr r="0" g="0" b="0"/>
+      </a:effectRef>
+      <a:fontRef idx="minor"/>
+    </dgm:style>
+  </dgm:styleLbl>
+  <dgm:styleLbl name="fgAccFollowNode1">
+    <dgm:scene3d>
+      <a:camera prst="orthographicFront"/>
+      <a:lightRig rig="threePt" dir="t"/>
+    </dgm:scene3d>
+    <dgm:sp3d/>
+    <dgm:txPr/>
+    <dgm:style>
+      <a:lnRef idx="2">
+        <a:scrgbClr r="0" g="0" b="0"/>
+      </a:lnRef>
+      <a:fillRef idx="1">
+        <a:scrgbClr r="0" g="0" b="0"/>
+      </a:fillRef>
+      <a:effectRef idx="0">
+        <a:scrgbClr r="0" g="0" b="0"/>
+      </a:effectRef>
+      <a:fontRef idx="minor"/>
+    </dgm:style>
+  </dgm:styleLbl>
+  <dgm:styleLbl name="alignAccFollowNode1">
+    <dgm:scene3d>
+      <a:camera prst="orthographicFront"/>
+      <a:lightRig rig="threePt" dir="t"/>
+    </dgm:scene3d>
+    <dgm:sp3d/>
+    <dgm:txPr/>
+    <dgm:style>
+      <a:lnRef idx="2">
+        <a:scrgbClr r="0" g="0" b="0"/>
+      </a:lnRef>
+      <a:fillRef idx="1">
+        <a:scrgbClr r="0" g="0" b="0"/>
+      </a:fillRef>
+      <a:effectRef idx="0">
+        <a:scrgbClr r="0" g="0" b="0"/>
+      </a:effectRef>
+      <a:fontRef idx="minor"/>
+    </dgm:style>
+  </dgm:styleLbl>
+  <dgm:styleLbl name="bgAccFollowNode1">
+    <dgm:scene3d>
+      <a:camera prst="orthographicFront"/>
+      <a:lightRig rig="threePt" dir="t"/>
+    </dgm:scene3d>
+    <dgm:sp3d/>
+    <dgm:txPr/>
+    <dgm:style>
+      <a:lnRef idx="2">
+        <a:scrgbClr r="0" g="0" b="0"/>
+      </a:lnRef>
+      <a:fillRef idx="1">
+        <a:scrgbClr r="0" g="0" b="0"/>
+      </a:fillRef>
+      <a:effectRef idx="0">
+        <a:scrgbClr r="0" g="0" b="0"/>
+      </a:effectRef>
+      <a:fontRef idx="minor"/>
+    </dgm:style>
+  </dgm:styleLbl>
+  <dgm:styleLbl name="fgAcc0">
+    <dgm:scene3d>
+      <a:camera prst="orthographicFront"/>
+      <a:lightRig rig="threePt" dir="t"/>
+    </dgm:scene3d>
+    <dgm:sp3d/>
+    <dgm:txPr/>
+    <dgm:style>
+      <a:lnRef idx="2">
+        <a:scrgbClr r="0" g="0" b="0"/>
+      </a:lnRef>
+      <a:fillRef idx="1">
+        <a:scrgbClr r="0" g="0" b="0"/>
+      </a:fillRef>
+      <a:effectRef idx="0">
+        <a:scrgbClr r="0" g="0" b="0"/>
+      </a:effectRef>
+      <a:fontRef idx="minor"/>
+    </dgm:style>
+  </dgm:styleLbl>
+  <dgm:styleLbl name="fgAcc2">
+    <dgm:scene3d>
+      <a:camera prst="orthographicFront"/>
+      <a:lightRig rig="threePt" dir="t"/>
+    </dgm:scene3d>
+    <dgm:sp3d/>
+    <dgm:txPr/>
+    <dgm:style>
+      <a:lnRef idx="2">
+        <a:scrgbClr r="0" g="0" b="0"/>
+      </a:lnRef>
+      <a:fillRef idx="1">
+        <a:scrgbClr r="0" g="0" b="0"/>
+      </a:fillRef>
+      <a:effectRef idx="0">
+        <a:scrgbClr r="0" g="0" b="0"/>
+      </a:effectRef>
+      <a:fontRef idx="minor"/>
+    </dgm:style>
+  </dgm:styleLbl>
+  <dgm:styleLbl name="fgAcc3">
+    <dgm:scene3d>
+      <a:camera prst="orthographicFront"/>
+      <a:lightRig rig="threePt" dir="t"/>
+    </dgm:scene3d>
+    <dgm:sp3d/>
+    <dgm:txPr/>
+    <dgm:style>
+      <a:lnRef idx="2">
+        <a:scrgbClr r="0" g="0" b="0"/>
+      </a:lnRef>
+      <a:fillRef idx="1">
+        <a:scrgbClr r="0" g="0" b="0"/>
+      </a:fillRef>
+      <a:effectRef idx="0">
+        <a:scrgbClr r="0" g="0" b="0"/>
+      </a:effectRef>
+      <a:fontRef idx="minor"/>
+    </dgm:style>
+  </dgm:styleLbl>
+  <dgm:styleLbl name="fgAcc4">
+    <dgm:scene3d>
+      <a:camera prst="orthographicFront"/>
+      <a:lightRig rig="threePt" dir="t"/>
+    </dgm:scene3d>
+    <dgm:sp3d/>
+    <dgm:txPr/>
+    <dgm:style>
+      <a:lnRef idx="2">
+        <a:scrgbClr r="0" g="0" b="0"/>
+      </a:lnRef>
+      <a:fillRef idx="1">
+        <a:scrgbClr r="0" g="0" b="0"/>
+      </a:fillRef>
+      <a:effectRef idx="0">
+        <a:scrgbClr r="0" g="0" b="0"/>
+      </a:effectRef>
+      <a:fontRef idx="minor"/>
+    </dgm:style>
+  </dgm:styleLbl>
+  <dgm:styleLbl name="bgShp">
+    <dgm:scene3d>
+      <a:camera prst="orthographicFront"/>
+      <a:lightRig rig="threePt" dir="t"/>
+    </dgm:scene3d>
+    <dgm:sp3d/>
+    <dgm:txPr/>
+    <dgm:style>
+      <a:lnRef idx="0">
+        <a:scrgbClr r="0" g="0" b="0"/>
+      </a:lnRef>
+      <a:fillRef idx="1">
+        <a:scrgbClr r="0" g="0" b="0"/>
+      </a:fillRef>
+      <a:effectRef idx="0">
+        <a:scrgbClr r="0" g="0" b="0"/>
+      </a:effectRef>
+      <a:fontRef idx="minor"/>
+    </dgm:style>
+  </dgm:styleLbl>
+  <dgm:styleLbl name="dkBgShp">
+    <dgm:scene3d>
+      <a:camera prst="orthographicFront"/>
+      <a:lightRig rig="threePt" dir="t"/>
+    </dgm:scene3d>
+    <dgm:sp3d/>
+    <dgm:txPr/>
+    <dgm:style>
+      <a:lnRef idx="0">
+        <a:scrgbClr r="0" g="0" b="0"/>
+      </a:lnRef>
+      <a:fillRef idx="1">
+        <a:scrgbClr r="0" g="0" b="0"/>
+      </a:fillRef>
+      <a:effectRef idx="0">
+        <a:scrgbClr r="0" g="0" b="0"/>
+      </a:effectRef>
+      <a:fontRef idx="minor"/>
+    </dgm:style>
+  </dgm:styleLbl>
+  <dgm:styleLbl name="trBgShp">
+    <dgm:scene3d>
+      <a:camera prst="orthographicFront"/>
+      <a:lightRig rig="threePt" dir="t"/>
+    </dgm:scene3d>
+    <dgm:sp3d/>
+    <dgm:txPr/>
+    <dgm:style>
+      <a:lnRef idx="0">
+        <a:scrgbClr r="0" g="0" b="0"/>
+      </a:lnRef>
+      <a:fillRef idx="1">
+        <a:scrgbClr r="0" g="0" b="0"/>
+      </a:fillRef>
+      <a:effectRef idx="0">
+        <a:scrgbClr r="0" g="0" b="0"/>
+      </a:effectRef>
+      <a:fontRef idx="minor"/>
+    </dgm:style>
+  </dgm:styleLbl>
+  <dgm:styleLbl name="fgShp">
+    <dgm:scene3d>
+      <a:camera prst="orthographicFront"/>
+      <a:lightRig rig="threePt" dir="t"/>
+    </dgm:scene3d>
+    <dgm:sp3d/>
+    <dgm:txPr/>
+    <dgm:style>
+      <a:lnRef idx="2">
+        <a:scrgbClr r="0" g="0" b="0"/>
+      </a:lnRef>
+      <a:fillRef idx="1">
+        <a:scrgbClr r="0" g="0" b="0"/>
+      </a:fillRef>
+      <a:effectRef idx="0">
+        <a:scrgbClr r="0" g="0" b="0"/>
+      </a:effectRef>
+      <a:fontRef idx="minor"/>
+    </dgm:style>
+  </dgm:styleLbl>
+  <dgm:styleLbl name="revTx">
+    <dgm:scene3d>
+      <a:camera prst="orthographicFront"/>
+      <a:lightRig rig="threePt" dir="t"/>
+    </dgm:scene3d>
+    <dgm:sp3d/>
+    <dgm:txPr/>
+    <dgm:style>
+      <a:lnRef idx="0">
+        <a:scrgbClr r="0" g="0" b="0"/>
+      </a:lnRef>
+      <a:fillRef idx="0">
+        <a:scrgbClr r="0" g="0" b="0"/>
+      </a:fillRef>
+      <a:effectRef idx="0">
+        <a:scrgbClr r="0" g="0" b="0"/>
+      </a:effectRef>
+      <a:fontRef idx="minor"/>
+    </dgm:style>
+  </dgm:styleLbl>
+</dgm:styleDef>
+</file>
+
 <file path=ppt/slideLayouts/slideLayout1.xml><?xml version="1.0" encoding="utf-8"?>
 <p:sldLayout xmlns:a="http://schemas.openxmlformats.org/drawingml/2006/main" xmlns:r="http://schemas.openxmlformats.org/officeDocument/2006/relationships" xmlns:p="http://schemas.openxmlformats.org/presentationml/2006/main" type="title" preserve="1">
   <p:cSld name="Titelfolie">
@@ -5756,8 +9418,9 @@
             </a:lvl1pPr>
           </a:lstStyle>
           <a:p>
-            <a:fld id="{D57F1E4F-1CFF-5643-939E-02111984F565}" type="slidenum">
+            <a:fld id="{1F646D36-62A4-41DD-9983-DF447FF26602}" type="slidenum">
               <a:rPr lang="en-US" smtClean="0"/>
+              <a:pPr/>
               <a:t>‹Nr.›</a:t>
             </a:fld>
             <a:endParaRPr lang="en-US" dirty="0"/>
@@ -5787,7 +9450,7 @@
         <p:spPr>
           <a:xfrm>
             <a:off x="10137896" y="5652770"/>
-            <a:ext cx="1487146" cy="1062248"/>
+            <a:ext cx="1487146" cy="1062247"/>
           </a:xfrm>
           <a:prstGeom prst="rect">
             <a:avLst/>
@@ -6276,8 +9939,8 @@
         </p:blipFill>
         <p:spPr>
           <a:xfrm>
-            <a:off x="1537492" y="1785668"/>
-            <a:ext cx="7997889" cy="2913621"/>
+            <a:off x="1537492" y="1909497"/>
+            <a:ext cx="7997889" cy="2665962"/>
           </a:xfrm>
           <a:prstGeom prst="rect">
             <a:avLst/>
@@ -6323,6 +9986,177 @@
       </p:grpSpPr>
       <p:sp>
         <p:nvSpPr>
+          <p:cNvPr id="2" name="Titel 1"/>
+          <p:cNvSpPr>
+            <a:spLocks noGrp="1"/>
+          </p:cNvSpPr>
+          <p:nvPr>
+            <p:ph type="title"/>
+          </p:nvPr>
+        </p:nvSpPr>
+        <p:spPr/>
+        <p:txBody>
+          <a:bodyPr/>
+          <a:lstStyle/>
+          <a:p>
+            <a:r>
+              <a:rPr lang="de-DE" dirty="0" smtClean="0"/>
+              <a:t>Anwendungsidee</a:t>
+            </a:r>
+            <a:endParaRPr lang="de-DE" dirty="0"/>
+          </a:p>
+        </p:txBody>
+      </p:sp>
+      <p:graphicFrame>
+        <p:nvGraphicFramePr>
+          <p:cNvPr id="10" name="Diagramm 9"/>
+          <p:cNvGraphicFramePr/>
+          <p:nvPr>
+            <p:extLst>
+              <p:ext uri="{D42A27DB-BD31-4B8C-83A1-F6EECF244321}">
+                <p14:modId xmlns:p14="http://schemas.microsoft.com/office/powerpoint/2010/main" val="3489437636"/>
+              </p:ext>
+            </p:extLst>
+          </p:nvPr>
+        </p:nvGraphicFramePr>
+        <p:xfrm>
+          <a:off x="1712822" y="1125107"/>
+          <a:ext cx="8128000" cy="5418667"/>
+        </p:xfrm>
+        <a:graphic>
+          <a:graphicData uri="http://schemas.openxmlformats.org/drawingml/2006/diagram">
+            <dgm:relIds xmlns:dgm="http://schemas.openxmlformats.org/drawingml/2006/diagram" xmlns:r="http://schemas.openxmlformats.org/officeDocument/2006/relationships" r:dm="rId2" r:lo="rId3" r:qs="rId4" r:cs="rId5"/>
+          </a:graphicData>
+        </a:graphic>
+      </p:graphicFrame>
+    </p:spTree>
+    <p:extLst>
+      <p:ext uri="{BB962C8B-B14F-4D97-AF65-F5344CB8AC3E}">
+        <p14:creationId xmlns:p14="http://schemas.microsoft.com/office/powerpoint/2010/main" val="1271040990"/>
+      </p:ext>
+    </p:extLst>
+  </p:cSld>
+  <p:clrMapOvr>
+    <a:masterClrMapping/>
+  </p:clrMapOvr>
+</p:sld>
+</file>
+
+<file path=ppt/slides/slide3.xml><?xml version="1.0" encoding="utf-8"?>
+<p:sld xmlns:a="http://schemas.openxmlformats.org/drawingml/2006/main" xmlns:r="http://schemas.openxmlformats.org/officeDocument/2006/relationships" xmlns:p="http://schemas.openxmlformats.org/presentationml/2006/main">
+  <p:cSld>
+    <p:spTree>
+      <p:nvGrpSpPr>
+        <p:cNvPr id="1" name=""/>
+        <p:cNvGrpSpPr/>
+        <p:nvPr/>
+      </p:nvGrpSpPr>
+      <p:grpSpPr>
+        <a:xfrm>
+          <a:off x="0" y="0"/>
+          <a:ext cx="0" cy="0"/>
+          <a:chOff x="0" y="0"/>
+          <a:chExt cx="0" cy="0"/>
+        </a:xfrm>
+      </p:grpSpPr>
+      <p:sp>
+        <p:nvSpPr>
+          <p:cNvPr id="2" name="Titel 1"/>
+          <p:cNvSpPr>
+            <a:spLocks noGrp="1"/>
+          </p:cNvSpPr>
+          <p:nvPr>
+            <p:ph type="title"/>
+          </p:nvPr>
+        </p:nvSpPr>
+        <p:spPr/>
+        <p:txBody>
+          <a:bodyPr/>
+          <a:lstStyle/>
+          <a:p>
+            <a:r>
+              <a:rPr lang="de-DE" dirty="0" smtClean="0"/>
+              <a:t>Funktionalitäten</a:t>
+            </a:r>
+            <a:endParaRPr lang="de-DE" dirty="0"/>
+          </a:p>
+        </p:txBody>
+      </p:sp>
+      <p:pic>
+        <p:nvPicPr>
+          <p:cNvPr id="1026" name="Picture 2" descr="https://atomic.io/assets/images/meta/open-graph-atomic-logo-big.ede0974a.png">
+            <a:hlinkClick r:id="rId2"/>
+          </p:cNvPr>
+          <p:cNvPicPr>
+            <a:picLocks noChangeAspect="1" noChangeArrowheads="1"/>
+          </p:cNvPicPr>
+          <p:nvPr/>
+        </p:nvPicPr>
+        <p:blipFill>
+          <a:blip r:embed="rId3">
+            <a:extLst>
+              <a:ext uri="{28A0092B-C50C-407E-A947-70E740481C1C}">
+                <a14:useLocalDpi xmlns:a14="http://schemas.microsoft.com/office/drawing/2010/main" val="0"/>
+              </a:ext>
+            </a:extLst>
+          </a:blip>
+          <a:srcRect/>
+          <a:stretch>
+            <a:fillRect/>
+          </a:stretch>
+        </p:blipFill>
+        <p:spPr bwMode="auto">
+          <a:xfrm>
+            <a:off x="4192437" y="2400075"/>
+            <a:ext cx="3330096" cy="2497572"/>
+          </a:xfrm>
+          <a:prstGeom prst="rect">
+            <a:avLst/>
+          </a:prstGeom>
+          <a:noFill/>
+          <a:extLst>
+            <a:ext uri="{909E8E84-426E-40DD-AFC4-6F175D3DCCD1}">
+              <a14:hiddenFill xmlns:a14="http://schemas.microsoft.com/office/drawing/2010/main">
+                <a:solidFill>
+                  <a:srgbClr val="FFFFFF"/>
+                </a:solidFill>
+              </a14:hiddenFill>
+            </a:ext>
+          </a:extLst>
+        </p:spPr>
+      </p:pic>
+    </p:spTree>
+    <p:extLst>
+      <p:ext uri="{BB962C8B-B14F-4D97-AF65-F5344CB8AC3E}">
+        <p14:creationId xmlns:p14="http://schemas.microsoft.com/office/powerpoint/2010/main" val="103288615"/>
+      </p:ext>
+    </p:extLst>
+  </p:cSld>
+  <p:clrMapOvr>
+    <a:masterClrMapping/>
+  </p:clrMapOvr>
+</p:sld>
+</file>
+
+<file path=ppt/slides/slide4.xml><?xml version="1.0" encoding="utf-8"?>
+<p:sld xmlns:a="http://schemas.openxmlformats.org/drawingml/2006/main" xmlns:r="http://schemas.openxmlformats.org/officeDocument/2006/relationships" xmlns:p="http://schemas.openxmlformats.org/presentationml/2006/main">
+  <p:cSld>
+    <p:spTree>
+      <p:nvGrpSpPr>
+        <p:cNvPr id="1" name=""/>
+        <p:cNvGrpSpPr/>
+        <p:nvPr/>
+      </p:nvGrpSpPr>
+      <p:grpSpPr>
+        <a:xfrm>
+          <a:off x="0" y="0"/>
+          <a:ext cx="0" cy="0"/>
+          <a:chOff x="0" y="0"/>
+          <a:chExt cx="0" cy="0"/>
+        </a:xfrm>
+      </p:grpSpPr>
+      <p:sp>
+        <p:nvSpPr>
           <p:cNvPr id="74" name="Rechteck 73"/>
           <p:cNvSpPr/>
           <p:nvPr/>
@@ -6466,7 +10300,7 @@
         </p:blipFill>
         <p:spPr>
           <a:xfrm>
-            <a:off x="8483317" y="3997837"/>
+            <a:off x="8483317" y="2430296"/>
             <a:ext cx="2747013" cy="1482201"/>
           </a:xfrm>
           <a:prstGeom prst="rect">
@@ -7353,7 +11187,7 @@
         </p:nvCxnSpPr>
         <p:spPr>
           <a:xfrm flipH="1" flipV="1">
-            <a:off x="7590553" y="4738937"/>
+            <a:off x="7590553" y="3171396"/>
             <a:ext cx="892764" cy="1"/>
           </a:xfrm>
           <a:prstGeom prst="straightConnector1">
@@ -7509,15 +11343,424 @@
           </a:p>
         </p:txBody>
       </p:sp>
+    </p:spTree>
+    <p:extLst>
+      <p:ext uri="{BB962C8B-B14F-4D97-AF65-F5344CB8AC3E}">
+        <p14:creationId xmlns:p14="http://schemas.microsoft.com/office/powerpoint/2010/main" val="1421850581"/>
+      </p:ext>
+    </p:extLst>
+  </p:cSld>
+  <p:clrMapOvr>
+    <a:masterClrMapping/>
+  </p:clrMapOvr>
+</p:sld>
+</file>
+
+<file path=ppt/slides/slide5.xml><?xml version="1.0" encoding="utf-8"?>
+<p:sld xmlns:a="http://schemas.openxmlformats.org/drawingml/2006/main" xmlns:r="http://schemas.openxmlformats.org/officeDocument/2006/relationships" xmlns:p="http://schemas.openxmlformats.org/presentationml/2006/main">
+  <p:cSld>
+    <p:spTree>
+      <p:nvGrpSpPr>
+        <p:cNvPr id="1" name=""/>
+        <p:cNvGrpSpPr/>
+        <p:nvPr/>
+      </p:nvGrpSpPr>
+      <p:grpSpPr>
+        <a:xfrm>
+          <a:off x="0" y="0"/>
+          <a:ext cx="0" cy="0"/>
+          <a:chOff x="0" y="0"/>
+          <a:chExt cx="0" cy="0"/>
+        </a:xfrm>
+      </p:grpSpPr>
+      <p:sp>
+        <p:nvSpPr>
+          <p:cNvPr id="2" name="Titel 1"/>
+          <p:cNvSpPr>
+            <a:spLocks noGrp="1"/>
+          </p:cNvSpPr>
+          <p:nvPr>
+            <p:ph type="title"/>
+          </p:nvPr>
+        </p:nvSpPr>
+        <p:spPr/>
+        <p:txBody>
+          <a:bodyPr/>
+          <a:lstStyle/>
+          <a:p>
+            <a:r>
+              <a:rPr lang="de-DE" dirty="0" smtClean="0"/>
+              <a:t>Entwurf der Software</a:t>
+            </a:r>
+            <a:endParaRPr lang="de-DE" dirty="0"/>
+          </a:p>
+        </p:txBody>
+      </p:sp>
+      <p:pic>
+        <p:nvPicPr>
+          <p:cNvPr id="5" name="Grafik 4"/>
+          <p:cNvPicPr>
+            <a:picLocks noChangeAspect="1"/>
+          </p:cNvPicPr>
+          <p:nvPr/>
+        </p:nvPicPr>
+        <p:blipFill>
+          <a:blip r:embed="rId2">
+            <a:extLst>
+              <a:ext uri="{28A0092B-C50C-407E-A947-70E740481C1C}">
+                <a14:useLocalDpi xmlns:a14="http://schemas.microsoft.com/office/drawing/2010/main" val="0"/>
+              </a:ext>
+            </a:extLst>
+          </a:blip>
+          <a:stretch>
+            <a:fillRect/>
+          </a:stretch>
+        </p:blipFill>
+        <p:spPr>
+          <a:xfrm>
+            <a:off x="4192438" y="1275631"/>
+            <a:ext cx="2877988" cy="1552871"/>
+          </a:xfrm>
+          <a:prstGeom prst="rect">
+            <a:avLst/>
+          </a:prstGeom>
+        </p:spPr>
+      </p:pic>
+      <p:sp>
+        <p:nvSpPr>
+          <p:cNvPr id="7" name="Abgerundetes Rechteck 6"/>
+          <p:cNvSpPr/>
+          <p:nvPr/>
+        </p:nvSpPr>
+        <p:spPr>
+          <a:xfrm>
+            <a:off x="3064749" y="2803486"/>
+            <a:ext cx="1788607" cy="1396721"/>
+          </a:xfrm>
+          <a:prstGeom prst="roundRect">
+            <a:avLst/>
+          </a:prstGeom>
+        </p:spPr>
+        <p:style>
+          <a:lnRef idx="2">
+            <a:schemeClr val="accent1">
+              <a:shade val="50000"/>
+            </a:schemeClr>
+          </a:lnRef>
+          <a:fillRef idx="1">
+            <a:schemeClr val="accent1"/>
+          </a:fillRef>
+          <a:effectRef idx="0">
+            <a:schemeClr val="accent1"/>
+          </a:effectRef>
+          <a:fontRef idx="minor">
+            <a:schemeClr val="lt1"/>
+          </a:fontRef>
+        </p:style>
+        <p:txBody>
+          <a:bodyPr rtlCol="0" anchor="ctr"/>
+          <a:lstStyle/>
+          <a:p>
+            <a:pPr algn="ctr"/>
+            <a:r>
+              <a:rPr lang="de-DE" b="1" dirty="0" smtClean="0"/>
+              <a:t>User</a:t>
+            </a:r>
+          </a:p>
+          <a:p>
+            <a:pPr algn="ctr"/>
+            <a:r>
+              <a:rPr lang="de-DE" sz="1400" dirty="0" err="1" smtClean="0"/>
+              <a:t>id</a:t>
+            </a:r>
+            <a:endParaRPr lang="de-DE" sz="1400" dirty="0" smtClean="0"/>
+          </a:p>
+          <a:p>
+            <a:pPr algn="ctr"/>
+            <a:r>
+              <a:rPr lang="de-DE" sz="1400" dirty="0" err="1" smtClean="0"/>
+              <a:t>username</a:t>
+            </a:r>
+            <a:endParaRPr lang="de-DE" sz="1400" dirty="0" smtClean="0"/>
+          </a:p>
+          <a:p>
+            <a:pPr algn="ctr"/>
+            <a:r>
+              <a:rPr lang="de-DE" sz="1400" dirty="0" err="1"/>
+              <a:t>p</a:t>
+            </a:r>
+            <a:r>
+              <a:rPr lang="de-DE" sz="1400" dirty="0" err="1" smtClean="0"/>
+              <a:t>assword</a:t>
+            </a:r>
+            <a:endParaRPr lang="de-DE" sz="1400" dirty="0" smtClean="0"/>
+          </a:p>
+          <a:p>
+            <a:pPr algn="ctr"/>
+            <a:r>
+              <a:rPr lang="de-DE" sz="1400" dirty="0" err="1" smtClean="0"/>
+              <a:t>skills</a:t>
+            </a:r>
+            <a:endParaRPr lang="de-DE" sz="1400" dirty="0"/>
+          </a:p>
+        </p:txBody>
+      </p:sp>
+      <p:sp>
+        <p:nvSpPr>
+          <p:cNvPr id="8" name="Abgerundetes Rechteck 7"/>
+          <p:cNvSpPr/>
+          <p:nvPr/>
+        </p:nvSpPr>
+        <p:spPr>
+          <a:xfrm>
+            <a:off x="6216316" y="2803487"/>
+            <a:ext cx="1788607" cy="1396721"/>
+          </a:xfrm>
+          <a:prstGeom prst="roundRect">
+            <a:avLst/>
+          </a:prstGeom>
+        </p:spPr>
+        <p:style>
+          <a:lnRef idx="2">
+            <a:schemeClr val="accent1">
+              <a:shade val="50000"/>
+            </a:schemeClr>
+          </a:lnRef>
+          <a:fillRef idx="1">
+            <a:schemeClr val="accent1"/>
+          </a:fillRef>
+          <a:effectRef idx="0">
+            <a:schemeClr val="accent1"/>
+          </a:effectRef>
+          <a:fontRef idx="minor">
+            <a:schemeClr val="lt1"/>
+          </a:fontRef>
+        </p:style>
+        <p:txBody>
+          <a:bodyPr rtlCol="0" anchor="ctr"/>
+          <a:lstStyle/>
+          <a:p>
+            <a:pPr algn="ctr"/>
+            <a:r>
+              <a:rPr lang="de-DE" b="1" dirty="0" smtClean="0"/>
+              <a:t>Event</a:t>
+            </a:r>
+          </a:p>
+          <a:p>
+            <a:pPr algn="ctr"/>
+            <a:r>
+              <a:rPr lang="de-DE" sz="1400" dirty="0" err="1" smtClean="0"/>
+              <a:t>id</a:t>
+            </a:r>
+            <a:endParaRPr lang="de-DE" sz="1400" dirty="0" smtClean="0"/>
+          </a:p>
+          <a:p>
+            <a:pPr algn="ctr"/>
+            <a:r>
+              <a:rPr lang="de-DE" sz="1400" dirty="0" smtClean="0"/>
+              <a:t>title</a:t>
+            </a:r>
+          </a:p>
+          <a:p>
+            <a:pPr algn="ctr"/>
+            <a:r>
+              <a:rPr lang="de-DE" sz="1400" dirty="0" err="1" smtClean="0"/>
+              <a:t>description</a:t>
+            </a:r>
+            <a:endParaRPr lang="de-DE" sz="1400" dirty="0" smtClean="0"/>
+          </a:p>
+          <a:p>
+            <a:pPr algn="ctr"/>
+            <a:r>
+              <a:rPr lang="de-DE" sz="1400" dirty="0" err="1"/>
+              <a:t>p</a:t>
+            </a:r>
+            <a:r>
+              <a:rPr lang="de-DE" sz="1400" dirty="0" err="1" smtClean="0"/>
+              <a:t>osition</a:t>
+            </a:r>
+            <a:endParaRPr lang="de-DE" sz="1400" dirty="0" smtClean="0"/>
+          </a:p>
+          <a:p>
+            <a:pPr algn="ctr"/>
+            <a:r>
+              <a:rPr lang="de-DE" sz="1400" dirty="0" smtClean="0"/>
+              <a:t>type</a:t>
+            </a:r>
+            <a:endParaRPr lang="de-DE" sz="1400" dirty="0"/>
+          </a:p>
+        </p:txBody>
+      </p:sp>
+      <p:cxnSp>
+        <p:nvCxnSpPr>
+          <p:cNvPr id="10" name="Gerade Verbindung mit Pfeil 9"/>
+          <p:cNvCxnSpPr>
+            <a:stCxn id="7" idx="3"/>
+            <a:endCxn id="8" idx="1"/>
+          </p:cNvCxnSpPr>
+          <p:nvPr/>
+        </p:nvCxnSpPr>
+        <p:spPr>
+          <a:xfrm>
+            <a:off x="4853356" y="3501847"/>
+            <a:ext cx="1362960" cy="1"/>
+          </a:xfrm>
+          <a:prstGeom prst="straightConnector1">
+            <a:avLst/>
+          </a:prstGeom>
+          <a:ln w="117475">
+            <a:solidFill>
+              <a:schemeClr val="tx1"/>
+            </a:solidFill>
+            <a:headEnd type="triangle"/>
+            <a:tailEnd type="triangle"/>
+          </a:ln>
+        </p:spPr>
+        <p:style>
+          <a:lnRef idx="1">
+            <a:schemeClr val="accent1"/>
+          </a:lnRef>
+          <a:fillRef idx="0">
+            <a:schemeClr val="accent1"/>
+          </a:fillRef>
+          <a:effectRef idx="0">
+            <a:schemeClr val="accent1"/>
+          </a:effectRef>
+          <a:fontRef idx="minor">
+            <a:schemeClr val="tx1"/>
+          </a:fontRef>
+        </p:style>
+      </p:cxnSp>
+      <p:cxnSp>
+        <p:nvCxnSpPr>
+          <p:cNvPr id="12" name="Gerade Verbindung mit Pfeil 11"/>
+          <p:cNvCxnSpPr/>
+          <p:nvPr/>
+        </p:nvCxnSpPr>
+        <p:spPr>
+          <a:xfrm>
+            <a:off x="4232632" y="3989198"/>
+            <a:ext cx="2620344" cy="90435"/>
+          </a:xfrm>
+          <a:prstGeom prst="straightConnector1">
+            <a:avLst/>
+          </a:prstGeom>
+          <a:ln w="31750">
+            <a:solidFill>
+              <a:schemeClr val="tx1"/>
+            </a:solidFill>
+            <a:prstDash val="dash"/>
+            <a:headEnd type="triangle"/>
+            <a:tailEnd type="triangle"/>
+          </a:ln>
+        </p:spPr>
+        <p:style>
+          <a:lnRef idx="1">
+            <a:schemeClr val="accent1"/>
+          </a:lnRef>
+          <a:fillRef idx="0">
+            <a:schemeClr val="accent1"/>
+          </a:fillRef>
+          <a:effectRef idx="0">
+            <a:schemeClr val="accent1"/>
+          </a:effectRef>
+          <a:fontRef idx="minor">
+            <a:schemeClr val="tx1"/>
+          </a:fontRef>
+        </p:style>
+      </p:cxnSp>
+      <p:pic>
+        <p:nvPicPr>
+          <p:cNvPr id="15" name="Grafik 14"/>
+          <p:cNvPicPr>
+            <a:picLocks noChangeAspect="1"/>
+          </p:cNvPicPr>
+          <p:nvPr/>
+        </p:nvPicPr>
+        <p:blipFill>
+          <a:blip r:embed="rId3">
+            <a:extLst>
+              <a:ext uri="{28A0092B-C50C-407E-A947-70E740481C1C}">
+                <a14:useLocalDpi xmlns:a14="http://schemas.microsoft.com/office/drawing/2010/main" val="0"/>
+              </a:ext>
+            </a:extLst>
+          </a:blip>
+          <a:stretch>
+            <a:fillRect/>
+          </a:stretch>
+        </p:blipFill>
+        <p:spPr>
+          <a:xfrm>
+            <a:off x="4413946" y="4687557"/>
+            <a:ext cx="2439030" cy="1490518"/>
+          </a:xfrm>
+          <a:prstGeom prst="rect">
+            <a:avLst/>
+          </a:prstGeom>
+        </p:spPr>
+      </p:pic>
+    </p:spTree>
+    <p:extLst>
+      <p:ext uri="{BB962C8B-B14F-4D97-AF65-F5344CB8AC3E}">
+        <p14:creationId xmlns:p14="http://schemas.microsoft.com/office/powerpoint/2010/main" val="3820000668"/>
+      </p:ext>
+    </p:extLst>
+  </p:cSld>
+  <p:clrMapOvr>
+    <a:masterClrMapping/>
+  </p:clrMapOvr>
+</p:sld>
+</file>
+
+<file path=ppt/slides/slide6.xml><?xml version="1.0" encoding="utf-8"?>
+<p:sld xmlns:a="http://schemas.openxmlformats.org/drawingml/2006/main" xmlns:r="http://schemas.openxmlformats.org/officeDocument/2006/relationships" xmlns:p="http://schemas.openxmlformats.org/presentationml/2006/main">
+  <p:cSld>
+    <p:spTree>
+      <p:nvGrpSpPr>
+        <p:cNvPr id="1" name=""/>
+        <p:cNvGrpSpPr/>
+        <p:nvPr/>
+      </p:nvGrpSpPr>
+      <p:grpSpPr>
+        <a:xfrm>
+          <a:off x="0" y="0"/>
+          <a:ext cx="0" cy="0"/>
+          <a:chOff x="0" y="0"/>
+          <a:chExt cx="0" cy="0"/>
+        </a:xfrm>
+      </p:grpSpPr>
+      <p:sp>
+        <p:nvSpPr>
+          <p:cNvPr id="2" name="Titel 1"/>
+          <p:cNvSpPr>
+            <a:spLocks noGrp="1"/>
+          </p:cNvSpPr>
+          <p:nvPr>
+            <p:ph type="title"/>
+          </p:nvPr>
+        </p:nvSpPr>
+        <p:spPr/>
+        <p:txBody>
+          <a:bodyPr/>
+          <a:lstStyle/>
+          <a:p>
+            <a:r>
+              <a:rPr lang="de-DE" dirty="0" smtClean="0"/>
+              <a:t>Organisation</a:t>
+            </a:r>
+            <a:endParaRPr lang="de-DE" dirty="0"/>
+          </a:p>
+        </p:txBody>
+      </p:sp>
       <p:grpSp>
         <p:nvGrpSpPr>
-          <p:cNvPr id="79" name="Gruppieren 78"/>
+          <p:cNvPr id="4" name="Gruppieren 3"/>
           <p:cNvGrpSpPr/>
           <p:nvPr/>
         </p:nvGrpSpPr>
         <p:grpSpPr>
           <a:xfrm>
-            <a:off x="8615851" y="1845898"/>
+            <a:off x="1129829" y="1926284"/>
             <a:ext cx="2481943" cy="647698"/>
             <a:chOff x="8400422" y="1975439"/>
             <a:chExt cx="2481943" cy="647698"/>
@@ -7532,7 +11775,7 @@
         </p:grpSpPr>
         <p:sp>
           <p:nvSpPr>
-            <p:cNvPr id="78" name="Rechteck 77"/>
+            <p:cNvPr id="5" name="Rechteck 4"/>
             <p:cNvSpPr/>
             <p:nvPr/>
           </p:nvSpPr>
@@ -7578,14 +11821,14 @@
         </p:sp>
         <p:pic>
           <p:nvPicPr>
-            <p:cNvPr id="76" name="Grafik 75"/>
+            <p:cNvPr id="6" name="Grafik 5"/>
             <p:cNvPicPr>
               <a:picLocks noChangeAspect="1"/>
             </p:cNvPicPr>
             <p:nvPr/>
           </p:nvPicPr>
           <p:blipFill>
-            <a:blip r:embed="rId16">
+            <a:blip r:embed="rId2">
               <a:extLst>
                 <a:ext uri="{28A0092B-C50C-407E-A947-70E740481C1C}">
                   <a14:useLocalDpi xmlns:a14="http://schemas.microsoft.com/office/drawing/2010/main" val="0"/>
@@ -7608,14 +11851,14 @@
         </p:pic>
         <p:pic>
           <p:nvPicPr>
-            <p:cNvPr id="77" name="Grafik 76"/>
+            <p:cNvPr id="7" name="Grafik 6"/>
             <p:cNvPicPr>
               <a:picLocks noChangeAspect="1"/>
             </p:cNvPicPr>
             <p:nvPr/>
           </p:nvPicPr>
           <p:blipFill>
-            <a:blip r:embed="rId17">
+            <a:blip r:embed="rId3">
               <a:extLst>
                 <a:ext uri="{28A0092B-C50C-407E-A947-70E740481C1C}">
                   <a14:useLocalDpi xmlns:a14="http://schemas.microsoft.com/office/drawing/2010/main" val="0"/>
@@ -7639,14 +11882,14 @@
       </p:grpSp>
       <p:pic>
         <p:nvPicPr>
-          <p:cNvPr id="80" name="Grafik 79"/>
+          <p:cNvPr id="8" name="Grafik 7"/>
           <p:cNvPicPr>
             <a:picLocks noChangeAspect="1"/>
           </p:cNvPicPr>
           <p:nvPr/>
         </p:nvPicPr>
         <p:blipFill>
-          <a:blip r:embed="rId18">
+          <a:blip r:embed="rId4">
             <a:extLst>
               <a:ext uri="{28A0092B-C50C-407E-A947-70E740481C1C}">
                 <a14:useLocalDpi xmlns:a14="http://schemas.microsoft.com/office/drawing/2010/main" val="0"/>
@@ -7659,7 +11902,7 @@
         </p:blipFill>
         <p:spPr>
           <a:xfrm>
-            <a:off x="8632565" y="2541950"/>
+            <a:off x="1129829" y="3988912"/>
             <a:ext cx="2465229" cy="783782"/>
           </a:xfrm>
           <a:prstGeom prst="rect">
@@ -7677,10 +11920,250 @@
           </a:effectLst>
         </p:spPr>
       </p:pic>
+      <p:pic>
+        <p:nvPicPr>
+          <p:cNvPr id="2050" name="Picture 2" descr="https://upload.wikimedia.org/wikipedia/en/archive/7/76/20150210005716!Slack_Icon.png"/>
+          <p:cNvPicPr>
+            <a:picLocks noChangeAspect="1" noChangeArrowheads="1"/>
+          </p:cNvPicPr>
+          <p:nvPr/>
+        </p:nvPicPr>
+        <p:blipFill>
+          <a:blip r:embed="rId5">
+            <a:extLst>
+              <a:ext uri="{28A0092B-C50C-407E-A947-70E740481C1C}">
+                <a14:useLocalDpi xmlns:a14="http://schemas.microsoft.com/office/drawing/2010/main" val="0"/>
+              </a:ext>
+            </a:extLst>
+          </a:blip>
+          <a:srcRect/>
+          <a:stretch>
+            <a:fillRect/>
+          </a:stretch>
+        </p:blipFill>
+        <p:spPr bwMode="auto">
+          <a:xfrm>
+            <a:off x="7852613" y="1836891"/>
+            <a:ext cx="1793805" cy="737091"/>
+          </a:xfrm>
+          <a:prstGeom prst="rect">
+            <a:avLst/>
+          </a:prstGeom>
+          <a:noFill/>
+          <a:extLst>
+            <a:ext uri="{909E8E84-426E-40DD-AFC4-6F175D3DCCD1}">
+              <a14:hiddenFill xmlns:a14="http://schemas.microsoft.com/office/drawing/2010/main">
+                <a:solidFill>
+                  <a:srgbClr val="FFFFFF"/>
+                </a:solidFill>
+              </a14:hiddenFill>
+            </a:ext>
+          </a:extLst>
+        </p:spPr>
+      </p:pic>
+      <p:pic>
+        <p:nvPicPr>
+          <p:cNvPr id="2052" name="Picture 4" descr="http://www.extendedvolume.com/wp-content/uploads/2015/02/trello-logo-blue.png"/>
+          <p:cNvPicPr>
+            <a:picLocks noChangeAspect="1" noChangeArrowheads="1"/>
+          </p:cNvPicPr>
+          <p:nvPr/>
+        </p:nvPicPr>
+        <p:blipFill>
+          <a:blip r:embed="rId6">
+            <a:extLst>
+              <a:ext uri="{28A0092B-C50C-407E-A947-70E740481C1C}">
+                <a14:useLocalDpi xmlns:a14="http://schemas.microsoft.com/office/drawing/2010/main" val="0"/>
+              </a:ext>
+            </a:extLst>
+          </a:blip>
+          <a:srcRect/>
+          <a:stretch>
+            <a:fillRect/>
+          </a:stretch>
+        </p:blipFill>
+        <p:spPr bwMode="auto">
+          <a:xfrm>
+            <a:off x="7297528" y="3880173"/>
+            <a:ext cx="2903974" cy="892521"/>
+          </a:xfrm>
+          <a:prstGeom prst="rect">
+            <a:avLst/>
+          </a:prstGeom>
+          <a:noFill/>
+          <a:extLst>
+            <a:ext uri="{909E8E84-426E-40DD-AFC4-6F175D3DCCD1}">
+              <a14:hiddenFill xmlns:a14="http://schemas.microsoft.com/office/drawing/2010/main">
+                <a:solidFill>
+                  <a:srgbClr val="FFFFFF"/>
+                </a:solidFill>
+              </a14:hiddenFill>
+            </a:ext>
+          </a:extLst>
+        </p:spPr>
+      </p:pic>
+      <p:cxnSp>
+        <p:nvCxnSpPr>
+          <p:cNvPr id="10" name="Gerade Verbindung mit Pfeil 9"/>
+          <p:cNvCxnSpPr>
+            <a:stCxn id="2050" idx="2"/>
+            <a:endCxn id="2052" idx="0"/>
+          </p:cNvCxnSpPr>
+          <p:nvPr/>
+        </p:nvCxnSpPr>
+        <p:spPr>
+          <a:xfrm flipH="1">
+            <a:off x="8749515" y="2573982"/>
+            <a:ext cx="1" cy="1306191"/>
+          </a:xfrm>
+          <a:prstGeom prst="straightConnector1">
+            <a:avLst/>
+          </a:prstGeom>
+          <a:ln w="95250">
+            <a:solidFill>
+              <a:schemeClr val="tx1"/>
+            </a:solidFill>
+            <a:headEnd type="triangle"/>
+            <a:tailEnd type="triangle"/>
+          </a:ln>
+        </p:spPr>
+        <p:style>
+          <a:lnRef idx="1">
+            <a:schemeClr val="accent1"/>
+          </a:lnRef>
+          <a:fillRef idx="0">
+            <a:schemeClr val="accent1"/>
+          </a:fillRef>
+          <a:effectRef idx="0">
+            <a:schemeClr val="accent1"/>
+          </a:effectRef>
+          <a:fontRef idx="minor">
+            <a:schemeClr val="tx1"/>
+          </a:fontRef>
+        </p:style>
+      </p:cxnSp>
+      <p:cxnSp>
+        <p:nvCxnSpPr>
+          <p:cNvPr id="14" name="Gerade Verbindung mit Pfeil 13"/>
+          <p:cNvCxnSpPr>
+            <a:stCxn id="2052" idx="1"/>
+            <a:endCxn id="5" idx="3"/>
+          </p:cNvCxnSpPr>
+          <p:nvPr/>
+        </p:nvCxnSpPr>
+        <p:spPr>
+          <a:xfrm flipH="1" flipV="1">
+            <a:off x="3611772" y="2225013"/>
+            <a:ext cx="3685756" cy="2101421"/>
+          </a:xfrm>
+          <a:prstGeom prst="straightConnector1">
+            <a:avLst/>
+          </a:prstGeom>
+          <a:ln w="95250">
+            <a:solidFill>
+              <a:schemeClr val="tx1"/>
+            </a:solidFill>
+            <a:tailEnd type="triangle"/>
+          </a:ln>
+        </p:spPr>
+        <p:style>
+          <a:lnRef idx="1">
+            <a:schemeClr val="accent1"/>
+          </a:lnRef>
+          <a:fillRef idx="0">
+            <a:schemeClr val="accent1"/>
+          </a:fillRef>
+          <a:effectRef idx="0">
+            <a:schemeClr val="accent1"/>
+          </a:effectRef>
+          <a:fontRef idx="minor">
+            <a:schemeClr val="tx1"/>
+          </a:fontRef>
+        </p:style>
+      </p:cxnSp>
+      <p:pic>
+        <p:nvPicPr>
+          <p:cNvPr id="2056" name="Picture 8" descr="http://www.pcexpert-blog.com/wp-content/uploads/2014/08/icon.png"/>
+          <p:cNvPicPr>
+            <a:picLocks noChangeAspect="1" noChangeArrowheads="1"/>
+          </p:cNvPicPr>
+          <p:nvPr/>
+        </p:nvPicPr>
+        <p:blipFill>
+          <a:blip r:embed="rId7">
+            <a:extLst>
+              <a:ext uri="{28A0092B-C50C-407E-A947-70E740481C1C}">
+                <a14:useLocalDpi xmlns:a14="http://schemas.microsoft.com/office/drawing/2010/main" val="0"/>
+              </a:ext>
+            </a:extLst>
+          </a:blip>
+          <a:srcRect/>
+          <a:stretch>
+            <a:fillRect/>
+          </a:stretch>
+        </p:blipFill>
+        <p:spPr bwMode="auto">
+          <a:xfrm>
+            <a:off x="4889339" y="2710412"/>
+            <a:ext cx="1130621" cy="1130621"/>
+          </a:xfrm>
+          <a:prstGeom prst="rect">
+            <a:avLst/>
+          </a:prstGeom>
+          <a:noFill/>
+          <a:extLst>
+            <a:ext uri="{909E8E84-426E-40DD-AFC4-6F175D3DCCD1}">
+              <a14:hiddenFill xmlns:a14="http://schemas.microsoft.com/office/drawing/2010/main">
+                <a:solidFill>
+                  <a:srgbClr val="FFFFFF"/>
+                </a:solidFill>
+              </a14:hiddenFill>
+            </a:ext>
+          </a:extLst>
+        </p:spPr>
+      </p:pic>
+      <p:cxnSp>
+        <p:nvCxnSpPr>
+          <p:cNvPr id="16" name="Gerade Verbindung mit Pfeil 15"/>
+          <p:cNvCxnSpPr>
+            <a:endCxn id="8" idx="0"/>
+          </p:cNvCxnSpPr>
+          <p:nvPr/>
+        </p:nvCxnSpPr>
+        <p:spPr>
+          <a:xfrm>
+            <a:off x="2362443" y="2573982"/>
+            <a:ext cx="1" cy="1414930"/>
+          </a:xfrm>
+          <a:prstGeom prst="straightConnector1">
+            <a:avLst/>
+          </a:prstGeom>
+          <a:ln w="95250">
+            <a:solidFill>
+              <a:schemeClr val="tx1"/>
+            </a:solidFill>
+            <a:tailEnd type="triangle"/>
+          </a:ln>
+        </p:spPr>
+        <p:style>
+          <a:lnRef idx="1">
+            <a:schemeClr val="accent1"/>
+          </a:lnRef>
+          <a:fillRef idx="0">
+            <a:schemeClr val="accent1"/>
+          </a:fillRef>
+          <a:effectRef idx="0">
+            <a:schemeClr val="accent1"/>
+          </a:effectRef>
+          <a:fontRef idx="minor">
+            <a:schemeClr val="tx1"/>
+          </a:fontRef>
+        </p:style>
+      </p:cxnSp>
     </p:spTree>
     <p:extLst>
       <p:ext uri="{BB962C8B-B14F-4D97-AF65-F5344CB8AC3E}">
-        <p14:creationId xmlns:p14="http://schemas.microsoft.com/office/powerpoint/2010/main" val="1421850581"/>
+        <p14:creationId xmlns:p14="http://schemas.microsoft.com/office/powerpoint/2010/main" val="671863622"/>
       </p:ext>
     </p:extLst>
   </p:cSld>

--- a/data/Dokumente/Präsentation.pptx
+++ b/data/Dokumente/Präsentation.pptx
@@ -3960,7 +3960,7 @@
           <a:p>
             <a:fld id="{4AAD347D-5ACD-4C99-B74B-A9C85AD731AF}" type="datetimeFigureOut">
               <a:rPr lang="en-US" smtClean="0"/>
-              <a:t>9/4/2015</a:t>
+              <a:t>9/7/2015</a:t>
             </a:fld>
             <a:endParaRPr lang="en-US" dirty="0"/>
           </a:p>
@@ -4242,7 +4242,7 @@
           <a:p>
             <a:fld id="{4509A250-FF31-4206-8172-F9D3106AACB1}" type="datetimeFigureOut">
               <a:rPr lang="en-US" smtClean="0"/>
-              <a:t>9/4/2015</a:t>
+              <a:t>9/7/2015</a:t>
             </a:fld>
             <a:endParaRPr lang="en-US" dirty="0"/>
           </a:p>
@@ -4443,7 +4443,7 @@
           <a:p>
             <a:fld id="{4509A250-FF31-4206-8172-F9D3106AACB1}" type="datetimeFigureOut">
               <a:rPr lang="en-US" smtClean="0"/>
-              <a:t>9/4/2015</a:t>
+              <a:t>9/7/2015</a:t>
             </a:fld>
             <a:endParaRPr lang="en-US" dirty="0"/>
           </a:p>
@@ -4722,7 +4722,7 @@
           <a:p>
             <a:fld id="{4509A250-FF31-4206-8172-F9D3106AACB1}" type="datetimeFigureOut">
               <a:rPr lang="en-US" smtClean="0"/>
-              <a:t>9/4/2015</a:t>
+              <a:t>9/7/2015</a:t>
             </a:fld>
             <a:endParaRPr lang="en-US" dirty="0"/>
           </a:p>
@@ -5077,7 +5077,7 @@
           <a:p>
             <a:fld id="{4509A250-FF31-4206-8172-F9D3106AACB1}" type="datetimeFigureOut">
               <a:rPr lang="en-US" smtClean="0"/>
-              <a:t>9/4/2015</a:t>
+              <a:t>9/7/2015</a:t>
             </a:fld>
             <a:endParaRPr lang="en-US" dirty="0"/>
           </a:p>
@@ -5704,7 +5704,7 @@
           <a:p>
             <a:fld id="{4509A250-FF31-4206-8172-F9D3106AACB1}" type="datetimeFigureOut">
               <a:rPr lang="en-US" smtClean="0"/>
-              <a:t>9/4/2015</a:t>
+              <a:t>9/7/2015</a:t>
             </a:fld>
             <a:endParaRPr lang="en-US" dirty="0"/>
           </a:p>
@@ -6568,7 +6568,7 @@
           <a:p>
             <a:fld id="{4509A250-FF31-4206-8172-F9D3106AACB1}" type="datetimeFigureOut">
               <a:rPr lang="en-US" smtClean="0"/>
-              <a:t>9/4/2015</a:t>
+              <a:t>9/7/2015</a:t>
             </a:fld>
             <a:endParaRPr lang="en-US" dirty="0"/>
           </a:p>
@@ -6745,7 +6745,7 @@
           <a:p>
             <a:fld id="{4509A250-FF31-4206-8172-F9D3106AACB1}" type="datetimeFigureOut">
               <a:rPr lang="en-US" smtClean="0"/>
-              <a:t>9/4/2015</a:t>
+              <a:t>9/7/2015</a:t>
             </a:fld>
             <a:endParaRPr lang="en-US" dirty="0"/>
           </a:p>
@@ -6932,7 +6932,7 @@
           <a:p>
             <a:fld id="{4509A250-FF31-4206-8172-F9D3106AACB1}" type="datetimeFigureOut">
               <a:rPr lang="en-US" smtClean="0"/>
-              <a:t>9/4/2015</a:t>
+              <a:t>9/7/2015</a:t>
             </a:fld>
             <a:endParaRPr lang="en-US" dirty="0"/>
           </a:p>
@@ -7109,7 +7109,7 @@
           <a:p>
             <a:fld id="{4509A250-FF31-4206-8172-F9D3106AACB1}" type="datetimeFigureOut">
               <a:rPr lang="en-US" smtClean="0"/>
-              <a:t>9/4/2015</a:t>
+              <a:t>9/7/2015</a:t>
             </a:fld>
             <a:endParaRPr lang="en-US" dirty="0"/>
           </a:p>
@@ -7362,7 +7362,7 @@
           <a:p>
             <a:fld id="{4509A250-FF31-4206-8172-F9D3106AACB1}" type="datetimeFigureOut">
               <a:rPr lang="en-US" smtClean="0"/>
-              <a:t>9/4/2015</a:t>
+              <a:t>9/7/2015</a:t>
             </a:fld>
             <a:endParaRPr lang="en-US" dirty="0"/>
           </a:p>
@@ -7661,7 +7661,7 @@
           <a:p>
             <a:fld id="{4509A250-FF31-4206-8172-F9D3106AACB1}" type="datetimeFigureOut">
               <a:rPr lang="en-US" smtClean="0"/>
-              <a:t>9/4/2015</a:t>
+              <a:t>9/7/2015</a:t>
             </a:fld>
             <a:endParaRPr lang="en-US" dirty="0"/>
           </a:p>
@@ -8110,7 +8110,7 @@
           <a:p>
             <a:fld id="{4509A250-FF31-4206-8172-F9D3106AACB1}" type="datetimeFigureOut">
               <a:rPr lang="en-US" smtClean="0"/>
-              <a:t>9/4/2015</a:t>
+              <a:t>9/7/2015</a:t>
             </a:fld>
             <a:endParaRPr lang="en-US" dirty="0"/>
           </a:p>
@@ -8235,7 +8235,7 @@
           <a:p>
             <a:fld id="{4509A250-FF31-4206-8172-F9D3106AACB1}" type="datetimeFigureOut">
               <a:rPr lang="en-US" smtClean="0"/>
-              <a:t>9/4/2015</a:t>
+              <a:t>9/7/2015</a:t>
             </a:fld>
             <a:endParaRPr lang="en-US" dirty="0"/>
           </a:p>
@@ -8337,7 +8337,7 @@
           <a:p>
             <a:fld id="{4509A250-FF31-4206-8172-F9D3106AACB1}" type="datetimeFigureOut">
               <a:rPr lang="en-US" smtClean="0"/>
-              <a:t>9/4/2015</a:t>
+              <a:t>9/7/2015</a:t>
             </a:fld>
             <a:endParaRPr lang="en-US" dirty="0"/>
           </a:p>
@@ -8623,7 +8623,7 @@
           <a:p>
             <a:fld id="{4509A250-FF31-4206-8172-F9D3106AACB1}" type="datetimeFigureOut">
               <a:rPr lang="en-US" smtClean="0"/>
-              <a:t>9/4/2015</a:t>
+              <a:t>9/7/2015</a:t>
             </a:fld>
             <a:endParaRPr lang="en-US" dirty="0"/>
           </a:p>
@@ -8905,7 +8905,7 @@
           <a:p>
             <a:fld id="{4509A250-FF31-4206-8172-F9D3106AACB1}" type="datetimeFigureOut">
               <a:rPr lang="en-US" smtClean="0"/>
-              <a:t>9/4/2015</a:t>
+              <a:t>9/7/2015</a:t>
             </a:fld>
             <a:endParaRPr lang="en-US" dirty="0"/>
           </a:p>
@@ -9341,7 +9341,7 @@
           <a:p>
             <a:fld id="{4509A250-FF31-4206-8172-F9D3106AACB1}" type="datetimeFigureOut">
               <a:rPr lang="en-US" smtClean="0"/>
-              <a:t>9/4/2015</a:t>
+              <a:t>9/7/2015</a:t>
             </a:fld>
             <a:endParaRPr lang="en-US" dirty="0"/>
           </a:p>
@@ -10039,6 +10039,13 @@
   <p:clrMapOvr>
     <a:masterClrMapping/>
   </p:clrMapOvr>
+  <p:timing>
+    <p:tnLst>
+      <p:par>
+        <p:cTn id="1" dur="indefinite" restart="never" nodeType="tmRoot"/>
+      </p:par>
+    </p:tnLst>
+  </p:timing>
 </p:sld>
 </file>
 
@@ -10135,6 +10142,13 @@
   <p:clrMapOvr>
     <a:masterClrMapping/>
   </p:clrMapOvr>
+  <p:timing>
+    <p:tnLst>
+      <p:par>
+        <p:cTn id="1" dur="indefinite" restart="never" nodeType="tmRoot"/>
+      </p:par>
+    </p:tnLst>
+  </p:timing>
 </p:sld>
 </file>
 
@@ -11353,6 +11367,13 @@
   <p:clrMapOvr>
     <a:masterClrMapping/>
   </p:clrMapOvr>
+  <p:timing>
+    <p:tnLst>
+      <p:par>
+        <p:cTn id="1" dur="indefinite" restart="never" nodeType="tmRoot"/>
+      </p:par>
+    </p:tnLst>
+  </p:timing>
 </p:sld>
 </file>
 
@@ -11709,6 +11730,13 @@
   <p:clrMapOvr>
     <a:masterClrMapping/>
   </p:clrMapOvr>
+  <p:timing>
+    <p:tnLst>
+      <p:par>
+        <p:cTn id="1" dur="indefinite" restart="never" nodeType="tmRoot"/>
+      </p:par>
+    </p:tnLst>
+  </p:timing>
 </p:sld>
 </file>
 
@@ -11963,14 +11991,16 @@
       </p:pic>
       <p:pic>
         <p:nvPicPr>
-          <p:cNvPr id="2052" name="Picture 4" descr="http://www.extendedvolume.com/wp-content/uploads/2015/02/trello-logo-blue.png"/>
+          <p:cNvPr id="2052" name="Picture 4" descr="http://www.extendedvolume.com/wp-content/uploads/2015/02/trello-logo-blue.png">
+            <a:hlinkClick r:id="rId6"/>
+          </p:cNvPr>
           <p:cNvPicPr>
             <a:picLocks noChangeAspect="1" noChangeArrowheads="1"/>
           </p:cNvPicPr>
           <p:nvPr/>
         </p:nvPicPr>
         <p:blipFill>
-          <a:blip r:embed="rId6">
+          <a:blip r:embed="rId7">
             <a:extLst>
               <a:ext uri="{28A0092B-C50C-407E-A947-70E740481C1C}">
                 <a14:useLocalDpi xmlns:a14="http://schemas.microsoft.com/office/drawing/2010/main" val="0"/>
@@ -12090,7 +12120,7 @@
           <p:nvPr/>
         </p:nvPicPr>
         <p:blipFill>
-          <a:blip r:embed="rId7">
+          <a:blip r:embed="rId8">
             <a:extLst>
               <a:ext uri="{28A0092B-C50C-407E-A947-70E740481C1C}">
                 <a14:useLocalDpi xmlns:a14="http://schemas.microsoft.com/office/drawing/2010/main" val="0"/>
@@ -12170,6 +12200,13 @@
   <p:clrMapOvr>
     <a:masterClrMapping/>
   </p:clrMapOvr>
+  <p:timing>
+    <p:tnLst>
+      <p:par>
+        <p:cTn id="1" dur="indefinite" restart="never" nodeType="tmRoot"/>
+      </p:par>
+    </p:tnLst>
+  </p:timing>
 </p:sld>
 </file>
 
